--- a/3_manuscript/figures/figures_chemistry.pptx
+++ b/3_manuscript/figures/figures_chemistry.pptx
@@ -6,10 +6,11 @@
   </p:sldMasterIdLst>
   <p:sldIdLst>
     <p:sldId id="256" r:id="rId2"/>
-    <p:sldId id="259" r:id="rId3"/>
-    <p:sldId id="264" r:id="rId4"/>
-    <p:sldId id="262" r:id="rId5"/>
-    <p:sldId id="261" r:id="rId6"/>
+    <p:sldId id="265" r:id="rId3"/>
+    <p:sldId id="259" r:id="rId4"/>
+    <p:sldId id="264" r:id="rId5"/>
+    <p:sldId id="262" r:id="rId6"/>
+    <p:sldId id="261" r:id="rId7"/>
   </p:sldIdLst>
   <p:sldSz cx="12192000" cy="6858000"/>
   <p:notesSz cx="6858000" cy="9144000"/>
@@ -108,6 +109,11 @@
       </a:defRPr>
     </a:lvl9pPr>
   </p:defaultTextStyle>
+  <p:extLst>
+    <p:ext uri="{EFAFB233-063F-42B5-8137-9DF3F51BA10A}">
+      <p15:sldGuideLst xmlns:p15="http://schemas.microsoft.com/office/powerpoint/2012/main"/>
+    </p:ext>
+  </p:extLst>
 </p:presentation>
 </file>
 
@@ -258,7 +264,7 @@
           <a:p>
             <a:fld id="{A6F7B7D2-51E5-4EB1-A3F9-58CCB2F64465}" type="datetimeFigureOut">
               <a:rPr lang="fr-FR" smtClean="0"/>
-              <a:t>20/06/2022</a:t>
+              <a:t>22/06/2022</a:t>
             </a:fld>
             <a:endParaRPr lang="fr-FR"/>
           </a:p>
@@ -456,7 +462,7 @@
           <a:p>
             <a:fld id="{A6F7B7D2-51E5-4EB1-A3F9-58CCB2F64465}" type="datetimeFigureOut">
               <a:rPr lang="fr-FR" smtClean="0"/>
-              <a:t>20/06/2022</a:t>
+              <a:t>22/06/2022</a:t>
             </a:fld>
             <a:endParaRPr lang="fr-FR"/>
           </a:p>
@@ -664,7 +670,7 @@
           <a:p>
             <a:fld id="{A6F7B7D2-51E5-4EB1-A3F9-58CCB2F64465}" type="datetimeFigureOut">
               <a:rPr lang="fr-FR" smtClean="0"/>
-              <a:t>20/06/2022</a:t>
+              <a:t>22/06/2022</a:t>
             </a:fld>
             <a:endParaRPr lang="fr-FR"/>
           </a:p>
@@ -862,7 +868,7 @@
           <a:p>
             <a:fld id="{A6F7B7D2-51E5-4EB1-A3F9-58CCB2F64465}" type="datetimeFigureOut">
               <a:rPr lang="fr-FR" smtClean="0"/>
-              <a:t>20/06/2022</a:t>
+              <a:t>22/06/2022</a:t>
             </a:fld>
             <a:endParaRPr lang="fr-FR"/>
           </a:p>
@@ -1137,7 +1143,7 @@
           <a:p>
             <a:fld id="{A6F7B7D2-51E5-4EB1-A3F9-58CCB2F64465}" type="datetimeFigureOut">
               <a:rPr lang="fr-FR" smtClean="0"/>
-              <a:t>20/06/2022</a:t>
+              <a:t>22/06/2022</a:t>
             </a:fld>
             <a:endParaRPr lang="fr-FR"/>
           </a:p>
@@ -1402,7 +1408,7 @@
           <a:p>
             <a:fld id="{A6F7B7D2-51E5-4EB1-A3F9-58CCB2F64465}" type="datetimeFigureOut">
               <a:rPr lang="fr-FR" smtClean="0"/>
-              <a:t>20/06/2022</a:t>
+              <a:t>22/06/2022</a:t>
             </a:fld>
             <a:endParaRPr lang="fr-FR"/>
           </a:p>
@@ -1814,7 +1820,7 @@
           <a:p>
             <a:fld id="{A6F7B7D2-51E5-4EB1-A3F9-58CCB2F64465}" type="datetimeFigureOut">
               <a:rPr lang="fr-FR" smtClean="0"/>
-              <a:t>20/06/2022</a:t>
+              <a:t>22/06/2022</a:t>
             </a:fld>
             <a:endParaRPr lang="fr-FR"/>
           </a:p>
@@ -1955,7 +1961,7 @@
           <a:p>
             <a:fld id="{A6F7B7D2-51E5-4EB1-A3F9-58CCB2F64465}" type="datetimeFigureOut">
               <a:rPr lang="fr-FR" smtClean="0"/>
-              <a:t>20/06/2022</a:t>
+              <a:t>22/06/2022</a:t>
             </a:fld>
             <a:endParaRPr lang="fr-FR"/>
           </a:p>
@@ -2068,7 +2074,7 @@
           <a:p>
             <a:fld id="{A6F7B7D2-51E5-4EB1-A3F9-58CCB2F64465}" type="datetimeFigureOut">
               <a:rPr lang="fr-FR" smtClean="0"/>
-              <a:t>20/06/2022</a:t>
+              <a:t>22/06/2022</a:t>
             </a:fld>
             <a:endParaRPr lang="fr-FR"/>
           </a:p>
@@ -2379,7 +2385,7 @@
           <a:p>
             <a:fld id="{A6F7B7D2-51E5-4EB1-A3F9-58CCB2F64465}" type="datetimeFigureOut">
               <a:rPr lang="fr-FR" smtClean="0"/>
-              <a:t>20/06/2022</a:t>
+              <a:t>22/06/2022</a:t>
             </a:fld>
             <a:endParaRPr lang="fr-FR"/>
           </a:p>
@@ -2667,7 +2673,7 @@
           <a:p>
             <a:fld id="{A6F7B7D2-51E5-4EB1-A3F9-58CCB2F64465}" type="datetimeFigureOut">
               <a:rPr lang="fr-FR" smtClean="0"/>
-              <a:t>20/06/2022</a:t>
+              <a:t>22/06/2022</a:t>
             </a:fld>
             <a:endParaRPr lang="fr-FR"/>
           </a:p>
@@ -2908,7 +2914,7 @@
           <a:p>
             <a:fld id="{A6F7B7D2-51E5-4EB1-A3F9-58CCB2F64465}" type="datetimeFigureOut">
               <a:rPr lang="fr-FR" smtClean="0"/>
-              <a:t>20/06/2022</a:t>
+              <a:t>22/06/2022</a:t>
             </a:fld>
             <a:endParaRPr lang="fr-FR"/>
           </a:p>
@@ -3504,7 +3510,7 @@
           <a:noFill/>
           <a:ln w="57150">
             <a:solidFill>
-              <a:srgbClr val="8F8FFF"/>
+              <a:srgbClr val="6565B4"/>
             </a:solidFill>
           </a:ln>
         </p:spPr>
@@ -3548,6 +3554,3669 @@
         <p:spPr>
           <a:xfrm>
             <a:off x="2675289" y="1493659"/>
+            <a:ext cx="3984771" cy="2630457"/>
+          </a:xfrm>
+          <a:custGeom>
+            <a:avLst/>
+            <a:gdLst>
+              <a:gd name="connsiteX0" fmla="*/ 0 w 3984771"/>
+              <a:gd name="connsiteY0" fmla="*/ 1319747 h 2630457"/>
+              <a:gd name="connsiteX1" fmla="*/ 570451 w 3984771"/>
+              <a:gd name="connsiteY1" fmla="*/ 19453 h 2630457"/>
+              <a:gd name="connsiteX2" fmla="*/ 1946246 w 3984771"/>
+              <a:gd name="connsiteY2" fmla="*/ 2208980 h 2630457"/>
+              <a:gd name="connsiteX3" fmla="*/ 3984771 w 3984771"/>
+              <a:gd name="connsiteY3" fmla="*/ 2628430 h 2630457"/>
+            </a:gdLst>
+            <a:ahLst/>
+            <a:cxnLst>
+              <a:cxn ang="0">
+                <a:pos x="connsiteX0" y="connsiteY0"/>
+              </a:cxn>
+              <a:cxn ang="0">
+                <a:pos x="connsiteX1" y="connsiteY1"/>
+              </a:cxn>
+              <a:cxn ang="0">
+                <a:pos x="connsiteX2" y="connsiteY2"/>
+              </a:cxn>
+              <a:cxn ang="0">
+                <a:pos x="connsiteX3" y="connsiteY3"/>
+              </a:cxn>
+            </a:cxnLst>
+            <a:rect l="l" t="t" r="r" b="b"/>
+            <a:pathLst>
+              <a:path w="3984771" h="2630457">
+                <a:moveTo>
+                  <a:pt x="0" y="1319747"/>
+                </a:moveTo>
+                <a:cubicBezTo>
+                  <a:pt x="123038" y="595497"/>
+                  <a:pt x="246077" y="-128752"/>
+                  <a:pt x="570451" y="19453"/>
+                </a:cubicBezTo>
+                <a:cubicBezTo>
+                  <a:pt x="894825" y="167658"/>
+                  <a:pt x="1377193" y="1774150"/>
+                  <a:pt x="1946246" y="2208980"/>
+                </a:cubicBezTo>
+                <a:cubicBezTo>
+                  <a:pt x="2515299" y="2643810"/>
+                  <a:pt x="3250035" y="2636120"/>
+                  <a:pt x="3984771" y="2628430"/>
+                </a:cubicBezTo>
+              </a:path>
+            </a:pathLst>
+          </a:custGeom>
+          <a:noFill/>
+          <a:ln w="57150">
+            <a:solidFill>
+              <a:srgbClr val="7F7F7F"/>
+            </a:solidFill>
+          </a:ln>
+        </p:spPr>
+        <p:style>
+          <a:lnRef idx="2">
+            <a:schemeClr val="accent1">
+              <a:shade val="50000"/>
+            </a:schemeClr>
+          </a:lnRef>
+          <a:fillRef idx="1">
+            <a:schemeClr val="accent1"/>
+          </a:fillRef>
+          <a:effectRef idx="0">
+            <a:schemeClr val="accent1"/>
+          </a:effectRef>
+          <a:fontRef idx="minor">
+            <a:schemeClr val="lt1"/>
+          </a:fontRef>
+        </p:style>
+        <p:txBody>
+          <a:bodyPr rtlCol="0" anchor="ctr"/>
+          <a:lstStyle/>
+          <a:p>
+            <a:pPr algn="ctr"/>
+            <a:endParaRPr lang="fr-FR"/>
+          </a:p>
+        </p:txBody>
+      </p:sp>
+      <p:sp>
+        <p:nvSpPr>
+          <p:cNvPr id="14" name="Forme libre : forme 13">
+            <a:extLst>
+              <a:ext uri="{FF2B5EF4-FFF2-40B4-BE49-F238E27FC236}">
+                <a16:creationId xmlns:a16="http://schemas.microsoft.com/office/drawing/2014/main" id="{8E5AD54F-460A-4DE0-BEBF-7A5A95D8657C}"/>
+              </a:ext>
+            </a:extLst>
+          </p:cNvPr>
+          <p:cNvSpPr/>
+          <p:nvPr/>
+        </p:nvSpPr>
+        <p:spPr>
+          <a:xfrm>
+            <a:off x="2675289" y="1301342"/>
+            <a:ext cx="4144162" cy="2383847"/>
+          </a:xfrm>
+          <a:custGeom>
+            <a:avLst/>
+            <a:gdLst>
+              <a:gd name="connsiteX0" fmla="*/ 0 w 3682767"/>
+              <a:gd name="connsiteY0" fmla="*/ 747896 h 1007955"/>
+              <a:gd name="connsiteX1" fmla="*/ 1098958 w 3682767"/>
+              <a:gd name="connsiteY1" fmla="*/ 1276 h 1007955"/>
+              <a:gd name="connsiteX2" fmla="*/ 1979802 w 3682767"/>
+              <a:gd name="connsiteY2" fmla="*/ 580117 h 1007955"/>
+              <a:gd name="connsiteX3" fmla="*/ 3682767 w 3682767"/>
+              <a:gd name="connsiteY3" fmla="*/ 1007955 h 1007955"/>
+              <a:gd name="connsiteX4" fmla="*/ 3682767 w 3682767"/>
+              <a:gd name="connsiteY4" fmla="*/ 1007955 h 1007955"/>
+              <a:gd name="connsiteX5" fmla="*/ 3682767 w 3682767"/>
+              <a:gd name="connsiteY5" fmla="*/ 1007955 h 1007955"/>
+              <a:gd name="connsiteX6" fmla="*/ 3682767 w 3682767"/>
+              <a:gd name="connsiteY6" fmla="*/ 1007955 h 1007955"/>
+            </a:gdLst>
+            <a:ahLst/>
+            <a:cxnLst>
+              <a:cxn ang="0">
+                <a:pos x="connsiteX0" y="connsiteY0"/>
+              </a:cxn>
+              <a:cxn ang="0">
+                <a:pos x="connsiteX1" y="connsiteY1"/>
+              </a:cxn>
+              <a:cxn ang="0">
+                <a:pos x="connsiteX2" y="connsiteY2"/>
+              </a:cxn>
+              <a:cxn ang="0">
+                <a:pos x="connsiteX3" y="connsiteY3"/>
+              </a:cxn>
+              <a:cxn ang="0">
+                <a:pos x="connsiteX4" y="connsiteY4"/>
+              </a:cxn>
+              <a:cxn ang="0">
+                <a:pos x="connsiteX5" y="connsiteY5"/>
+              </a:cxn>
+              <a:cxn ang="0">
+                <a:pos x="connsiteX6" y="connsiteY6"/>
+              </a:cxn>
+            </a:cxnLst>
+            <a:rect l="l" t="t" r="r" b="b"/>
+            <a:pathLst>
+              <a:path w="3682767" h="1007955">
+                <a:moveTo>
+                  <a:pt x="0" y="747896"/>
+                </a:moveTo>
+                <a:cubicBezTo>
+                  <a:pt x="384495" y="388567"/>
+                  <a:pt x="768991" y="29239"/>
+                  <a:pt x="1098958" y="1276"/>
+                </a:cubicBezTo>
+                <a:cubicBezTo>
+                  <a:pt x="1428925" y="-26687"/>
+                  <a:pt x="1549167" y="412337"/>
+                  <a:pt x="1979802" y="580117"/>
+                </a:cubicBezTo>
+                <a:cubicBezTo>
+                  <a:pt x="2410437" y="747897"/>
+                  <a:pt x="3682767" y="1007955"/>
+                  <a:pt x="3682767" y="1007955"/>
+                </a:cubicBezTo>
+                <a:lnTo>
+                  <a:pt x="3682767" y="1007955"/>
+                </a:lnTo>
+                <a:lnTo>
+                  <a:pt x="3682767" y="1007955"/>
+                </a:lnTo>
+                <a:lnTo>
+                  <a:pt x="3682767" y="1007955"/>
+                </a:lnTo>
+              </a:path>
+            </a:pathLst>
+          </a:custGeom>
+          <a:noFill/>
+          <a:ln w="57150">
+            <a:solidFill>
+              <a:srgbClr val="FF9600"/>
+            </a:solidFill>
+          </a:ln>
+        </p:spPr>
+        <p:style>
+          <a:lnRef idx="2">
+            <a:schemeClr val="accent1">
+              <a:shade val="50000"/>
+            </a:schemeClr>
+          </a:lnRef>
+          <a:fillRef idx="1">
+            <a:schemeClr val="accent1"/>
+          </a:fillRef>
+          <a:effectRef idx="0">
+            <a:schemeClr val="accent1"/>
+          </a:effectRef>
+          <a:fontRef idx="minor">
+            <a:schemeClr val="lt1"/>
+          </a:fontRef>
+        </p:style>
+        <p:txBody>
+          <a:bodyPr rtlCol="0" anchor="ctr"/>
+          <a:lstStyle/>
+          <a:p>
+            <a:pPr algn="ctr"/>
+            <a:endParaRPr lang="fr-FR"/>
+          </a:p>
+        </p:txBody>
+      </p:sp>
+      <p:sp>
+        <p:nvSpPr>
+          <p:cNvPr id="25" name="ZoneTexte 24">
+            <a:extLst>
+              <a:ext uri="{FF2B5EF4-FFF2-40B4-BE49-F238E27FC236}">
+                <a16:creationId xmlns:a16="http://schemas.microsoft.com/office/drawing/2014/main" id="{D0AFAB7C-13DA-4365-8326-55151D60FFDB}"/>
+              </a:ext>
+            </a:extLst>
+          </p:cNvPr>
+          <p:cNvSpPr txBox="1"/>
+          <p:nvPr/>
+        </p:nvSpPr>
+        <p:spPr>
+          <a:xfrm>
+            <a:off x="7124455" y="3534440"/>
+            <a:ext cx="1066318" cy="954107"/>
+          </a:xfrm>
+          <a:prstGeom prst="rect">
+            <a:avLst/>
+          </a:prstGeom>
+          <a:noFill/>
+        </p:spPr>
+        <p:txBody>
+          <a:bodyPr wrap="none" rtlCol="0">
+            <a:spAutoFit/>
+          </a:bodyPr>
+          <a:lstStyle/>
+          <a:p>
+            <a:r>
+              <a:rPr lang="fr-FR" sz="1400" b="1">
+                <a:solidFill>
+                  <a:srgbClr val="C8C8C8"/>
+                </a:solidFill>
+              </a:rPr>
+              <a:t>Carbon</a:t>
+            </a:r>
+          </a:p>
+          <a:p>
+            <a:r>
+              <a:rPr lang="fr-FR" sz="1400" b="1">
+                <a:solidFill>
+                  <a:srgbClr val="5A5ACA"/>
+                </a:solidFill>
+              </a:rPr>
+              <a:t>Nitrogen</a:t>
+            </a:r>
+          </a:p>
+          <a:p>
+            <a:r>
+              <a:rPr lang="fr-FR" sz="1400" b="1">
+                <a:solidFill>
+                  <a:srgbClr val="FFA500"/>
+                </a:solidFill>
+              </a:rPr>
+              <a:t>Phosphorus</a:t>
+            </a:r>
+          </a:p>
+          <a:p>
+            <a:r>
+              <a:rPr lang="fr-FR" sz="1400" b="1">
+                <a:solidFill>
+                  <a:srgbClr val="0000FF"/>
+                </a:solidFill>
+              </a:rPr>
+              <a:t>Sodium</a:t>
+            </a:r>
+          </a:p>
+        </p:txBody>
+      </p:sp>
+      <p:sp>
+        <p:nvSpPr>
+          <p:cNvPr id="30" name="ZoneTexte 29">
+            <a:extLst>
+              <a:ext uri="{FF2B5EF4-FFF2-40B4-BE49-F238E27FC236}">
+                <a16:creationId xmlns:a16="http://schemas.microsoft.com/office/drawing/2014/main" id="{FB504497-1EE1-40FF-8C0F-E88C7E4BE63E}"/>
+              </a:ext>
+            </a:extLst>
+          </p:cNvPr>
+          <p:cNvSpPr txBox="1"/>
+          <p:nvPr/>
+        </p:nvSpPr>
+        <p:spPr>
+          <a:xfrm rot="16200000">
+            <a:off x="-68079" y="2496179"/>
+            <a:ext cx="3651384" cy="369332"/>
+          </a:xfrm>
+          <a:prstGeom prst="rect">
+            <a:avLst/>
+          </a:prstGeom>
+          <a:noFill/>
+        </p:spPr>
+        <p:txBody>
+          <a:bodyPr wrap="none" rtlCol="0">
+            <a:spAutoFit/>
+          </a:bodyPr>
+          <a:lstStyle/>
+          <a:p>
+            <a:r>
+              <a:rPr lang="fr-FR"/>
+              <a:t>Element absorption efficiency (%dw)</a:t>
+            </a:r>
+          </a:p>
+        </p:txBody>
+      </p:sp>
+      <p:sp>
+        <p:nvSpPr>
+          <p:cNvPr id="34" name="ZoneTexte 33">
+            <a:extLst>
+              <a:ext uri="{FF2B5EF4-FFF2-40B4-BE49-F238E27FC236}">
+                <a16:creationId xmlns:a16="http://schemas.microsoft.com/office/drawing/2014/main" id="{EF09800A-D5B7-4CF7-B7AD-089789F21475}"/>
+              </a:ext>
+            </a:extLst>
+          </p:cNvPr>
+          <p:cNvSpPr txBox="1"/>
+          <p:nvPr/>
+        </p:nvSpPr>
+        <p:spPr>
+          <a:xfrm>
+            <a:off x="4398880" y="4930119"/>
+            <a:ext cx="4877810" cy="369332"/>
+          </a:xfrm>
+          <a:prstGeom prst="rect">
+            <a:avLst/>
+          </a:prstGeom>
+          <a:noFill/>
+        </p:spPr>
+        <p:txBody>
+          <a:bodyPr wrap="none" rtlCol="0">
+            <a:spAutoFit/>
+          </a:bodyPr>
+          <a:lstStyle/>
+          <a:p>
+            <a:r>
+              <a:rPr lang="fr-FR"/>
+              <a:t>Mass-specific total intake rate (mg/day / mg indiv)</a:t>
+            </a:r>
+          </a:p>
+        </p:txBody>
+      </p:sp>
+      <p:cxnSp>
+        <p:nvCxnSpPr>
+          <p:cNvPr id="42" name="Connecteur droit 41">
+            <a:extLst>
+              <a:ext uri="{FF2B5EF4-FFF2-40B4-BE49-F238E27FC236}">
+                <a16:creationId xmlns:a16="http://schemas.microsoft.com/office/drawing/2014/main" id="{F8DBD68F-A416-49D2-A831-DD388263B5A2}"/>
+              </a:ext>
+            </a:extLst>
+          </p:cNvPr>
+          <p:cNvCxnSpPr>
+            <a:cxnSpLocks/>
+          </p:cNvCxnSpPr>
+          <p:nvPr/>
+        </p:nvCxnSpPr>
+        <p:spPr>
+          <a:xfrm>
+            <a:off x="7297621" y="1469656"/>
+            <a:ext cx="0" cy="790662"/>
+          </a:xfrm>
+          <a:prstGeom prst="line">
+            <a:avLst/>
+          </a:prstGeom>
+          <a:ln w="57150">
+            <a:solidFill>
+              <a:schemeClr val="tx1"/>
+            </a:solidFill>
+          </a:ln>
+        </p:spPr>
+        <p:style>
+          <a:lnRef idx="1">
+            <a:schemeClr val="accent1"/>
+          </a:lnRef>
+          <a:fillRef idx="0">
+            <a:schemeClr val="accent1"/>
+          </a:fillRef>
+          <a:effectRef idx="0">
+            <a:schemeClr val="accent1"/>
+          </a:effectRef>
+          <a:fontRef idx="minor">
+            <a:schemeClr val="tx1"/>
+          </a:fontRef>
+        </p:style>
+      </p:cxnSp>
+      <p:cxnSp>
+        <p:nvCxnSpPr>
+          <p:cNvPr id="43" name="Connecteur droit 42">
+            <a:extLst>
+              <a:ext uri="{FF2B5EF4-FFF2-40B4-BE49-F238E27FC236}">
+                <a16:creationId xmlns:a16="http://schemas.microsoft.com/office/drawing/2014/main" id="{2BDA8F9C-CDEF-4A33-B0B9-E76D3A143C7E}"/>
+              </a:ext>
+            </a:extLst>
+          </p:cNvPr>
+          <p:cNvCxnSpPr>
+            <a:cxnSpLocks/>
+          </p:cNvCxnSpPr>
+          <p:nvPr/>
+        </p:nvCxnSpPr>
+        <p:spPr>
+          <a:xfrm flipH="1" flipV="1">
+            <a:off x="7280844" y="2244938"/>
+            <a:ext cx="1426127" cy="15380"/>
+          </a:xfrm>
+          <a:prstGeom prst="line">
+            <a:avLst/>
+          </a:prstGeom>
+          <a:ln w="57150">
+            <a:solidFill>
+              <a:schemeClr val="tx1"/>
+            </a:solidFill>
+          </a:ln>
+        </p:spPr>
+        <p:style>
+          <a:lnRef idx="1">
+            <a:schemeClr val="accent1"/>
+          </a:lnRef>
+          <a:fillRef idx="0">
+            <a:schemeClr val="accent1"/>
+          </a:fillRef>
+          <a:effectRef idx="0">
+            <a:schemeClr val="accent1"/>
+          </a:effectRef>
+          <a:fontRef idx="minor">
+            <a:schemeClr val="tx1"/>
+          </a:fontRef>
+        </p:style>
+      </p:cxnSp>
+      <p:sp>
+        <p:nvSpPr>
+          <p:cNvPr id="44" name="Forme libre : forme 43">
+            <a:extLst>
+              <a:ext uri="{FF2B5EF4-FFF2-40B4-BE49-F238E27FC236}">
+                <a16:creationId xmlns:a16="http://schemas.microsoft.com/office/drawing/2014/main" id="{B9B04C54-97DD-4A15-BCF0-F70C14AD23DE}"/>
+              </a:ext>
+            </a:extLst>
+          </p:cNvPr>
+          <p:cNvSpPr/>
+          <p:nvPr/>
+        </p:nvSpPr>
+        <p:spPr>
+          <a:xfrm>
+            <a:off x="7438104" y="1626168"/>
+            <a:ext cx="1157680" cy="474607"/>
+          </a:xfrm>
+          <a:custGeom>
+            <a:avLst/>
+            <a:gdLst>
+              <a:gd name="connsiteX0" fmla="*/ 0 w 3984771"/>
+              <a:gd name="connsiteY0" fmla="*/ 1319747 h 2630457"/>
+              <a:gd name="connsiteX1" fmla="*/ 570451 w 3984771"/>
+              <a:gd name="connsiteY1" fmla="*/ 19453 h 2630457"/>
+              <a:gd name="connsiteX2" fmla="*/ 1946246 w 3984771"/>
+              <a:gd name="connsiteY2" fmla="*/ 2208980 h 2630457"/>
+              <a:gd name="connsiteX3" fmla="*/ 3984771 w 3984771"/>
+              <a:gd name="connsiteY3" fmla="*/ 2628430 h 2630457"/>
+            </a:gdLst>
+            <a:ahLst/>
+            <a:cxnLst>
+              <a:cxn ang="0">
+                <a:pos x="connsiteX0" y="connsiteY0"/>
+              </a:cxn>
+              <a:cxn ang="0">
+                <a:pos x="connsiteX1" y="connsiteY1"/>
+              </a:cxn>
+              <a:cxn ang="0">
+                <a:pos x="connsiteX2" y="connsiteY2"/>
+              </a:cxn>
+              <a:cxn ang="0">
+                <a:pos x="connsiteX3" y="connsiteY3"/>
+              </a:cxn>
+            </a:cxnLst>
+            <a:rect l="l" t="t" r="r" b="b"/>
+            <a:pathLst>
+              <a:path w="3984771" h="2630457">
+                <a:moveTo>
+                  <a:pt x="0" y="1319747"/>
+                </a:moveTo>
+                <a:cubicBezTo>
+                  <a:pt x="123038" y="595497"/>
+                  <a:pt x="246077" y="-128752"/>
+                  <a:pt x="570451" y="19453"/>
+                </a:cubicBezTo>
+                <a:cubicBezTo>
+                  <a:pt x="894825" y="167658"/>
+                  <a:pt x="1377193" y="1774150"/>
+                  <a:pt x="1946246" y="2208980"/>
+                </a:cubicBezTo>
+                <a:cubicBezTo>
+                  <a:pt x="2515299" y="2643810"/>
+                  <a:pt x="3250035" y="2636120"/>
+                  <a:pt x="3984771" y="2628430"/>
+                </a:cubicBezTo>
+              </a:path>
+            </a:pathLst>
+          </a:custGeom>
+          <a:noFill/>
+          <a:ln w="57150">
+            <a:solidFill>
+              <a:srgbClr val="3F3FFF"/>
+            </a:solidFill>
+          </a:ln>
+        </p:spPr>
+        <p:style>
+          <a:lnRef idx="2">
+            <a:schemeClr val="accent1">
+              <a:shade val="50000"/>
+            </a:schemeClr>
+          </a:lnRef>
+          <a:fillRef idx="1">
+            <a:schemeClr val="accent1"/>
+          </a:fillRef>
+          <a:effectRef idx="0">
+            <a:schemeClr val="accent1"/>
+          </a:effectRef>
+          <a:fontRef idx="minor">
+            <a:schemeClr val="lt1"/>
+          </a:fontRef>
+        </p:style>
+        <p:txBody>
+          <a:bodyPr rtlCol="0" anchor="ctr"/>
+          <a:lstStyle/>
+          <a:p>
+            <a:pPr algn="ctr"/>
+            <a:endParaRPr lang="fr-FR"/>
+          </a:p>
+        </p:txBody>
+      </p:sp>
+      <p:cxnSp>
+        <p:nvCxnSpPr>
+          <p:cNvPr id="45" name="Connecteur droit 44">
+            <a:extLst>
+              <a:ext uri="{FF2B5EF4-FFF2-40B4-BE49-F238E27FC236}">
+                <a16:creationId xmlns:a16="http://schemas.microsoft.com/office/drawing/2014/main" id="{0C608577-0EB0-43EC-8CA7-51490C5256B0}"/>
+              </a:ext>
+            </a:extLst>
+          </p:cNvPr>
+          <p:cNvCxnSpPr>
+            <a:cxnSpLocks/>
+          </p:cNvCxnSpPr>
+          <p:nvPr/>
+        </p:nvCxnSpPr>
+        <p:spPr>
+          <a:xfrm>
+            <a:off x="9119430" y="1461966"/>
+            <a:ext cx="0" cy="790662"/>
+          </a:xfrm>
+          <a:prstGeom prst="line">
+            <a:avLst/>
+          </a:prstGeom>
+          <a:ln w="57150">
+            <a:solidFill>
+              <a:schemeClr val="tx1"/>
+            </a:solidFill>
+          </a:ln>
+        </p:spPr>
+        <p:style>
+          <a:lnRef idx="1">
+            <a:schemeClr val="accent1"/>
+          </a:lnRef>
+          <a:fillRef idx="0">
+            <a:schemeClr val="accent1"/>
+          </a:fillRef>
+          <a:effectRef idx="0">
+            <a:schemeClr val="accent1"/>
+          </a:effectRef>
+          <a:fontRef idx="minor">
+            <a:schemeClr val="tx1"/>
+          </a:fontRef>
+        </p:style>
+      </p:cxnSp>
+      <p:cxnSp>
+        <p:nvCxnSpPr>
+          <p:cNvPr id="46" name="Connecteur droit 45">
+            <a:extLst>
+              <a:ext uri="{FF2B5EF4-FFF2-40B4-BE49-F238E27FC236}">
+                <a16:creationId xmlns:a16="http://schemas.microsoft.com/office/drawing/2014/main" id="{F1FCB9C1-4E49-4BA2-A098-460E1A1E3176}"/>
+              </a:ext>
+            </a:extLst>
+          </p:cNvPr>
+          <p:cNvCxnSpPr>
+            <a:cxnSpLocks/>
+          </p:cNvCxnSpPr>
+          <p:nvPr/>
+        </p:nvCxnSpPr>
+        <p:spPr>
+          <a:xfrm flipH="1" flipV="1">
+            <a:off x="9102653" y="2237248"/>
+            <a:ext cx="1426127" cy="15380"/>
+          </a:xfrm>
+          <a:prstGeom prst="line">
+            <a:avLst/>
+          </a:prstGeom>
+          <a:ln w="57150">
+            <a:solidFill>
+              <a:schemeClr val="tx1"/>
+            </a:solidFill>
+          </a:ln>
+        </p:spPr>
+        <p:style>
+          <a:lnRef idx="1">
+            <a:schemeClr val="accent1"/>
+          </a:lnRef>
+          <a:fillRef idx="0">
+            <a:schemeClr val="accent1"/>
+          </a:fillRef>
+          <a:effectRef idx="0">
+            <a:schemeClr val="accent1"/>
+          </a:effectRef>
+          <a:fontRef idx="minor">
+            <a:schemeClr val="tx1"/>
+          </a:fontRef>
+        </p:style>
+      </p:cxnSp>
+      <p:sp>
+        <p:nvSpPr>
+          <p:cNvPr id="47" name="Forme libre : forme 46">
+            <a:extLst>
+              <a:ext uri="{FF2B5EF4-FFF2-40B4-BE49-F238E27FC236}">
+                <a16:creationId xmlns:a16="http://schemas.microsoft.com/office/drawing/2014/main" id="{6721E091-CBD1-4372-A4B2-2D5CC5C49A76}"/>
+              </a:ext>
+            </a:extLst>
+          </p:cNvPr>
+          <p:cNvSpPr/>
+          <p:nvPr/>
+        </p:nvSpPr>
+        <p:spPr>
+          <a:xfrm>
+            <a:off x="9259913" y="1618478"/>
+            <a:ext cx="1157680" cy="474607"/>
+          </a:xfrm>
+          <a:custGeom>
+            <a:avLst/>
+            <a:gdLst>
+              <a:gd name="connsiteX0" fmla="*/ 0 w 3984771"/>
+              <a:gd name="connsiteY0" fmla="*/ 1319747 h 2630457"/>
+              <a:gd name="connsiteX1" fmla="*/ 570451 w 3984771"/>
+              <a:gd name="connsiteY1" fmla="*/ 19453 h 2630457"/>
+              <a:gd name="connsiteX2" fmla="*/ 1946246 w 3984771"/>
+              <a:gd name="connsiteY2" fmla="*/ 2208980 h 2630457"/>
+              <a:gd name="connsiteX3" fmla="*/ 3984771 w 3984771"/>
+              <a:gd name="connsiteY3" fmla="*/ 2628430 h 2630457"/>
+            </a:gdLst>
+            <a:ahLst/>
+            <a:cxnLst>
+              <a:cxn ang="0">
+                <a:pos x="connsiteX0" y="connsiteY0"/>
+              </a:cxn>
+              <a:cxn ang="0">
+                <a:pos x="connsiteX1" y="connsiteY1"/>
+              </a:cxn>
+              <a:cxn ang="0">
+                <a:pos x="connsiteX2" y="connsiteY2"/>
+              </a:cxn>
+              <a:cxn ang="0">
+                <a:pos x="connsiteX3" y="connsiteY3"/>
+              </a:cxn>
+            </a:cxnLst>
+            <a:rect l="l" t="t" r="r" b="b"/>
+            <a:pathLst>
+              <a:path w="3984771" h="2630457">
+                <a:moveTo>
+                  <a:pt x="0" y="1319747"/>
+                </a:moveTo>
+                <a:cubicBezTo>
+                  <a:pt x="123038" y="595497"/>
+                  <a:pt x="246077" y="-128752"/>
+                  <a:pt x="570451" y="19453"/>
+                </a:cubicBezTo>
+                <a:cubicBezTo>
+                  <a:pt x="894825" y="167658"/>
+                  <a:pt x="1377193" y="1774150"/>
+                  <a:pt x="1946246" y="2208980"/>
+                </a:cubicBezTo>
+                <a:cubicBezTo>
+                  <a:pt x="2515299" y="2643810"/>
+                  <a:pt x="3250035" y="2636120"/>
+                  <a:pt x="3984771" y="2628430"/>
+                </a:cubicBezTo>
+              </a:path>
+            </a:pathLst>
+          </a:custGeom>
+          <a:noFill/>
+          <a:ln w="57150">
+            <a:solidFill>
+              <a:srgbClr val="5CC55C"/>
+            </a:solidFill>
+          </a:ln>
+        </p:spPr>
+        <p:style>
+          <a:lnRef idx="2">
+            <a:schemeClr val="accent1">
+              <a:shade val="50000"/>
+            </a:schemeClr>
+          </a:lnRef>
+          <a:fillRef idx="1">
+            <a:schemeClr val="accent1"/>
+          </a:fillRef>
+          <a:effectRef idx="0">
+            <a:schemeClr val="accent1"/>
+          </a:effectRef>
+          <a:fontRef idx="minor">
+            <a:schemeClr val="lt1"/>
+          </a:fontRef>
+        </p:style>
+        <p:txBody>
+          <a:bodyPr rtlCol="0" anchor="ctr"/>
+          <a:lstStyle/>
+          <a:p>
+            <a:pPr algn="ctr"/>
+            <a:endParaRPr lang="fr-FR"/>
+          </a:p>
+        </p:txBody>
+      </p:sp>
+      <p:cxnSp>
+        <p:nvCxnSpPr>
+          <p:cNvPr id="48" name="Connecteur droit 47">
+            <a:extLst>
+              <a:ext uri="{FF2B5EF4-FFF2-40B4-BE49-F238E27FC236}">
+                <a16:creationId xmlns:a16="http://schemas.microsoft.com/office/drawing/2014/main" id="{AC77ECE3-FCA1-4DC2-A81B-2CEE6281398E}"/>
+              </a:ext>
+            </a:extLst>
+          </p:cNvPr>
+          <p:cNvCxnSpPr>
+            <a:cxnSpLocks/>
+          </p:cNvCxnSpPr>
+          <p:nvPr/>
+        </p:nvCxnSpPr>
+        <p:spPr>
+          <a:xfrm>
+            <a:off x="7314398" y="2524333"/>
+            <a:ext cx="0" cy="790662"/>
+          </a:xfrm>
+          <a:prstGeom prst="line">
+            <a:avLst/>
+          </a:prstGeom>
+          <a:ln w="57150">
+            <a:solidFill>
+              <a:schemeClr val="tx1"/>
+            </a:solidFill>
+          </a:ln>
+        </p:spPr>
+        <p:style>
+          <a:lnRef idx="1">
+            <a:schemeClr val="accent1"/>
+          </a:lnRef>
+          <a:fillRef idx="0">
+            <a:schemeClr val="accent1"/>
+          </a:fillRef>
+          <a:effectRef idx="0">
+            <a:schemeClr val="accent1"/>
+          </a:effectRef>
+          <a:fontRef idx="minor">
+            <a:schemeClr val="tx1"/>
+          </a:fontRef>
+        </p:style>
+      </p:cxnSp>
+      <p:cxnSp>
+        <p:nvCxnSpPr>
+          <p:cNvPr id="49" name="Connecteur droit 48">
+            <a:extLst>
+              <a:ext uri="{FF2B5EF4-FFF2-40B4-BE49-F238E27FC236}">
+                <a16:creationId xmlns:a16="http://schemas.microsoft.com/office/drawing/2014/main" id="{11E58C84-DEDB-4DB3-A028-B7F42093AB6C}"/>
+              </a:ext>
+            </a:extLst>
+          </p:cNvPr>
+          <p:cNvCxnSpPr>
+            <a:cxnSpLocks/>
+          </p:cNvCxnSpPr>
+          <p:nvPr/>
+        </p:nvCxnSpPr>
+        <p:spPr>
+          <a:xfrm flipH="1" flipV="1">
+            <a:off x="7297621" y="3299615"/>
+            <a:ext cx="1426127" cy="15380"/>
+          </a:xfrm>
+          <a:prstGeom prst="line">
+            <a:avLst/>
+          </a:prstGeom>
+          <a:ln w="57150">
+            <a:solidFill>
+              <a:schemeClr val="tx1"/>
+            </a:solidFill>
+          </a:ln>
+        </p:spPr>
+        <p:style>
+          <a:lnRef idx="1">
+            <a:schemeClr val="accent1"/>
+          </a:lnRef>
+          <a:fillRef idx="0">
+            <a:schemeClr val="accent1"/>
+          </a:fillRef>
+          <a:effectRef idx="0">
+            <a:schemeClr val="accent1"/>
+          </a:effectRef>
+          <a:fontRef idx="minor">
+            <a:schemeClr val="tx1"/>
+          </a:fontRef>
+        </p:style>
+      </p:cxnSp>
+      <p:sp>
+        <p:nvSpPr>
+          <p:cNvPr id="50" name="Forme libre : forme 49">
+            <a:extLst>
+              <a:ext uri="{FF2B5EF4-FFF2-40B4-BE49-F238E27FC236}">
+                <a16:creationId xmlns:a16="http://schemas.microsoft.com/office/drawing/2014/main" id="{56C4740B-B569-44F8-8EAC-0A05DE3999ED}"/>
+              </a:ext>
+            </a:extLst>
+          </p:cNvPr>
+          <p:cNvSpPr/>
+          <p:nvPr/>
+        </p:nvSpPr>
+        <p:spPr>
+          <a:xfrm>
+            <a:off x="7454881" y="2680845"/>
+            <a:ext cx="1157680" cy="474607"/>
+          </a:xfrm>
+          <a:custGeom>
+            <a:avLst/>
+            <a:gdLst>
+              <a:gd name="connsiteX0" fmla="*/ 0 w 3984771"/>
+              <a:gd name="connsiteY0" fmla="*/ 1319747 h 2630457"/>
+              <a:gd name="connsiteX1" fmla="*/ 570451 w 3984771"/>
+              <a:gd name="connsiteY1" fmla="*/ 19453 h 2630457"/>
+              <a:gd name="connsiteX2" fmla="*/ 1946246 w 3984771"/>
+              <a:gd name="connsiteY2" fmla="*/ 2208980 h 2630457"/>
+              <a:gd name="connsiteX3" fmla="*/ 3984771 w 3984771"/>
+              <a:gd name="connsiteY3" fmla="*/ 2628430 h 2630457"/>
+            </a:gdLst>
+            <a:ahLst/>
+            <a:cxnLst>
+              <a:cxn ang="0">
+                <a:pos x="connsiteX0" y="connsiteY0"/>
+              </a:cxn>
+              <a:cxn ang="0">
+                <a:pos x="connsiteX1" y="connsiteY1"/>
+              </a:cxn>
+              <a:cxn ang="0">
+                <a:pos x="connsiteX2" y="connsiteY2"/>
+              </a:cxn>
+              <a:cxn ang="0">
+                <a:pos x="connsiteX3" y="connsiteY3"/>
+              </a:cxn>
+            </a:cxnLst>
+            <a:rect l="l" t="t" r="r" b="b"/>
+            <a:pathLst>
+              <a:path w="3984771" h="2630457">
+                <a:moveTo>
+                  <a:pt x="0" y="1319747"/>
+                </a:moveTo>
+                <a:cubicBezTo>
+                  <a:pt x="123038" y="595497"/>
+                  <a:pt x="246077" y="-128752"/>
+                  <a:pt x="570451" y="19453"/>
+                </a:cubicBezTo>
+                <a:cubicBezTo>
+                  <a:pt x="894825" y="167658"/>
+                  <a:pt x="1377193" y="1774150"/>
+                  <a:pt x="1946246" y="2208980"/>
+                </a:cubicBezTo>
+                <a:cubicBezTo>
+                  <a:pt x="2515299" y="2643810"/>
+                  <a:pt x="3250035" y="2636120"/>
+                  <a:pt x="3984771" y="2628430"/>
+                </a:cubicBezTo>
+              </a:path>
+            </a:pathLst>
+          </a:custGeom>
+          <a:noFill/>
+          <a:ln w="57150">
+            <a:solidFill>
+              <a:srgbClr val="C09726"/>
+            </a:solidFill>
+          </a:ln>
+        </p:spPr>
+        <p:style>
+          <a:lnRef idx="2">
+            <a:schemeClr val="accent1">
+              <a:shade val="50000"/>
+            </a:schemeClr>
+          </a:lnRef>
+          <a:fillRef idx="1">
+            <a:schemeClr val="accent1"/>
+          </a:fillRef>
+          <a:effectRef idx="0">
+            <a:schemeClr val="accent1"/>
+          </a:effectRef>
+          <a:fontRef idx="minor">
+            <a:schemeClr val="lt1"/>
+          </a:fontRef>
+        </p:style>
+        <p:txBody>
+          <a:bodyPr rtlCol="0" anchor="ctr"/>
+          <a:lstStyle/>
+          <a:p>
+            <a:pPr algn="ctr"/>
+            <a:endParaRPr lang="fr-FR"/>
+          </a:p>
+        </p:txBody>
+      </p:sp>
+      <p:cxnSp>
+        <p:nvCxnSpPr>
+          <p:cNvPr id="51" name="Connecteur droit 50">
+            <a:extLst>
+              <a:ext uri="{FF2B5EF4-FFF2-40B4-BE49-F238E27FC236}">
+                <a16:creationId xmlns:a16="http://schemas.microsoft.com/office/drawing/2014/main" id="{35D1D919-0A9B-482D-A5D5-BE99A81DF934}"/>
+              </a:ext>
+            </a:extLst>
+          </p:cNvPr>
+          <p:cNvCxnSpPr>
+            <a:cxnSpLocks/>
+          </p:cNvCxnSpPr>
+          <p:nvPr/>
+        </p:nvCxnSpPr>
+        <p:spPr>
+          <a:xfrm>
+            <a:off x="9234754" y="2590338"/>
+            <a:ext cx="0" cy="790662"/>
+          </a:xfrm>
+          <a:prstGeom prst="line">
+            <a:avLst/>
+          </a:prstGeom>
+          <a:ln w="57150">
+            <a:solidFill>
+              <a:schemeClr val="tx1"/>
+            </a:solidFill>
+          </a:ln>
+        </p:spPr>
+        <p:style>
+          <a:lnRef idx="1">
+            <a:schemeClr val="accent1"/>
+          </a:lnRef>
+          <a:fillRef idx="0">
+            <a:schemeClr val="accent1"/>
+          </a:fillRef>
+          <a:effectRef idx="0">
+            <a:schemeClr val="accent1"/>
+          </a:effectRef>
+          <a:fontRef idx="minor">
+            <a:schemeClr val="tx1"/>
+          </a:fontRef>
+        </p:style>
+      </p:cxnSp>
+      <p:cxnSp>
+        <p:nvCxnSpPr>
+          <p:cNvPr id="52" name="Connecteur droit 51">
+            <a:extLst>
+              <a:ext uri="{FF2B5EF4-FFF2-40B4-BE49-F238E27FC236}">
+                <a16:creationId xmlns:a16="http://schemas.microsoft.com/office/drawing/2014/main" id="{BB1AC1CC-E25E-47A2-8807-2C4A946118D2}"/>
+              </a:ext>
+            </a:extLst>
+          </p:cNvPr>
+          <p:cNvCxnSpPr>
+            <a:cxnSpLocks/>
+          </p:cNvCxnSpPr>
+          <p:nvPr/>
+        </p:nvCxnSpPr>
+        <p:spPr>
+          <a:xfrm flipH="1" flipV="1">
+            <a:off x="9217977" y="3365620"/>
+            <a:ext cx="1426127" cy="15380"/>
+          </a:xfrm>
+          <a:prstGeom prst="line">
+            <a:avLst/>
+          </a:prstGeom>
+          <a:ln w="57150">
+            <a:solidFill>
+              <a:schemeClr val="tx1"/>
+            </a:solidFill>
+          </a:ln>
+        </p:spPr>
+        <p:style>
+          <a:lnRef idx="1">
+            <a:schemeClr val="accent1"/>
+          </a:lnRef>
+          <a:fillRef idx="0">
+            <a:schemeClr val="accent1"/>
+          </a:fillRef>
+          <a:effectRef idx="0">
+            <a:schemeClr val="accent1"/>
+          </a:effectRef>
+          <a:fontRef idx="minor">
+            <a:schemeClr val="tx1"/>
+          </a:fontRef>
+        </p:style>
+      </p:cxnSp>
+      <p:sp>
+        <p:nvSpPr>
+          <p:cNvPr id="53" name="Forme libre : forme 52">
+            <a:extLst>
+              <a:ext uri="{FF2B5EF4-FFF2-40B4-BE49-F238E27FC236}">
+                <a16:creationId xmlns:a16="http://schemas.microsoft.com/office/drawing/2014/main" id="{8340FF2F-6B9B-407D-905E-BD360C8BC391}"/>
+              </a:ext>
+            </a:extLst>
+          </p:cNvPr>
+          <p:cNvSpPr/>
+          <p:nvPr/>
+        </p:nvSpPr>
+        <p:spPr>
+          <a:xfrm>
+            <a:off x="9375237" y="2746850"/>
+            <a:ext cx="1157680" cy="474607"/>
+          </a:xfrm>
+          <a:custGeom>
+            <a:avLst/>
+            <a:gdLst>
+              <a:gd name="connsiteX0" fmla="*/ 0 w 3984771"/>
+              <a:gd name="connsiteY0" fmla="*/ 1319747 h 2630457"/>
+              <a:gd name="connsiteX1" fmla="*/ 570451 w 3984771"/>
+              <a:gd name="connsiteY1" fmla="*/ 19453 h 2630457"/>
+              <a:gd name="connsiteX2" fmla="*/ 1946246 w 3984771"/>
+              <a:gd name="connsiteY2" fmla="*/ 2208980 h 2630457"/>
+              <a:gd name="connsiteX3" fmla="*/ 3984771 w 3984771"/>
+              <a:gd name="connsiteY3" fmla="*/ 2628430 h 2630457"/>
+            </a:gdLst>
+            <a:ahLst/>
+            <a:cxnLst>
+              <a:cxn ang="0">
+                <a:pos x="connsiteX0" y="connsiteY0"/>
+              </a:cxn>
+              <a:cxn ang="0">
+                <a:pos x="connsiteX1" y="connsiteY1"/>
+              </a:cxn>
+              <a:cxn ang="0">
+                <a:pos x="connsiteX2" y="connsiteY2"/>
+              </a:cxn>
+              <a:cxn ang="0">
+                <a:pos x="connsiteX3" y="connsiteY3"/>
+              </a:cxn>
+            </a:cxnLst>
+            <a:rect l="l" t="t" r="r" b="b"/>
+            <a:pathLst>
+              <a:path w="3984771" h="2630457">
+                <a:moveTo>
+                  <a:pt x="0" y="1319747"/>
+                </a:moveTo>
+                <a:cubicBezTo>
+                  <a:pt x="123038" y="595497"/>
+                  <a:pt x="246077" y="-128752"/>
+                  <a:pt x="570451" y="19453"/>
+                </a:cubicBezTo>
+                <a:cubicBezTo>
+                  <a:pt x="894825" y="167658"/>
+                  <a:pt x="1377193" y="1774150"/>
+                  <a:pt x="1946246" y="2208980"/>
+                </a:cubicBezTo>
+                <a:cubicBezTo>
+                  <a:pt x="2515299" y="2643810"/>
+                  <a:pt x="3250035" y="2636120"/>
+                  <a:pt x="3984771" y="2628430"/>
+                </a:cubicBezTo>
+              </a:path>
+            </a:pathLst>
+          </a:custGeom>
+          <a:noFill/>
+          <a:ln w="57150">
+            <a:solidFill>
+              <a:srgbClr val="E61285"/>
+            </a:solidFill>
+          </a:ln>
+        </p:spPr>
+        <p:style>
+          <a:lnRef idx="2">
+            <a:schemeClr val="accent1">
+              <a:shade val="50000"/>
+            </a:schemeClr>
+          </a:lnRef>
+          <a:fillRef idx="1">
+            <a:schemeClr val="accent1"/>
+          </a:fillRef>
+          <a:effectRef idx="0">
+            <a:schemeClr val="accent1"/>
+          </a:effectRef>
+          <a:fontRef idx="minor">
+            <a:schemeClr val="lt1"/>
+          </a:fontRef>
+        </p:style>
+        <p:txBody>
+          <a:bodyPr rtlCol="0" anchor="ctr"/>
+          <a:lstStyle/>
+          <a:p>
+            <a:pPr algn="ctr"/>
+            <a:endParaRPr lang="fr-FR">
+              <a:solidFill>
+                <a:srgbClr val="FF1493"/>
+              </a:solidFill>
+            </a:endParaRPr>
+          </a:p>
+        </p:txBody>
+      </p:sp>
+      <p:cxnSp>
+        <p:nvCxnSpPr>
+          <p:cNvPr id="54" name="Connecteur droit 53">
+            <a:extLst>
+              <a:ext uri="{FF2B5EF4-FFF2-40B4-BE49-F238E27FC236}">
+                <a16:creationId xmlns:a16="http://schemas.microsoft.com/office/drawing/2014/main" id="{ECC8515B-582C-41F6-90C9-DE9E96D4BFC8}"/>
+              </a:ext>
+            </a:extLst>
+          </p:cNvPr>
+          <p:cNvCxnSpPr>
+            <a:cxnSpLocks/>
+          </p:cNvCxnSpPr>
+          <p:nvPr/>
+        </p:nvCxnSpPr>
+        <p:spPr>
+          <a:xfrm>
+            <a:off x="9276690" y="3548841"/>
+            <a:ext cx="0" cy="790662"/>
+          </a:xfrm>
+          <a:prstGeom prst="line">
+            <a:avLst/>
+          </a:prstGeom>
+          <a:ln w="57150">
+            <a:solidFill>
+              <a:schemeClr val="tx1"/>
+            </a:solidFill>
+          </a:ln>
+        </p:spPr>
+        <p:style>
+          <a:lnRef idx="1">
+            <a:schemeClr val="accent1"/>
+          </a:lnRef>
+          <a:fillRef idx="0">
+            <a:schemeClr val="accent1"/>
+          </a:fillRef>
+          <a:effectRef idx="0">
+            <a:schemeClr val="accent1"/>
+          </a:effectRef>
+          <a:fontRef idx="minor">
+            <a:schemeClr val="tx1"/>
+          </a:fontRef>
+        </p:style>
+      </p:cxnSp>
+      <p:cxnSp>
+        <p:nvCxnSpPr>
+          <p:cNvPr id="55" name="Connecteur droit 54">
+            <a:extLst>
+              <a:ext uri="{FF2B5EF4-FFF2-40B4-BE49-F238E27FC236}">
+                <a16:creationId xmlns:a16="http://schemas.microsoft.com/office/drawing/2014/main" id="{A54897E7-25E2-4FFD-B6EA-9677AAD5BB66}"/>
+              </a:ext>
+            </a:extLst>
+          </p:cNvPr>
+          <p:cNvCxnSpPr>
+            <a:cxnSpLocks/>
+          </p:cNvCxnSpPr>
+          <p:nvPr/>
+        </p:nvCxnSpPr>
+        <p:spPr>
+          <a:xfrm flipH="1" flipV="1">
+            <a:off x="9259913" y="4324123"/>
+            <a:ext cx="1426127" cy="15380"/>
+          </a:xfrm>
+          <a:prstGeom prst="line">
+            <a:avLst/>
+          </a:prstGeom>
+          <a:ln w="57150">
+            <a:solidFill>
+              <a:schemeClr val="tx1"/>
+            </a:solidFill>
+          </a:ln>
+        </p:spPr>
+        <p:style>
+          <a:lnRef idx="1">
+            <a:schemeClr val="accent1"/>
+          </a:lnRef>
+          <a:fillRef idx="0">
+            <a:schemeClr val="accent1"/>
+          </a:fillRef>
+          <a:effectRef idx="0">
+            <a:schemeClr val="accent1"/>
+          </a:effectRef>
+          <a:fontRef idx="minor">
+            <a:schemeClr val="tx1"/>
+          </a:fontRef>
+        </p:style>
+      </p:cxnSp>
+      <p:sp>
+        <p:nvSpPr>
+          <p:cNvPr id="56" name="Forme libre : forme 55">
+            <a:extLst>
+              <a:ext uri="{FF2B5EF4-FFF2-40B4-BE49-F238E27FC236}">
+                <a16:creationId xmlns:a16="http://schemas.microsoft.com/office/drawing/2014/main" id="{2A416829-1247-4D1A-AB2B-EC1A0E51D93A}"/>
+              </a:ext>
+            </a:extLst>
+          </p:cNvPr>
+          <p:cNvSpPr/>
+          <p:nvPr/>
+        </p:nvSpPr>
+        <p:spPr>
+          <a:xfrm>
+            <a:off x="9417173" y="3705353"/>
+            <a:ext cx="1157680" cy="474607"/>
+          </a:xfrm>
+          <a:custGeom>
+            <a:avLst/>
+            <a:gdLst>
+              <a:gd name="connsiteX0" fmla="*/ 0 w 3984771"/>
+              <a:gd name="connsiteY0" fmla="*/ 1319747 h 2630457"/>
+              <a:gd name="connsiteX1" fmla="*/ 570451 w 3984771"/>
+              <a:gd name="connsiteY1" fmla="*/ 19453 h 2630457"/>
+              <a:gd name="connsiteX2" fmla="*/ 1946246 w 3984771"/>
+              <a:gd name="connsiteY2" fmla="*/ 2208980 h 2630457"/>
+              <a:gd name="connsiteX3" fmla="*/ 3984771 w 3984771"/>
+              <a:gd name="connsiteY3" fmla="*/ 2628430 h 2630457"/>
+            </a:gdLst>
+            <a:ahLst/>
+            <a:cxnLst>
+              <a:cxn ang="0">
+                <a:pos x="connsiteX0" y="connsiteY0"/>
+              </a:cxn>
+              <a:cxn ang="0">
+                <a:pos x="connsiteX1" y="connsiteY1"/>
+              </a:cxn>
+              <a:cxn ang="0">
+                <a:pos x="connsiteX2" y="connsiteY2"/>
+              </a:cxn>
+              <a:cxn ang="0">
+                <a:pos x="connsiteX3" y="connsiteY3"/>
+              </a:cxn>
+            </a:cxnLst>
+            <a:rect l="l" t="t" r="r" b="b"/>
+            <a:pathLst>
+              <a:path w="3984771" h="2630457">
+                <a:moveTo>
+                  <a:pt x="0" y="1319747"/>
+                </a:moveTo>
+                <a:cubicBezTo>
+                  <a:pt x="123038" y="595497"/>
+                  <a:pt x="246077" y="-128752"/>
+                  <a:pt x="570451" y="19453"/>
+                </a:cubicBezTo>
+                <a:cubicBezTo>
+                  <a:pt x="894825" y="167658"/>
+                  <a:pt x="1377193" y="1774150"/>
+                  <a:pt x="1946246" y="2208980"/>
+                </a:cubicBezTo>
+                <a:cubicBezTo>
+                  <a:pt x="2515299" y="2643810"/>
+                  <a:pt x="3250035" y="2636120"/>
+                  <a:pt x="3984771" y="2628430"/>
+                </a:cubicBezTo>
+              </a:path>
+            </a:pathLst>
+          </a:custGeom>
+          <a:noFill/>
+          <a:ln w="57150">
+            <a:solidFill>
+              <a:srgbClr val="CC3300"/>
+            </a:solidFill>
+          </a:ln>
+        </p:spPr>
+        <p:style>
+          <a:lnRef idx="2">
+            <a:schemeClr val="accent1">
+              <a:shade val="50000"/>
+            </a:schemeClr>
+          </a:lnRef>
+          <a:fillRef idx="1">
+            <a:schemeClr val="accent1"/>
+          </a:fillRef>
+          <a:effectRef idx="0">
+            <a:schemeClr val="accent1"/>
+          </a:effectRef>
+          <a:fontRef idx="minor">
+            <a:schemeClr val="lt1"/>
+          </a:fontRef>
+        </p:style>
+        <p:txBody>
+          <a:bodyPr rtlCol="0" anchor="ctr"/>
+          <a:lstStyle/>
+          <a:p>
+            <a:pPr algn="ctr"/>
+            <a:endParaRPr lang="fr-FR"/>
+          </a:p>
+        </p:txBody>
+      </p:sp>
+      <p:sp>
+        <p:nvSpPr>
+          <p:cNvPr id="59" name="ZoneTexte 58">
+            <a:extLst>
+              <a:ext uri="{FF2B5EF4-FFF2-40B4-BE49-F238E27FC236}">
+                <a16:creationId xmlns:a16="http://schemas.microsoft.com/office/drawing/2014/main" id="{F917F20D-F5BB-4327-940A-075E490BBA4F}"/>
+              </a:ext>
+            </a:extLst>
+          </p:cNvPr>
+          <p:cNvSpPr txBox="1"/>
+          <p:nvPr/>
+        </p:nvSpPr>
+        <p:spPr>
+          <a:xfrm>
+            <a:off x="8113192" y="3534440"/>
+            <a:ext cx="1059906" cy="954107"/>
+          </a:xfrm>
+          <a:prstGeom prst="rect">
+            <a:avLst/>
+          </a:prstGeom>
+          <a:noFill/>
+        </p:spPr>
+        <p:txBody>
+          <a:bodyPr wrap="none" rtlCol="0">
+            <a:spAutoFit/>
+          </a:bodyPr>
+          <a:lstStyle/>
+          <a:p>
+            <a:r>
+              <a:rPr lang="fr-FR" sz="1400" b="1">
+                <a:solidFill>
+                  <a:srgbClr val="228B22"/>
+                </a:solidFill>
+              </a:rPr>
+              <a:t>Magnésium</a:t>
+            </a:r>
+          </a:p>
+          <a:p>
+            <a:r>
+              <a:rPr lang="fr-FR" sz="1400" b="1">
+                <a:solidFill>
+                  <a:srgbClr val="FFC832"/>
+                </a:solidFill>
+              </a:rPr>
+              <a:t>Sulfur</a:t>
+            </a:r>
+          </a:p>
+          <a:p>
+            <a:r>
+              <a:rPr lang="fr-FR" sz="1400" b="1">
+                <a:solidFill>
+                  <a:srgbClr val="FF1493"/>
+                </a:solidFill>
+              </a:rPr>
+              <a:t>Potassium</a:t>
+            </a:r>
+          </a:p>
+          <a:p>
+            <a:r>
+              <a:rPr lang="fr-FR" sz="1400" b="1">
+                <a:solidFill>
+                  <a:srgbClr val="808090"/>
+                </a:solidFill>
+              </a:rPr>
+              <a:t>Calcium</a:t>
+            </a:r>
+          </a:p>
+        </p:txBody>
+      </p:sp>
+      <p:sp>
+        <p:nvSpPr>
+          <p:cNvPr id="60" name="ZoneTexte 59">
+            <a:extLst>
+              <a:ext uri="{FF2B5EF4-FFF2-40B4-BE49-F238E27FC236}">
+                <a16:creationId xmlns:a16="http://schemas.microsoft.com/office/drawing/2014/main" id="{35727692-8E42-41D3-9944-B4AC8ADABF5D}"/>
+              </a:ext>
+            </a:extLst>
+          </p:cNvPr>
+          <p:cNvSpPr txBox="1"/>
+          <p:nvPr/>
+        </p:nvSpPr>
+        <p:spPr>
+          <a:xfrm>
+            <a:off x="2066258" y="839306"/>
+            <a:ext cx="352982" cy="369332"/>
+          </a:xfrm>
+          <a:prstGeom prst="rect">
+            <a:avLst/>
+          </a:prstGeom>
+          <a:noFill/>
+        </p:spPr>
+        <p:txBody>
+          <a:bodyPr wrap="none" rtlCol="0">
+            <a:spAutoFit/>
+          </a:bodyPr>
+          <a:lstStyle/>
+          <a:p>
+            <a:r>
+              <a:rPr lang="fr-FR"/>
+              <a:t>a.</a:t>
+            </a:r>
+          </a:p>
+        </p:txBody>
+      </p:sp>
+      <p:sp>
+        <p:nvSpPr>
+          <p:cNvPr id="61" name="ZoneTexte 60">
+            <a:extLst>
+              <a:ext uri="{FF2B5EF4-FFF2-40B4-BE49-F238E27FC236}">
+                <a16:creationId xmlns:a16="http://schemas.microsoft.com/office/drawing/2014/main" id="{F0B89092-11C0-4341-97FC-6E4DBC0AC030}"/>
+              </a:ext>
+            </a:extLst>
+          </p:cNvPr>
+          <p:cNvSpPr txBox="1"/>
+          <p:nvPr/>
+        </p:nvSpPr>
+        <p:spPr>
+          <a:xfrm>
+            <a:off x="7096137" y="1028243"/>
+            <a:ext cx="364202" cy="369332"/>
+          </a:xfrm>
+          <a:prstGeom prst="rect">
+            <a:avLst/>
+          </a:prstGeom>
+          <a:noFill/>
+        </p:spPr>
+        <p:txBody>
+          <a:bodyPr wrap="none" rtlCol="0">
+            <a:spAutoFit/>
+          </a:bodyPr>
+          <a:lstStyle/>
+          <a:p>
+            <a:r>
+              <a:rPr lang="fr-FR"/>
+              <a:t>b.</a:t>
+            </a:r>
+          </a:p>
+        </p:txBody>
+      </p:sp>
+      <p:sp>
+        <p:nvSpPr>
+          <p:cNvPr id="62" name="ZoneTexte 61">
+            <a:extLst>
+              <a:ext uri="{FF2B5EF4-FFF2-40B4-BE49-F238E27FC236}">
+                <a16:creationId xmlns:a16="http://schemas.microsoft.com/office/drawing/2014/main" id="{9243FB77-10AF-401B-A5BD-3FF596933E94}"/>
+              </a:ext>
+            </a:extLst>
+          </p:cNvPr>
+          <p:cNvSpPr txBox="1"/>
+          <p:nvPr/>
+        </p:nvSpPr>
+        <p:spPr>
+          <a:xfrm>
+            <a:off x="8859515" y="967744"/>
+            <a:ext cx="340158" cy="369332"/>
+          </a:xfrm>
+          <a:prstGeom prst="rect">
+            <a:avLst/>
+          </a:prstGeom>
+          <a:noFill/>
+        </p:spPr>
+        <p:txBody>
+          <a:bodyPr wrap="none" rtlCol="0">
+            <a:spAutoFit/>
+          </a:bodyPr>
+          <a:lstStyle/>
+          <a:p>
+            <a:r>
+              <a:rPr lang="fr-FR"/>
+              <a:t>c.</a:t>
+            </a:r>
+          </a:p>
+        </p:txBody>
+      </p:sp>
+      <p:sp>
+        <p:nvSpPr>
+          <p:cNvPr id="63" name="ZoneTexte 62">
+            <a:extLst>
+              <a:ext uri="{FF2B5EF4-FFF2-40B4-BE49-F238E27FC236}">
+                <a16:creationId xmlns:a16="http://schemas.microsoft.com/office/drawing/2014/main" id="{A29FC101-FFF3-46B5-8216-0333F9B02AA3}"/>
+              </a:ext>
+            </a:extLst>
+          </p:cNvPr>
+          <p:cNvSpPr txBox="1"/>
+          <p:nvPr/>
+        </p:nvSpPr>
+        <p:spPr>
+          <a:xfrm>
+            <a:off x="7027011" y="2219815"/>
+            <a:ext cx="364202" cy="369332"/>
+          </a:xfrm>
+          <a:prstGeom prst="rect">
+            <a:avLst/>
+          </a:prstGeom>
+          <a:noFill/>
+        </p:spPr>
+        <p:txBody>
+          <a:bodyPr wrap="none" rtlCol="0">
+            <a:spAutoFit/>
+          </a:bodyPr>
+          <a:lstStyle/>
+          <a:p>
+            <a:r>
+              <a:rPr lang="fr-FR"/>
+              <a:t>d.</a:t>
+            </a:r>
+          </a:p>
+        </p:txBody>
+      </p:sp>
+      <p:sp>
+        <p:nvSpPr>
+          <p:cNvPr id="64" name="ZoneTexte 63">
+            <a:extLst>
+              <a:ext uri="{FF2B5EF4-FFF2-40B4-BE49-F238E27FC236}">
+                <a16:creationId xmlns:a16="http://schemas.microsoft.com/office/drawing/2014/main" id="{42841803-0EB6-4937-B882-754B7F8ADBC2}"/>
+              </a:ext>
+            </a:extLst>
+          </p:cNvPr>
+          <p:cNvSpPr txBox="1"/>
+          <p:nvPr/>
+        </p:nvSpPr>
+        <p:spPr>
+          <a:xfrm>
+            <a:off x="8866494" y="2267206"/>
+            <a:ext cx="357790" cy="369332"/>
+          </a:xfrm>
+          <a:prstGeom prst="rect">
+            <a:avLst/>
+          </a:prstGeom>
+          <a:noFill/>
+        </p:spPr>
+        <p:txBody>
+          <a:bodyPr wrap="none" rtlCol="0">
+            <a:spAutoFit/>
+          </a:bodyPr>
+          <a:lstStyle/>
+          <a:p>
+            <a:r>
+              <a:rPr lang="fr-FR"/>
+              <a:t>e.</a:t>
+            </a:r>
+          </a:p>
+        </p:txBody>
+      </p:sp>
+      <p:sp>
+        <p:nvSpPr>
+          <p:cNvPr id="65" name="ZoneTexte 64">
+            <a:extLst>
+              <a:ext uri="{FF2B5EF4-FFF2-40B4-BE49-F238E27FC236}">
+                <a16:creationId xmlns:a16="http://schemas.microsoft.com/office/drawing/2014/main" id="{4F14DAEA-B491-40EC-B4AA-E8BEA5C1672E}"/>
+              </a:ext>
+            </a:extLst>
+          </p:cNvPr>
+          <p:cNvSpPr txBox="1"/>
+          <p:nvPr/>
+        </p:nvSpPr>
+        <p:spPr>
+          <a:xfrm>
+            <a:off x="8902123" y="3323560"/>
+            <a:ext cx="297582" cy="369332"/>
+          </a:xfrm>
+          <a:prstGeom prst="rect">
+            <a:avLst/>
+          </a:prstGeom>
+          <a:noFill/>
+        </p:spPr>
+        <p:txBody>
+          <a:bodyPr wrap="none" rtlCol="0">
+            <a:spAutoFit/>
+          </a:bodyPr>
+          <a:lstStyle/>
+          <a:p>
+            <a:r>
+              <a:rPr lang="fr-FR"/>
+              <a:t>f.</a:t>
+            </a:r>
+          </a:p>
+        </p:txBody>
+      </p:sp>
+    </p:spTree>
+    <p:extLst>
+      <p:ext uri="{BB962C8B-B14F-4D97-AF65-F5344CB8AC3E}">
+        <p14:creationId xmlns:p14="http://schemas.microsoft.com/office/powerpoint/2010/main" val="393227993"/>
+      </p:ext>
+    </p:extLst>
+  </p:cSld>
+  <p:clrMapOvr>
+    <a:masterClrMapping/>
+  </p:clrMapOvr>
+</p:sld>
+</file>
+
+<file path=ppt/slides/slide2.xml><?xml version="1.0" encoding="utf-8"?>
+<p:sld xmlns:a="http://schemas.openxmlformats.org/drawingml/2006/main" xmlns:r="http://schemas.openxmlformats.org/officeDocument/2006/relationships" xmlns:p="http://schemas.openxmlformats.org/presentationml/2006/main">
+  <p:cSld>
+    <p:spTree>
+      <p:nvGrpSpPr>
+        <p:cNvPr id="1" name=""/>
+        <p:cNvGrpSpPr/>
+        <p:nvPr/>
+      </p:nvGrpSpPr>
+      <p:grpSpPr>
+        <a:xfrm>
+          <a:off x="0" y="0"/>
+          <a:ext cx="0" cy="0"/>
+          <a:chOff x="0" y="0"/>
+          <a:chExt cx="0" cy="0"/>
+        </a:xfrm>
+      </p:grpSpPr>
+      <p:cxnSp>
+        <p:nvCxnSpPr>
+          <p:cNvPr id="5" name="Connecteur droit 4">
+            <a:extLst>
+              <a:ext uri="{FF2B5EF4-FFF2-40B4-BE49-F238E27FC236}">
+                <a16:creationId xmlns:a16="http://schemas.microsoft.com/office/drawing/2014/main" id="{E52698D7-0DD6-4170-9E78-1F0357E00309}"/>
+              </a:ext>
+            </a:extLst>
+          </p:cNvPr>
+          <p:cNvCxnSpPr/>
+          <p:nvPr/>
+        </p:nvCxnSpPr>
+        <p:spPr>
+          <a:xfrm>
+            <a:off x="2213895" y="1437612"/>
+            <a:ext cx="0" cy="2894201"/>
+          </a:xfrm>
+          <a:prstGeom prst="line">
+            <a:avLst/>
+          </a:prstGeom>
+          <a:ln w="57150">
+            <a:solidFill>
+              <a:schemeClr val="tx1"/>
+            </a:solidFill>
+          </a:ln>
+        </p:spPr>
+        <p:style>
+          <a:lnRef idx="1">
+            <a:schemeClr val="accent1"/>
+          </a:lnRef>
+          <a:fillRef idx="0">
+            <a:schemeClr val="accent1"/>
+          </a:fillRef>
+          <a:effectRef idx="0">
+            <a:schemeClr val="accent1"/>
+          </a:effectRef>
+          <a:fontRef idx="minor">
+            <a:schemeClr val="tx1"/>
+          </a:fontRef>
+        </p:style>
+      </p:cxnSp>
+      <p:cxnSp>
+        <p:nvCxnSpPr>
+          <p:cNvPr id="6" name="Connecteur droit 5">
+            <a:extLst>
+              <a:ext uri="{FF2B5EF4-FFF2-40B4-BE49-F238E27FC236}">
+                <a16:creationId xmlns:a16="http://schemas.microsoft.com/office/drawing/2014/main" id="{C05C3AF0-027D-4403-8869-562199B4A526}"/>
+              </a:ext>
+            </a:extLst>
+          </p:cNvPr>
+          <p:cNvCxnSpPr>
+            <a:cxnSpLocks/>
+          </p:cNvCxnSpPr>
+          <p:nvPr/>
+        </p:nvCxnSpPr>
+        <p:spPr>
+          <a:xfrm flipH="1" flipV="1">
+            <a:off x="2197118" y="4316433"/>
+            <a:ext cx="4630722" cy="15380"/>
+          </a:xfrm>
+          <a:prstGeom prst="line">
+            <a:avLst/>
+          </a:prstGeom>
+          <a:ln w="57150">
+            <a:solidFill>
+              <a:schemeClr val="tx1"/>
+            </a:solidFill>
+          </a:ln>
+        </p:spPr>
+        <p:style>
+          <a:lnRef idx="1">
+            <a:schemeClr val="accent1"/>
+          </a:lnRef>
+          <a:fillRef idx="0">
+            <a:schemeClr val="accent1"/>
+          </a:fillRef>
+          <a:effectRef idx="0">
+            <a:schemeClr val="accent1"/>
+          </a:effectRef>
+          <a:fontRef idx="minor">
+            <a:schemeClr val="tx1"/>
+          </a:fontRef>
+        </p:style>
+      </p:cxnSp>
+      <p:sp>
+        <p:nvSpPr>
+          <p:cNvPr id="12" name="Forme libre : forme 11">
+            <a:extLst>
+              <a:ext uri="{FF2B5EF4-FFF2-40B4-BE49-F238E27FC236}">
+                <a16:creationId xmlns:a16="http://schemas.microsoft.com/office/drawing/2014/main" id="{D3B9FA0D-3392-49C6-8783-E87510B06EB1}"/>
+              </a:ext>
+            </a:extLst>
+          </p:cNvPr>
+          <p:cNvSpPr/>
+          <p:nvPr/>
+        </p:nvSpPr>
+        <p:spPr>
+          <a:xfrm>
+            <a:off x="2661076" y="2373045"/>
+            <a:ext cx="4144162" cy="1007955"/>
+          </a:xfrm>
+          <a:custGeom>
+            <a:avLst/>
+            <a:gdLst>
+              <a:gd name="connsiteX0" fmla="*/ 0 w 3682767"/>
+              <a:gd name="connsiteY0" fmla="*/ 747896 h 1007955"/>
+              <a:gd name="connsiteX1" fmla="*/ 1098958 w 3682767"/>
+              <a:gd name="connsiteY1" fmla="*/ 1276 h 1007955"/>
+              <a:gd name="connsiteX2" fmla="*/ 1979802 w 3682767"/>
+              <a:gd name="connsiteY2" fmla="*/ 580117 h 1007955"/>
+              <a:gd name="connsiteX3" fmla="*/ 3682767 w 3682767"/>
+              <a:gd name="connsiteY3" fmla="*/ 1007955 h 1007955"/>
+              <a:gd name="connsiteX4" fmla="*/ 3682767 w 3682767"/>
+              <a:gd name="connsiteY4" fmla="*/ 1007955 h 1007955"/>
+              <a:gd name="connsiteX5" fmla="*/ 3682767 w 3682767"/>
+              <a:gd name="connsiteY5" fmla="*/ 1007955 h 1007955"/>
+              <a:gd name="connsiteX6" fmla="*/ 3682767 w 3682767"/>
+              <a:gd name="connsiteY6" fmla="*/ 1007955 h 1007955"/>
+            </a:gdLst>
+            <a:ahLst/>
+            <a:cxnLst>
+              <a:cxn ang="0">
+                <a:pos x="connsiteX0" y="connsiteY0"/>
+              </a:cxn>
+              <a:cxn ang="0">
+                <a:pos x="connsiteX1" y="connsiteY1"/>
+              </a:cxn>
+              <a:cxn ang="0">
+                <a:pos x="connsiteX2" y="connsiteY2"/>
+              </a:cxn>
+              <a:cxn ang="0">
+                <a:pos x="connsiteX3" y="connsiteY3"/>
+              </a:cxn>
+              <a:cxn ang="0">
+                <a:pos x="connsiteX4" y="connsiteY4"/>
+              </a:cxn>
+              <a:cxn ang="0">
+                <a:pos x="connsiteX5" y="connsiteY5"/>
+              </a:cxn>
+              <a:cxn ang="0">
+                <a:pos x="connsiteX6" y="connsiteY6"/>
+              </a:cxn>
+            </a:cxnLst>
+            <a:rect l="l" t="t" r="r" b="b"/>
+            <a:pathLst>
+              <a:path w="3682767" h="1007955">
+                <a:moveTo>
+                  <a:pt x="0" y="747896"/>
+                </a:moveTo>
+                <a:cubicBezTo>
+                  <a:pt x="384495" y="388567"/>
+                  <a:pt x="768991" y="29239"/>
+                  <a:pt x="1098958" y="1276"/>
+                </a:cubicBezTo>
+                <a:cubicBezTo>
+                  <a:pt x="1428925" y="-26687"/>
+                  <a:pt x="1549167" y="412337"/>
+                  <a:pt x="1979802" y="580117"/>
+                </a:cubicBezTo>
+                <a:cubicBezTo>
+                  <a:pt x="2410437" y="747897"/>
+                  <a:pt x="3682767" y="1007955"/>
+                  <a:pt x="3682767" y="1007955"/>
+                </a:cubicBezTo>
+                <a:lnTo>
+                  <a:pt x="3682767" y="1007955"/>
+                </a:lnTo>
+                <a:lnTo>
+                  <a:pt x="3682767" y="1007955"/>
+                </a:lnTo>
+                <a:lnTo>
+                  <a:pt x="3682767" y="1007955"/>
+                </a:lnTo>
+              </a:path>
+            </a:pathLst>
+          </a:custGeom>
+          <a:noFill/>
+          <a:ln w="57150">
+            <a:solidFill>
+              <a:srgbClr val="5A5ACA"/>
+            </a:solidFill>
+          </a:ln>
+        </p:spPr>
+        <p:style>
+          <a:lnRef idx="2">
+            <a:schemeClr val="accent1">
+              <a:shade val="50000"/>
+            </a:schemeClr>
+          </a:lnRef>
+          <a:fillRef idx="1">
+            <a:schemeClr val="accent1"/>
+          </a:fillRef>
+          <a:effectRef idx="0">
+            <a:schemeClr val="accent1"/>
+          </a:effectRef>
+          <a:fontRef idx="minor">
+            <a:schemeClr val="lt1"/>
+          </a:fontRef>
+        </p:style>
+        <p:txBody>
+          <a:bodyPr rtlCol="0" anchor="ctr"/>
+          <a:lstStyle/>
+          <a:p>
+            <a:pPr algn="ctr"/>
+            <a:endParaRPr lang="fr-FR"/>
+          </a:p>
+        </p:txBody>
+      </p:sp>
+      <p:sp>
+        <p:nvSpPr>
+          <p:cNvPr id="13" name="Forme libre : forme 12">
+            <a:extLst>
+              <a:ext uri="{FF2B5EF4-FFF2-40B4-BE49-F238E27FC236}">
+                <a16:creationId xmlns:a16="http://schemas.microsoft.com/office/drawing/2014/main" id="{9755C337-F31D-402E-9C56-F6A203771C4A}"/>
+              </a:ext>
+            </a:extLst>
+          </p:cNvPr>
+          <p:cNvSpPr/>
+          <p:nvPr/>
+        </p:nvSpPr>
+        <p:spPr>
+          <a:xfrm>
+            <a:off x="2675289" y="1493659"/>
+            <a:ext cx="3984771" cy="2630457"/>
+          </a:xfrm>
+          <a:custGeom>
+            <a:avLst/>
+            <a:gdLst>
+              <a:gd name="connsiteX0" fmla="*/ 0 w 3984771"/>
+              <a:gd name="connsiteY0" fmla="*/ 1319747 h 2630457"/>
+              <a:gd name="connsiteX1" fmla="*/ 570451 w 3984771"/>
+              <a:gd name="connsiteY1" fmla="*/ 19453 h 2630457"/>
+              <a:gd name="connsiteX2" fmla="*/ 1946246 w 3984771"/>
+              <a:gd name="connsiteY2" fmla="*/ 2208980 h 2630457"/>
+              <a:gd name="connsiteX3" fmla="*/ 3984771 w 3984771"/>
+              <a:gd name="connsiteY3" fmla="*/ 2628430 h 2630457"/>
+            </a:gdLst>
+            <a:ahLst/>
+            <a:cxnLst>
+              <a:cxn ang="0">
+                <a:pos x="connsiteX0" y="connsiteY0"/>
+              </a:cxn>
+              <a:cxn ang="0">
+                <a:pos x="connsiteX1" y="connsiteY1"/>
+              </a:cxn>
+              <a:cxn ang="0">
+                <a:pos x="connsiteX2" y="connsiteY2"/>
+              </a:cxn>
+              <a:cxn ang="0">
+                <a:pos x="connsiteX3" y="connsiteY3"/>
+              </a:cxn>
+            </a:cxnLst>
+            <a:rect l="l" t="t" r="r" b="b"/>
+            <a:pathLst>
+              <a:path w="3984771" h="2630457">
+                <a:moveTo>
+                  <a:pt x="0" y="1319747"/>
+                </a:moveTo>
+                <a:cubicBezTo>
+                  <a:pt x="123038" y="595497"/>
+                  <a:pt x="246077" y="-128752"/>
+                  <a:pt x="570451" y="19453"/>
+                </a:cubicBezTo>
+                <a:cubicBezTo>
+                  <a:pt x="894825" y="167658"/>
+                  <a:pt x="1377193" y="1774150"/>
+                  <a:pt x="1946246" y="2208980"/>
+                </a:cubicBezTo>
+                <a:cubicBezTo>
+                  <a:pt x="2515299" y="2643810"/>
+                  <a:pt x="3250035" y="2636120"/>
+                  <a:pt x="3984771" y="2628430"/>
+                </a:cubicBezTo>
+              </a:path>
+            </a:pathLst>
+          </a:custGeom>
+          <a:noFill/>
+          <a:ln w="57150">
+            <a:solidFill>
+              <a:srgbClr val="808080"/>
+            </a:solidFill>
+          </a:ln>
+        </p:spPr>
+        <p:style>
+          <a:lnRef idx="2">
+            <a:schemeClr val="accent1">
+              <a:shade val="50000"/>
+            </a:schemeClr>
+          </a:lnRef>
+          <a:fillRef idx="1">
+            <a:schemeClr val="accent1"/>
+          </a:fillRef>
+          <a:effectRef idx="0">
+            <a:schemeClr val="accent1"/>
+          </a:effectRef>
+          <a:fontRef idx="minor">
+            <a:schemeClr val="lt1"/>
+          </a:fontRef>
+        </p:style>
+        <p:txBody>
+          <a:bodyPr rtlCol="0" anchor="ctr"/>
+          <a:lstStyle/>
+          <a:p>
+            <a:pPr algn="ctr"/>
+            <a:endParaRPr lang="fr-FR"/>
+          </a:p>
+        </p:txBody>
+      </p:sp>
+      <p:sp>
+        <p:nvSpPr>
+          <p:cNvPr id="14" name="Forme libre : forme 13">
+            <a:extLst>
+              <a:ext uri="{FF2B5EF4-FFF2-40B4-BE49-F238E27FC236}">
+                <a16:creationId xmlns:a16="http://schemas.microsoft.com/office/drawing/2014/main" id="{8E5AD54F-460A-4DE0-BEBF-7A5A95D8657C}"/>
+              </a:ext>
+            </a:extLst>
+          </p:cNvPr>
+          <p:cNvSpPr/>
+          <p:nvPr/>
+        </p:nvSpPr>
+        <p:spPr>
+          <a:xfrm>
+            <a:off x="2675289" y="1301342"/>
+            <a:ext cx="4144162" cy="2383847"/>
+          </a:xfrm>
+          <a:custGeom>
+            <a:avLst/>
+            <a:gdLst>
+              <a:gd name="connsiteX0" fmla="*/ 0 w 3682767"/>
+              <a:gd name="connsiteY0" fmla="*/ 747896 h 1007955"/>
+              <a:gd name="connsiteX1" fmla="*/ 1098958 w 3682767"/>
+              <a:gd name="connsiteY1" fmla="*/ 1276 h 1007955"/>
+              <a:gd name="connsiteX2" fmla="*/ 1979802 w 3682767"/>
+              <a:gd name="connsiteY2" fmla="*/ 580117 h 1007955"/>
+              <a:gd name="connsiteX3" fmla="*/ 3682767 w 3682767"/>
+              <a:gd name="connsiteY3" fmla="*/ 1007955 h 1007955"/>
+              <a:gd name="connsiteX4" fmla="*/ 3682767 w 3682767"/>
+              <a:gd name="connsiteY4" fmla="*/ 1007955 h 1007955"/>
+              <a:gd name="connsiteX5" fmla="*/ 3682767 w 3682767"/>
+              <a:gd name="connsiteY5" fmla="*/ 1007955 h 1007955"/>
+              <a:gd name="connsiteX6" fmla="*/ 3682767 w 3682767"/>
+              <a:gd name="connsiteY6" fmla="*/ 1007955 h 1007955"/>
+            </a:gdLst>
+            <a:ahLst/>
+            <a:cxnLst>
+              <a:cxn ang="0">
+                <a:pos x="connsiteX0" y="connsiteY0"/>
+              </a:cxn>
+              <a:cxn ang="0">
+                <a:pos x="connsiteX1" y="connsiteY1"/>
+              </a:cxn>
+              <a:cxn ang="0">
+                <a:pos x="connsiteX2" y="connsiteY2"/>
+              </a:cxn>
+              <a:cxn ang="0">
+                <a:pos x="connsiteX3" y="connsiteY3"/>
+              </a:cxn>
+              <a:cxn ang="0">
+                <a:pos x="connsiteX4" y="connsiteY4"/>
+              </a:cxn>
+              <a:cxn ang="0">
+                <a:pos x="connsiteX5" y="connsiteY5"/>
+              </a:cxn>
+              <a:cxn ang="0">
+                <a:pos x="connsiteX6" y="connsiteY6"/>
+              </a:cxn>
+            </a:cxnLst>
+            <a:rect l="l" t="t" r="r" b="b"/>
+            <a:pathLst>
+              <a:path w="3682767" h="1007955">
+                <a:moveTo>
+                  <a:pt x="0" y="747896"/>
+                </a:moveTo>
+                <a:cubicBezTo>
+                  <a:pt x="384495" y="388567"/>
+                  <a:pt x="768991" y="29239"/>
+                  <a:pt x="1098958" y="1276"/>
+                </a:cubicBezTo>
+                <a:cubicBezTo>
+                  <a:pt x="1428925" y="-26687"/>
+                  <a:pt x="1549167" y="412337"/>
+                  <a:pt x="1979802" y="580117"/>
+                </a:cubicBezTo>
+                <a:cubicBezTo>
+                  <a:pt x="2410437" y="747897"/>
+                  <a:pt x="3682767" y="1007955"/>
+                  <a:pt x="3682767" y="1007955"/>
+                </a:cubicBezTo>
+                <a:lnTo>
+                  <a:pt x="3682767" y="1007955"/>
+                </a:lnTo>
+                <a:lnTo>
+                  <a:pt x="3682767" y="1007955"/>
+                </a:lnTo>
+                <a:lnTo>
+                  <a:pt x="3682767" y="1007955"/>
+                </a:lnTo>
+              </a:path>
+            </a:pathLst>
+          </a:custGeom>
+          <a:noFill/>
+          <a:ln w="57150">
+            <a:solidFill>
+              <a:srgbClr val="EC9200"/>
+            </a:solidFill>
+          </a:ln>
+        </p:spPr>
+        <p:style>
+          <a:lnRef idx="2">
+            <a:schemeClr val="accent1">
+              <a:shade val="50000"/>
+            </a:schemeClr>
+          </a:lnRef>
+          <a:fillRef idx="1">
+            <a:schemeClr val="accent1"/>
+          </a:fillRef>
+          <a:effectRef idx="0">
+            <a:schemeClr val="accent1"/>
+          </a:effectRef>
+          <a:fontRef idx="minor">
+            <a:schemeClr val="lt1"/>
+          </a:fontRef>
+        </p:style>
+        <p:txBody>
+          <a:bodyPr rtlCol="0" anchor="ctr"/>
+          <a:lstStyle/>
+          <a:p>
+            <a:pPr algn="ctr"/>
+            <a:endParaRPr lang="fr-FR"/>
+          </a:p>
+        </p:txBody>
+      </p:sp>
+      <p:sp>
+        <p:nvSpPr>
+          <p:cNvPr id="25" name="ZoneTexte 24">
+            <a:extLst>
+              <a:ext uri="{FF2B5EF4-FFF2-40B4-BE49-F238E27FC236}">
+                <a16:creationId xmlns:a16="http://schemas.microsoft.com/office/drawing/2014/main" id="{D0AFAB7C-13DA-4365-8326-55151D60FFDB}"/>
+              </a:ext>
+            </a:extLst>
+          </p:cNvPr>
+          <p:cNvSpPr txBox="1"/>
+          <p:nvPr/>
+        </p:nvSpPr>
+        <p:spPr>
+          <a:xfrm>
+            <a:off x="7124455" y="3534440"/>
+            <a:ext cx="1066318" cy="954107"/>
+          </a:xfrm>
+          <a:prstGeom prst="rect">
+            <a:avLst/>
+          </a:prstGeom>
+          <a:noFill/>
+        </p:spPr>
+        <p:txBody>
+          <a:bodyPr wrap="none" rtlCol="0">
+            <a:spAutoFit/>
+          </a:bodyPr>
+          <a:lstStyle/>
+          <a:p>
+            <a:r>
+              <a:rPr lang="fr-FR" sz="1400" b="1">
+                <a:solidFill>
+                  <a:srgbClr val="808080"/>
+                </a:solidFill>
+              </a:rPr>
+              <a:t>Carbon</a:t>
+            </a:r>
+          </a:p>
+          <a:p>
+            <a:r>
+              <a:rPr lang="fr-FR" sz="1400" b="1">
+                <a:solidFill>
+                  <a:srgbClr val="5A5ACA"/>
+                </a:solidFill>
+              </a:rPr>
+              <a:t>Nitrogen</a:t>
+            </a:r>
+          </a:p>
+          <a:p>
+            <a:r>
+              <a:rPr lang="fr-FR" sz="1400" b="1">
+                <a:solidFill>
+                  <a:srgbClr val="EC9200"/>
+                </a:solidFill>
+              </a:rPr>
+              <a:t>Phosphorus</a:t>
+            </a:r>
+          </a:p>
+          <a:p>
+            <a:r>
+              <a:rPr lang="fr-FR" sz="1400" b="1">
+                <a:solidFill>
+                  <a:srgbClr val="403EFF"/>
+                </a:solidFill>
+              </a:rPr>
+              <a:t>Sodium</a:t>
+            </a:r>
+          </a:p>
+        </p:txBody>
+      </p:sp>
+      <p:sp>
+        <p:nvSpPr>
+          <p:cNvPr id="30" name="ZoneTexte 29">
+            <a:extLst>
+              <a:ext uri="{FF2B5EF4-FFF2-40B4-BE49-F238E27FC236}">
+                <a16:creationId xmlns:a16="http://schemas.microsoft.com/office/drawing/2014/main" id="{FB504497-1EE1-40FF-8C0F-E88C7E4BE63E}"/>
+              </a:ext>
+            </a:extLst>
+          </p:cNvPr>
+          <p:cNvSpPr txBox="1"/>
+          <p:nvPr/>
+        </p:nvSpPr>
+        <p:spPr>
+          <a:xfrm rot="16200000">
+            <a:off x="-68079" y="2496179"/>
+            <a:ext cx="3651384" cy="369332"/>
+          </a:xfrm>
+          <a:prstGeom prst="rect">
+            <a:avLst/>
+          </a:prstGeom>
+          <a:noFill/>
+        </p:spPr>
+        <p:txBody>
+          <a:bodyPr wrap="none" rtlCol="0">
+            <a:spAutoFit/>
+          </a:bodyPr>
+          <a:lstStyle/>
+          <a:p>
+            <a:r>
+              <a:rPr lang="fr-FR"/>
+              <a:t>Element absorption efficiency (%dw)</a:t>
+            </a:r>
+          </a:p>
+        </p:txBody>
+      </p:sp>
+      <p:sp>
+        <p:nvSpPr>
+          <p:cNvPr id="34" name="ZoneTexte 33">
+            <a:extLst>
+              <a:ext uri="{FF2B5EF4-FFF2-40B4-BE49-F238E27FC236}">
+                <a16:creationId xmlns:a16="http://schemas.microsoft.com/office/drawing/2014/main" id="{EF09800A-D5B7-4CF7-B7AD-089789F21475}"/>
+              </a:ext>
+            </a:extLst>
+          </p:cNvPr>
+          <p:cNvSpPr txBox="1"/>
+          <p:nvPr/>
+        </p:nvSpPr>
+        <p:spPr>
+          <a:xfrm>
+            <a:off x="4398880" y="4930119"/>
+            <a:ext cx="4877810" cy="369332"/>
+          </a:xfrm>
+          <a:prstGeom prst="rect">
+            <a:avLst/>
+          </a:prstGeom>
+          <a:noFill/>
+        </p:spPr>
+        <p:txBody>
+          <a:bodyPr wrap="none" rtlCol="0">
+            <a:spAutoFit/>
+          </a:bodyPr>
+          <a:lstStyle/>
+          <a:p>
+            <a:r>
+              <a:rPr lang="fr-FR"/>
+              <a:t>Mass-specific total intake rate (mg/day / mg indiv)</a:t>
+            </a:r>
+          </a:p>
+        </p:txBody>
+      </p:sp>
+      <p:cxnSp>
+        <p:nvCxnSpPr>
+          <p:cNvPr id="42" name="Connecteur droit 41">
+            <a:extLst>
+              <a:ext uri="{FF2B5EF4-FFF2-40B4-BE49-F238E27FC236}">
+                <a16:creationId xmlns:a16="http://schemas.microsoft.com/office/drawing/2014/main" id="{F8DBD68F-A416-49D2-A831-DD388263B5A2}"/>
+              </a:ext>
+            </a:extLst>
+          </p:cNvPr>
+          <p:cNvCxnSpPr>
+            <a:cxnSpLocks/>
+          </p:cNvCxnSpPr>
+          <p:nvPr/>
+        </p:nvCxnSpPr>
+        <p:spPr>
+          <a:xfrm>
+            <a:off x="7297621" y="1469656"/>
+            <a:ext cx="0" cy="790662"/>
+          </a:xfrm>
+          <a:prstGeom prst="line">
+            <a:avLst/>
+          </a:prstGeom>
+          <a:ln w="57150">
+            <a:solidFill>
+              <a:schemeClr val="tx1"/>
+            </a:solidFill>
+          </a:ln>
+        </p:spPr>
+        <p:style>
+          <a:lnRef idx="1">
+            <a:schemeClr val="accent1"/>
+          </a:lnRef>
+          <a:fillRef idx="0">
+            <a:schemeClr val="accent1"/>
+          </a:fillRef>
+          <a:effectRef idx="0">
+            <a:schemeClr val="accent1"/>
+          </a:effectRef>
+          <a:fontRef idx="minor">
+            <a:schemeClr val="tx1"/>
+          </a:fontRef>
+        </p:style>
+      </p:cxnSp>
+      <p:cxnSp>
+        <p:nvCxnSpPr>
+          <p:cNvPr id="43" name="Connecteur droit 42">
+            <a:extLst>
+              <a:ext uri="{FF2B5EF4-FFF2-40B4-BE49-F238E27FC236}">
+                <a16:creationId xmlns:a16="http://schemas.microsoft.com/office/drawing/2014/main" id="{2BDA8F9C-CDEF-4A33-B0B9-E76D3A143C7E}"/>
+              </a:ext>
+            </a:extLst>
+          </p:cNvPr>
+          <p:cNvCxnSpPr>
+            <a:cxnSpLocks/>
+          </p:cNvCxnSpPr>
+          <p:nvPr/>
+        </p:nvCxnSpPr>
+        <p:spPr>
+          <a:xfrm flipH="1" flipV="1">
+            <a:off x="7280844" y="2244938"/>
+            <a:ext cx="1426127" cy="15380"/>
+          </a:xfrm>
+          <a:prstGeom prst="line">
+            <a:avLst/>
+          </a:prstGeom>
+          <a:ln w="57150">
+            <a:solidFill>
+              <a:schemeClr val="tx1"/>
+            </a:solidFill>
+          </a:ln>
+        </p:spPr>
+        <p:style>
+          <a:lnRef idx="1">
+            <a:schemeClr val="accent1"/>
+          </a:lnRef>
+          <a:fillRef idx="0">
+            <a:schemeClr val="accent1"/>
+          </a:fillRef>
+          <a:effectRef idx="0">
+            <a:schemeClr val="accent1"/>
+          </a:effectRef>
+          <a:fontRef idx="minor">
+            <a:schemeClr val="tx1"/>
+          </a:fontRef>
+        </p:style>
+      </p:cxnSp>
+      <p:sp>
+        <p:nvSpPr>
+          <p:cNvPr id="44" name="Forme libre : forme 43">
+            <a:extLst>
+              <a:ext uri="{FF2B5EF4-FFF2-40B4-BE49-F238E27FC236}">
+                <a16:creationId xmlns:a16="http://schemas.microsoft.com/office/drawing/2014/main" id="{B9B04C54-97DD-4A15-BCF0-F70C14AD23DE}"/>
+              </a:ext>
+            </a:extLst>
+          </p:cNvPr>
+          <p:cNvSpPr/>
+          <p:nvPr/>
+        </p:nvSpPr>
+        <p:spPr>
+          <a:xfrm>
+            <a:off x="7438104" y="1626168"/>
+            <a:ext cx="1157680" cy="474607"/>
+          </a:xfrm>
+          <a:custGeom>
+            <a:avLst/>
+            <a:gdLst>
+              <a:gd name="connsiteX0" fmla="*/ 0 w 3984771"/>
+              <a:gd name="connsiteY0" fmla="*/ 1319747 h 2630457"/>
+              <a:gd name="connsiteX1" fmla="*/ 570451 w 3984771"/>
+              <a:gd name="connsiteY1" fmla="*/ 19453 h 2630457"/>
+              <a:gd name="connsiteX2" fmla="*/ 1946246 w 3984771"/>
+              <a:gd name="connsiteY2" fmla="*/ 2208980 h 2630457"/>
+              <a:gd name="connsiteX3" fmla="*/ 3984771 w 3984771"/>
+              <a:gd name="connsiteY3" fmla="*/ 2628430 h 2630457"/>
+            </a:gdLst>
+            <a:ahLst/>
+            <a:cxnLst>
+              <a:cxn ang="0">
+                <a:pos x="connsiteX0" y="connsiteY0"/>
+              </a:cxn>
+              <a:cxn ang="0">
+                <a:pos x="connsiteX1" y="connsiteY1"/>
+              </a:cxn>
+              <a:cxn ang="0">
+                <a:pos x="connsiteX2" y="connsiteY2"/>
+              </a:cxn>
+              <a:cxn ang="0">
+                <a:pos x="connsiteX3" y="connsiteY3"/>
+              </a:cxn>
+            </a:cxnLst>
+            <a:rect l="l" t="t" r="r" b="b"/>
+            <a:pathLst>
+              <a:path w="3984771" h="2630457">
+                <a:moveTo>
+                  <a:pt x="0" y="1319747"/>
+                </a:moveTo>
+                <a:cubicBezTo>
+                  <a:pt x="123038" y="595497"/>
+                  <a:pt x="246077" y="-128752"/>
+                  <a:pt x="570451" y="19453"/>
+                </a:cubicBezTo>
+                <a:cubicBezTo>
+                  <a:pt x="894825" y="167658"/>
+                  <a:pt x="1377193" y="1774150"/>
+                  <a:pt x="1946246" y="2208980"/>
+                </a:cubicBezTo>
+                <a:cubicBezTo>
+                  <a:pt x="2515299" y="2643810"/>
+                  <a:pt x="3250035" y="2636120"/>
+                  <a:pt x="3984771" y="2628430"/>
+                </a:cubicBezTo>
+              </a:path>
+            </a:pathLst>
+          </a:custGeom>
+          <a:noFill/>
+          <a:ln w="57150">
+            <a:solidFill>
+              <a:srgbClr val="403EFF"/>
+            </a:solidFill>
+          </a:ln>
+        </p:spPr>
+        <p:style>
+          <a:lnRef idx="2">
+            <a:schemeClr val="accent1">
+              <a:shade val="50000"/>
+            </a:schemeClr>
+          </a:lnRef>
+          <a:fillRef idx="1">
+            <a:schemeClr val="accent1"/>
+          </a:fillRef>
+          <a:effectRef idx="0">
+            <a:schemeClr val="accent1"/>
+          </a:effectRef>
+          <a:fontRef idx="minor">
+            <a:schemeClr val="lt1"/>
+          </a:fontRef>
+        </p:style>
+        <p:txBody>
+          <a:bodyPr rtlCol="0" anchor="ctr"/>
+          <a:lstStyle/>
+          <a:p>
+            <a:pPr algn="ctr"/>
+            <a:endParaRPr lang="fr-FR"/>
+          </a:p>
+        </p:txBody>
+      </p:sp>
+      <p:cxnSp>
+        <p:nvCxnSpPr>
+          <p:cNvPr id="45" name="Connecteur droit 44">
+            <a:extLst>
+              <a:ext uri="{FF2B5EF4-FFF2-40B4-BE49-F238E27FC236}">
+                <a16:creationId xmlns:a16="http://schemas.microsoft.com/office/drawing/2014/main" id="{0C608577-0EB0-43EC-8CA7-51490C5256B0}"/>
+              </a:ext>
+            </a:extLst>
+          </p:cNvPr>
+          <p:cNvCxnSpPr>
+            <a:cxnSpLocks/>
+          </p:cNvCxnSpPr>
+          <p:nvPr/>
+        </p:nvCxnSpPr>
+        <p:spPr>
+          <a:xfrm>
+            <a:off x="9119430" y="1461966"/>
+            <a:ext cx="0" cy="790662"/>
+          </a:xfrm>
+          <a:prstGeom prst="line">
+            <a:avLst/>
+          </a:prstGeom>
+          <a:ln w="57150">
+            <a:solidFill>
+              <a:schemeClr val="tx1"/>
+            </a:solidFill>
+          </a:ln>
+        </p:spPr>
+        <p:style>
+          <a:lnRef idx="1">
+            <a:schemeClr val="accent1"/>
+          </a:lnRef>
+          <a:fillRef idx="0">
+            <a:schemeClr val="accent1"/>
+          </a:fillRef>
+          <a:effectRef idx="0">
+            <a:schemeClr val="accent1"/>
+          </a:effectRef>
+          <a:fontRef idx="minor">
+            <a:schemeClr val="tx1"/>
+          </a:fontRef>
+        </p:style>
+      </p:cxnSp>
+      <p:cxnSp>
+        <p:nvCxnSpPr>
+          <p:cNvPr id="46" name="Connecteur droit 45">
+            <a:extLst>
+              <a:ext uri="{FF2B5EF4-FFF2-40B4-BE49-F238E27FC236}">
+                <a16:creationId xmlns:a16="http://schemas.microsoft.com/office/drawing/2014/main" id="{F1FCB9C1-4E49-4BA2-A098-460E1A1E3176}"/>
+              </a:ext>
+            </a:extLst>
+          </p:cNvPr>
+          <p:cNvCxnSpPr>
+            <a:cxnSpLocks/>
+          </p:cNvCxnSpPr>
+          <p:nvPr/>
+        </p:nvCxnSpPr>
+        <p:spPr>
+          <a:xfrm flipH="1" flipV="1">
+            <a:off x="9102653" y="2237248"/>
+            <a:ext cx="1426127" cy="15380"/>
+          </a:xfrm>
+          <a:prstGeom prst="line">
+            <a:avLst/>
+          </a:prstGeom>
+          <a:ln w="57150">
+            <a:solidFill>
+              <a:schemeClr val="tx1"/>
+            </a:solidFill>
+          </a:ln>
+        </p:spPr>
+        <p:style>
+          <a:lnRef idx="1">
+            <a:schemeClr val="accent1"/>
+          </a:lnRef>
+          <a:fillRef idx="0">
+            <a:schemeClr val="accent1"/>
+          </a:fillRef>
+          <a:effectRef idx="0">
+            <a:schemeClr val="accent1"/>
+          </a:effectRef>
+          <a:fontRef idx="minor">
+            <a:schemeClr val="tx1"/>
+          </a:fontRef>
+        </p:style>
+      </p:cxnSp>
+      <p:sp>
+        <p:nvSpPr>
+          <p:cNvPr id="47" name="Forme libre : forme 46">
+            <a:extLst>
+              <a:ext uri="{FF2B5EF4-FFF2-40B4-BE49-F238E27FC236}">
+                <a16:creationId xmlns:a16="http://schemas.microsoft.com/office/drawing/2014/main" id="{6721E091-CBD1-4372-A4B2-2D5CC5C49A76}"/>
+              </a:ext>
+            </a:extLst>
+          </p:cNvPr>
+          <p:cNvSpPr/>
+          <p:nvPr/>
+        </p:nvSpPr>
+        <p:spPr>
+          <a:xfrm>
+            <a:off x="9259913" y="1618478"/>
+            <a:ext cx="1157680" cy="474607"/>
+          </a:xfrm>
+          <a:custGeom>
+            <a:avLst/>
+            <a:gdLst>
+              <a:gd name="connsiteX0" fmla="*/ 0 w 3984771"/>
+              <a:gd name="connsiteY0" fmla="*/ 1319747 h 2630457"/>
+              <a:gd name="connsiteX1" fmla="*/ 570451 w 3984771"/>
+              <a:gd name="connsiteY1" fmla="*/ 19453 h 2630457"/>
+              <a:gd name="connsiteX2" fmla="*/ 1946246 w 3984771"/>
+              <a:gd name="connsiteY2" fmla="*/ 2208980 h 2630457"/>
+              <a:gd name="connsiteX3" fmla="*/ 3984771 w 3984771"/>
+              <a:gd name="connsiteY3" fmla="*/ 2628430 h 2630457"/>
+            </a:gdLst>
+            <a:ahLst/>
+            <a:cxnLst>
+              <a:cxn ang="0">
+                <a:pos x="connsiteX0" y="connsiteY0"/>
+              </a:cxn>
+              <a:cxn ang="0">
+                <a:pos x="connsiteX1" y="connsiteY1"/>
+              </a:cxn>
+              <a:cxn ang="0">
+                <a:pos x="connsiteX2" y="connsiteY2"/>
+              </a:cxn>
+              <a:cxn ang="0">
+                <a:pos x="connsiteX3" y="connsiteY3"/>
+              </a:cxn>
+            </a:cxnLst>
+            <a:rect l="l" t="t" r="r" b="b"/>
+            <a:pathLst>
+              <a:path w="3984771" h="2630457">
+                <a:moveTo>
+                  <a:pt x="0" y="1319747"/>
+                </a:moveTo>
+                <a:cubicBezTo>
+                  <a:pt x="123038" y="595497"/>
+                  <a:pt x="246077" y="-128752"/>
+                  <a:pt x="570451" y="19453"/>
+                </a:cubicBezTo>
+                <a:cubicBezTo>
+                  <a:pt x="894825" y="167658"/>
+                  <a:pt x="1377193" y="1774150"/>
+                  <a:pt x="1946246" y="2208980"/>
+                </a:cubicBezTo>
+                <a:cubicBezTo>
+                  <a:pt x="2515299" y="2643810"/>
+                  <a:pt x="3250035" y="2636120"/>
+                  <a:pt x="3984771" y="2628430"/>
+                </a:cubicBezTo>
+              </a:path>
+            </a:pathLst>
+          </a:custGeom>
+          <a:noFill/>
+          <a:ln w="57150">
+            <a:solidFill>
+              <a:srgbClr val="5CC55C"/>
+            </a:solidFill>
+          </a:ln>
+        </p:spPr>
+        <p:style>
+          <a:lnRef idx="2">
+            <a:schemeClr val="accent1">
+              <a:shade val="50000"/>
+            </a:schemeClr>
+          </a:lnRef>
+          <a:fillRef idx="1">
+            <a:schemeClr val="accent1"/>
+          </a:fillRef>
+          <a:effectRef idx="0">
+            <a:schemeClr val="accent1"/>
+          </a:effectRef>
+          <a:fontRef idx="minor">
+            <a:schemeClr val="lt1"/>
+          </a:fontRef>
+        </p:style>
+        <p:txBody>
+          <a:bodyPr rtlCol="0" anchor="ctr"/>
+          <a:lstStyle/>
+          <a:p>
+            <a:pPr algn="ctr"/>
+            <a:endParaRPr lang="fr-FR"/>
+          </a:p>
+        </p:txBody>
+      </p:sp>
+      <p:cxnSp>
+        <p:nvCxnSpPr>
+          <p:cNvPr id="48" name="Connecteur droit 47">
+            <a:extLst>
+              <a:ext uri="{FF2B5EF4-FFF2-40B4-BE49-F238E27FC236}">
+                <a16:creationId xmlns:a16="http://schemas.microsoft.com/office/drawing/2014/main" id="{AC77ECE3-FCA1-4DC2-A81B-2CEE6281398E}"/>
+              </a:ext>
+            </a:extLst>
+          </p:cNvPr>
+          <p:cNvCxnSpPr>
+            <a:cxnSpLocks/>
+          </p:cNvCxnSpPr>
+          <p:nvPr/>
+        </p:nvCxnSpPr>
+        <p:spPr>
+          <a:xfrm>
+            <a:off x="7314398" y="2524333"/>
+            <a:ext cx="0" cy="790662"/>
+          </a:xfrm>
+          <a:prstGeom prst="line">
+            <a:avLst/>
+          </a:prstGeom>
+          <a:ln w="57150">
+            <a:solidFill>
+              <a:schemeClr val="tx1"/>
+            </a:solidFill>
+          </a:ln>
+        </p:spPr>
+        <p:style>
+          <a:lnRef idx="1">
+            <a:schemeClr val="accent1"/>
+          </a:lnRef>
+          <a:fillRef idx="0">
+            <a:schemeClr val="accent1"/>
+          </a:fillRef>
+          <a:effectRef idx="0">
+            <a:schemeClr val="accent1"/>
+          </a:effectRef>
+          <a:fontRef idx="minor">
+            <a:schemeClr val="tx1"/>
+          </a:fontRef>
+        </p:style>
+      </p:cxnSp>
+      <p:cxnSp>
+        <p:nvCxnSpPr>
+          <p:cNvPr id="49" name="Connecteur droit 48">
+            <a:extLst>
+              <a:ext uri="{FF2B5EF4-FFF2-40B4-BE49-F238E27FC236}">
+                <a16:creationId xmlns:a16="http://schemas.microsoft.com/office/drawing/2014/main" id="{11E58C84-DEDB-4DB3-A028-B7F42093AB6C}"/>
+              </a:ext>
+            </a:extLst>
+          </p:cNvPr>
+          <p:cNvCxnSpPr>
+            <a:cxnSpLocks/>
+          </p:cNvCxnSpPr>
+          <p:nvPr/>
+        </p:nvCxnSpPr>
+        <p:spPr>
+          <a:xfrm flipH="1" flipV="1">
+            <a:off x="7297621" y="3299615"/>
+            <a:ext cx="1426127" cy="15380"/>
+          </a:xfrm>
+          <a:prstGeom prst="line">
+            <a:avLst/>
+          </a:prstGeom>
+          <a:ln w="57150">
+            <a:solidFill>
+              <a:schemeClr val="tx1"/>
+            </a:solidFill>
+          </a:ln>
+        </p:spPr>
+        <p:style>
+          <a:lnRef idx="1">
+            <a:schemeClr val="accent1"/>
+          </a:lnRef>
+          <a:fillRef idx="0">
+            <a:schemeClr val="accent1"/>
+          </a:fillRef>
+          <a:effectRef idx="0">
+            <a:schemeClr val="accent1"/>
+          </a:effectRef>
+          <a:fontRef idx="minor">
+            <a:schemeClr val="tx1"/>
+          </a:fontRef>
+        </p:style>
+      </p:cxnSp>
+      <p:sp>
+        <p:nvSpPr>
+          <p:cNvPr id="50" name="Forme libre : forme 49">
+            <a:extLst>
+              <a:ext uri="{FF2B5EF4-FFF2-40B4-BE49-F238E27FC236}">
+                <a16:creationId xmlns:a16="http://schemas.microsoft.com/office/drawing/2014/main" id="{56C4740B-B569-44F8-8EAC-0A05DE3999ED}"/>
+              </a:ext>
+            </a:extLst>
+          </p:cNvPr>
+          <p:cNvSpPr/>
+          <p:nvPr/>
+        </p:nvSpPr>
+        <p:spPr>
+          <a:xfrm>
+            <a:off x="7454881" y="2680845"/>
+            <a:ext cx="1157680" cy="474607"/>
+          </a:xfrm>
+          <a:custGeom>
+            <a:avLst/>
+            <a:gdLst>
+              <a:gd name="connsiteX0" fmla="*/ 0 w 3984771"/>
+              <a:gd name="connsiteY0" fmla="*/ 1319747 h 2630457"/>
+              <a:gd name="connsiteX1" fmla="*/ 570451 w 3984771"/>
+              <a:gd name="connsiteY1" fmla="*/ 19453 h 2630457"/>
+              <a:gd name="connsiteX2" fmla="*/ 1946246 w 3984771"/>
+              <a:gd name="connsiteY2" fmla="*/ 2208980 h 2630457"/>
+              <a:gd name="connsiteX3" fmla="*/ 3984771 w 3984771"/>
+              <a:gd name="connsiteY3" fmla="*/ 2628430 h 2630457"/>
+            </a:gdLst>
+            <a:ahLst/>
+            <a:cxnLst>
+              <a:cxn ang="0">
+                <a:pos x="connsiteX0" y="connsiteY0"/>
+              </a:cxn>
+              <a:cxn ang="0">
+                <a:pos x="connsiteX1" y="connsiteY1"/>
+              </a:cxn>
+              <a:cxn ang="0">
+                <a:pos x="connsiteX2" y="connsiteY2"/>
+              </a:cxn>
+              <a:cxn ang="0">
+                <a:pos x="connsiteX3" y="connsiteY3"/>
+              </a:cxn>
+            </a:cxnLst>
+            <a:rect l="l" t="t" r="r" b="b"/>
+            <a:pathLst>
+              <a:path w="3984771" h="2630457">
+                <a:moveTo>
+                  <a:pt x="0" y="1319747"/>
+                </a:moveTo>
+                <a:cubicBezTo>
+                  <a:pt x="123038" y="595497"/>
+                  <a:pt x="246077" y="-128752"/>
+                  <a:pt x="570451" y="19453"/>
+                </a:cubicBezTo>
+                <a:cubicBezTo>
+                  <a:pt x="894825" y="167658"/>
+                  <a:pt x="1377193" y="1774150"/>
+                  <a:pt x="1946246" y="2208980"/>
+                </a:cubicBezTo>
+                <a:cubicBezTo>
+                  <a:pt x="2515299" y="2643810"/>
+                  <a:pt x="3250035" y="2636120"/>
+                  <a:pt x="3984771" y="2628430"/>
+                </a:cubicBezTo>
+              </a:path>
+            </a:pathLst>
+          </a:custGeom>
+          <a:noFill/>
+          <a:ln w="57150">
+            <a:solidFill>
+              <a:srgbClr val="D69F09"/>
+            </a:solidFill>
+          </a:ln>
+        </p:spPr>
+        <p:style>
+          <a:lnRef idx="2">
+            <a:schemeClr val="accent1">
+              <a:shade val="50000"/>
+            </a:schemeClr>
+          </a:lnRef>
+          <a:fillRef idx="1">
+            <a:schemeClr val="accent1"/>
+          </a:fillRef>
+          <a:effectRef idx="0">
+            <a:schemeClr val="accent1"/>
+          </a:effectRef>
+          <a:fontRef idx="minor">
+            <a:schemeClr val="lt1"/>
+          </a:fontRef>
+        </p:style>
+        <p:txBody>
+          <a:bodyPr rtlCol="0" anchor="ctr"/>
+          <a:lstStyle/>
+          <a:p>
+            <a:pPr algn="ctr"/>
+            <a:endParaRPr lang="fr-FR"/>
+          </a:p>
+        </p:txBody>
+      </p:sp>
+      <p:cxnSp>
+        <p:nvCxnSpPr>
+          <p:cNvPr id="51" name="Connecteur droit 50">
+            <a:extLst>
+              <a:ext uri="{FF2B5EF4-FFF2-40B4-BE49-F238E27FC236}">
+                <a16:creationId xmlns:a16="http://schemas.microsoft.com/office/drawing/2014/main" id="{35D1D919-0A9B-482D-A5D5-BE99A81DF934}"/>
+              </a:ext>
+            </a:extLst>
+          </p:cNvPr>
+          <p:cNvCxnSpPr>
+            <a:cxnSpLocks/>
+          </p:cNvCxnSpPr>
+          <p:nvPr/>
+        </p:nvCxnSpPr>
+        <p:spPr>
+          <a:xfrm>
+            <a:off x="9234754" y="2590338"/>
+            <a:ext cx="0" cy="790662"/>
+          </a:xfrm>
+          <a:prstGeom prst="line">
+            <a:avLst/>
+          </a:prstGeom>
+          <a:ln w="57150">
+            <a:solidFill>
+              <a:schemeClr val="tx1"/>
+            </a:solidFill>
+          </a:ln>
+        </p:spPr>
+        <p:style>
+          <a:lnRef idx="1">
+            <a:schemeClr val="accent1"/>
+          </a:lnRef>
+          <a:fillRef idx="0">
+            <a:schemeClr val="accent1"/>
+          </a:fillRef>
+          <a:effectRef idx="0">
+            <a:schemeClr val="accent1"/>
+          </a:effectRef>
+          <a:fontRef idx="minor">
+            <a:schemeClr val="tx1"/>
+          </a:fontRef>
+        </p:style>
+      </p:cxnSp>
+      <p:cxnSp>
+        <p:nvCxnSpPr>
+          <p:cNvPr id="52" name="Connecteur droit 51">
+            <a:extLst>
+              <a:ext uri="{FF2B5EF4-FFF2-40B4-BE49-F238E27FC236}">
+                <a16:creationId xmlns:a16="http://schemas.microsoft.com/office/drawing/2014/main" id="{BB1AC1CC-E25E-47A2-8807-2C4A946118D2}"/>
+              </a:ext>
+            </a:extLst>
+          </p:cNvPr>
+          <p:cNvCxnSpPr>
+            <a:cxnSpLocks/>
+          </p:cNvCxnSpPr>
+          <p:nvPr/>
+        </p:nvCxnSpPr>
+        <p:spPr>
+          <a:xfrm flipH="1" flipV="1">
+            <a:off x="9217977" y="3365620"/>
+            <a:ext cx="1426127" cy="15380"/>
+          </a:xfrm>
+          <a:prstGeom prst="line">
+            <a:avLst/>
+          </a:prstGeom>
+          <a:ln w="57150">
+            <a:solidFill>
+              <a:schemeClr val="tx1"/>
+            </a:solidFill>
+          </a:ln>
+        </p:spPr>
+        <p:style>
+          <a:lnRef idx="1">
+            <a:schemeClr val="accent1"/>
+          </a:lnRef>
+          <a:fillRef idx="0">
+            <a:schemeClr val="accent1"/>
+          </a:fillRef>
+          <a:effectRef idx="0">
+            <a:schemeClr val="accent1"/>
+          </a:effectRef>
+          <a:fontRef idx="minor">
+            <a:schemeClr val="tx1"/>
+          </a:fontRef>
+        </p:style>
+      </p:cxnSp>
+      <p:sp>
+        <p:nvSpPr>
+          <p:cNvPr id="53" name="Forme libre : forme 52">
+            <a:extLst>
+              <a:ext uri="{FF2B5EF4-FFF2-40B4-BE49-F238E27FC236}">
+                <a16:creationId xmlns:a16="http://schemas.microsoft.com/office/drawing/2014/main" id="{8340FF2F-6B9B-407D-905E-BD360C8BC391}"/>
+              </a:ext>
+            </a:extLst>
+          </p:cNvPr>
+          <p:cNvSpPr/>
+          <p:nvPr/>
+        </p:nvSpPr>
+        <p:spPr>
+          <a:xfrm>
+            <a:off x="9375237" y="2746850"/>
+            <a:ext cx="1157680" cy="474607"/>
+          </a:xfrm>
+          <a:custGeom>
+            <a:avLst/>
+            <a:gdLst>
+              <a:gd name="connsiteX0" fmla="*/ 0 w 3984771"/>
+              <a:gd name="connsiteY0" fmla="*/ 1319747 h 2630457"/>
+              <a:gd name="connsiteX1" fmla="*/ 570451 w 3984771"/>
+              <a:gd name="connsiteY1" fmla="*/ 19453 h 2630457"/>
+              <a:gd name="connsiteX2" fmla="*/ 1946246 w 3984771"/>
+              <a:gd name="connsiteY2" fmla="*/ 2208980 h 2630457"/>
+              <a:gd name="connsiteX3" fmla="*/ 3984771 w 3984771"/>
+              <a:gd name="connsiteY3" fmla="*/ 2628430 h 2630457"/>
+            </a:gdLst>
+            <a:ahLst/>
+            <a:cxnLst>
+              <a:cxn ang="0">
+                <a:pos x="connsiteX0" y="connsiteY0"/>
+              </a:cxn>
+              <a:cxn ang="0">
+                <a:pos x="connsiteX1" y="connsiteY1"/>
+              </a:cxn>
+              <a:cxn ang="0">
+                <a:pos x="connsiteX2" y="connsiteY2"/>
+              </a:cxn>
+              <a:cxn ang="0">
+                <a:pos x="connsiteX3" y="connsiteY3"/>
+              </a:cxn>
+            </a:cxnLst>
+            <a:rect l="l" t="t" r="r" b="b"/>
+            <a:pathLst>
+              <a:path w="3984771" h="2630457">
+                <a:moveTo>
+                  <a:pt x="0" y="1319747"/>
+                </a:moveTo>
+                <a:cubicBezTo>
+                  <a:pt x="123038" y="595497"/>
+                  <a:pt x="246077" y="-128752"/>
+                  <a:pt x="570451" y="19453"/>
+                </a:cubicBezTo>
+                <a:cubicBezTo>
+                  <a:pt x="894825" y="167658"/>
+                  <a:pt x="1377193" y="1774150"/>
+                  <a:pt x="1946246" y="2208980"/>
+                </a:cubicBezTo>
+                <a:cubicBezTo>
+                  <a:pt x="2515299" y="2643810"/>
+                  <a:pt x="3250035" y="2636120"/>
+                  <a:pt x="3984771" y="2628430"/>
+                </a:cubicBezTo>
+              </a:path>
+            </a:pathLst>
+          </a:custGeom>
+          <a:noFill/>
+          <a:ln w="57150">
+            <a:solidFill>
+              <a:srgbClr val="9B4BE1"/>
+            </a:solidFill>
+          </a:ln>
+        </p:spPr>
+        <p:style>
+          <a:lnRef idx="2">
+            <a:schemeClr val="accent1">
+              <a:shade val="50000"/>
+            </a:schemeClr>
+          </a:lnRef>
+          <a:fillRef idx="1">
+            <a:schemeClr val="accent1"/>
+          </a:fillRef>
+          <a:effectRef idx="0">
+            <a:schemeClr val="accent1"/>
+          </a:effectRef>
+          <a:fontRef idx="minor">
+            <a:schemeClr val="lt1"/>
+          </a:fontRef>
+        </p:style>
+        <p:txBody>
+          <a:bodyPr rtlCol="0" anchor="ctr"/>
+          <a:lstStyle/>
+          <a:p>
+            <a:pPr algn="ctr"/>
+            <a:endParaRPr lang="fr-FR">
+              <a:solidFill>
+                <a:srgbClr val="FF1493"/>
+              </a:solidFill>
+            </a:endParaRPr>
+          </a:p>
+        </p:txBody>
+      </p:sp>
+      <p:cxnSp>
+        <p:nvCxnSpPr>
+          <p:cNvPr id="54" name="Connecteur droit 53">
+            <a:extLst>
+              <a:ext uri="{FF2B5EF4-FFF2-40B4-BE49-F238E27FC236}">
+                <a16:creationId xmlns:a16="http://schemas.microsoft.com/office/drawing/2014/main" id="{ECC8515B-582C-41F6-90C9-DE9E96D4BFC8}"/>
+              </a:ext>
+            </a:extLst>
+          </p:cNvPr>
+          <p:cNvCxnSpPr>
+            <a:cxnSpLocks/>
+          </p:cNvCxnSpPr>
+          <p:nvPr/>
+        </p:nvCxnSpPr>
+        <p:spPr>
+          <a:xfrm>
+            <a:off x="9276690" y="3548841"/>
+            <a:ext cx="0" cy="790662"/>
+          </a:xfrm>
+          <a:prstGeom prst="line">
+            <a:avLst/>
+          </a:prstGeom>
+          <a:ln w="57150">
+            <a:solidFill>
+              <a:schemeClr val="tx1"/>
+            </a:solidFill>
+          </a:ln>
+        </p:spPr>
+        <p:style>
+          <a:lnRef idx="1">
+            <a:schemeClr val="accent1"/>
+          </a:lnRef>
+          <a:fillRef idx="0">
+            <a:schemeClr val="accent1"/>
+          </a:fillRef>
+          <a:effectRef idx="0">
+            <a:schemeClr val="accent1"/>
+          </a:effectRef>
+          <a:fontRef idx="minor">
+            <a:schemeClr val="tx1"/>
+          </a:fontRef>
+        </p:style>
+      </p:cxnSp>
+      <p:cxnSp>
+        <p:nvCxnSpPr>
+          <p:cNvPr id="55" name="Connecteur droit 54">
+            <a:extLst>
+              <a:ext uri="{FF2B5EF4-FFF2-40B4-BE49-F238E27FC236}">
+                <a16:creationId xmlns:a16="http://schemas.microsoft.com/office/drawing/2014/main" id="{A54897E7-25E2-4FFD-B6EA-9677AAD5BB66}"/>
+              </a:ext>
+            </a:extLst>
+          </p:cNvPr>
+          <p:cNvCxnSpPr>
+            <a:cxnSpLocks/>
+          </p:cNvCxnSpPr>
+          <p:nvPr/>
+        </p:nvCxnSpPr>
+        <p:spPr>
+          <a:xfrm flipH="1" flipV="1">
+            <a:off x="9259913" y="4324123"/>
+            <a:ext cx="1426127" cy="15380"/>
+          </a:xfrm>
+          <a:prstGeom prst="line">
+            <a:avLst/>
+          </a:prstGeom>
+          <a:ln w="57150">
+            <a:solidFill>
+              <a:schemeClr val="tx1"/>
+            </a:solidFill>
+          </a:ln>
+        </p:spPr>
+        <p:style>
+          <a:lnRef idx="1">
+            <a:schemeClr val="accent1"/>
+          </a:lnRef>
+          <a:fillRef idx="0">
+            <a:schemeClr val="accent1"/>
+          </a:fillRef>
+          <a:effectRef idx="0">
+            <a:schemeClr val="accent1"/>
+          </a:effectRef>
+          <a:fontRef idx="minor">
+            <a:schemeClr val="tx1"/>
+          </a:fontRef>
+        </p:style>
+      </p:cxnSp>
+      <p:sp>
+        <p:nvSpPr>
+          <p:cNvPr id="56" name="Forme libre : forme 55">
+            <a:extLst>
+              <a:ext uri="{FF2B5EF4-FFF2-40B4-BE49-F238E27FC236}">
+                <a16:creationId xmlns:a16="http://schemas.microsoft.com/office/drawing/2014/main" id="{2A416829-1247-4D1A-AB2B-EC1A0E51D93A}"/>
+              </a:ext>
+            </a:extLst>
+          </p:cNvPr>
+          <p:cNvSpPr/>
+          <p:nvPr/>
+        </p:nvSpPr>
+        <p:spPr>
+          <a:xfrm>
+            <a:off x="9417173" y="3705353"/>
+            <a:ext cx="1157680" cy="474607"/>
+          </a:xfrm>
+          <a:custGeom>
+            <a:avLst/>
+            <a:gdLst>
+              <a:gd name="connsiteX0" fmla="*/ 0 w 3984771"/>
+              <a:gd name="connsiteY0" fmla="*/ 1319747 h 2630457"/>
+              <a:gd name="connsiteX1" fmla="*/ 570451 w 3984771"/>
+              <a:gd name="connsiteY1" fmla="*/ 19453 h 2630457"/>
+              <a:gd name="connsiteX2" fmla="*/ 1946246 w 3984771"/>
+              <a:gd name="connsiteY2" fmla="*/ 2208980 h 2630457"/>
+              <a:gd name="connsiteX3" fmla="*/ 3984771 w 3984771"/>
+              <a:gd name="connsiteY3" fmla="*/ 2628430 h 2630457"/>
+            </a:gdLst>
+            <a:ahLst/>
+            <a:cxnLst>
+              <a:cxn ang="0">
+                <a:pos x="connsiteX0" y="connsiteY0"/>
+              </a:cxn>
+              <a:cxn ang="0">
+                <a:pos x="connsiteX1" y="connsiteY1"/>
+              </a:cxn>
+              <a:cxn ang="0">
+                <a:pos x="connsiteX2" y="connsiteY2"/>
+              </a:cxn>
+              <a:cxn ang="0">
+                <a:pos x="connsiteX3" y="connsiteY3"/>
+              </a:cxn>
+            </a:cxnLst>
+            <a:rect l="l" t="t" r="r" b="b"/>
+            <a:pathLst>
+              <a:path w="3984771" h="2630457">
+                <a:moveTo>
+                  <a:pt x="0" y="1319747"/>
+                </a:moveTo>
+                <a:cubicBezTo>
+                  <a:pt x="123038" y="595497"/>
+                  <a:pt x="246077" y="-128752"/>
+                  <a:pt x="570451" y="19453"/>
+                </a:cubicBezTo>
+                <a:cubicBezTo>
+                  <a:pt x="894825" y="167658"/>
+                  <a:pt x="1377193" y="1774150"/>
+                  <a:pt x="1946246" y="2208980"/>
+                </a:cubicBezTo>
+                <a:cubicBezTo>
+                  <a:pt x="2515299" y="2643810"/>
+                  <a:pt x="3250035" y="2636120"/>
+                  <a:pt x="3984771" y="2628430"/>
+                </a:cubicBezTo>
+              </a:path>
+            </a:pathLst>
+          </a:custGeom>
+          <a:noFill/>
+          <a:ln w="57150">
+            <a:solidFill>
+              <a:srgbClr val="DF4F4F"/>
+            </a:solidFill>
+          </a:ln>
+        </p:spPr>
+        <p:style>
+          <a:lnRef idx="2">
+            <a:schemeClr val="accent1">
+              <a:shade val="50000"/>
+            </a:schemeClr>
+          </a:lnRef>
+          <a:fillRef idx="1">
+            <a:schemeClr val="accent1"/>
+          </a:fillRef>
+          <a:effectRef idx="0">
+            <a:schemeClr val="accent1"/>
+          </a:effectRef>
+          <a:fontRef idx="minor">
+            <a:schemeClr val="lt1"/>
+          </a:fontRef>
+        </p:style>
+        <p:txBody>
+          <a:bodyPr rtlCol="0" anchor="ctr"/>
+          <a:lstStyle/>
+          <a:p>
+            <a:pPr algn="ctr"/>
+            <a:endParaRPr lang="fr-FR"/>
+          </a:p>
+        </p:txBody>
+      </p:sp>
+      <p:sp>
+        <p:nvSpPr>
+          <p:cNvPr id="59" name="ZoneTexte 58">
+            <a:extLst>
+              <a:ext uri="{FF2B5EF4-FFF2-40B4-BE49-F238E27FC236}">
+                <a16:creationId xmlns:a16="http://schemas.microsoft.com/office/drawing/2014/main" id="{F917F20D-F5BB-4327-940A-075E490BBA4F}"/>
+              </a:ext>
+            </a:extLst>
+          </p:cNvPr>
+          <p:cNvSpPr txBox="1"/>
+          <p:nvPr/>
+        </p:nvSpPr>
+        <p:spPr>
+          <a:xfrm>
+            <a:off x="8113192" y="3534440"/>
+            <a:ext cx="1059906" cy="954107"/>
+          </a:xfrm>
+          <a:prstGeom prst="rect">
+            <a:avLst/>
+          </a:prstGeom>
+          <a:noFill/>
+        </p:spPr>
+        <p:txBody>
+          <a:bodyPr wrap="none" rtlCol="0">
+            <a:spAutoFit/>
+          </a:bodyPr>
+          <a:lstStyle/>
+          <a:p>
+            <a:r>
+              <a:rPr lang="fr-FR" sz="1400" b="1">
+                <a:solidFill>
+                  <a:srgbClr val="5CC55C"/>
+                </a:solidFill>
+              </a:rPr>
+              <a:t>Magnésium</a:t>
+            </a:r>
+          </a:p>
+          <a:p>
+            <a:r>
+              <a:rPr lang="fr-FR" sz="1400" b="1">
+                <a:solidFill>
+                  <a:srgbClr val="D69F09"/>
+                </a:solidFill>
+              </a:rPr>
+              <a:t>Sulfur</a:t>
+            </a:r>
+          </a:p>
+          <a:p>
+            <a:r>
+              <a:rPr lang="fr-FR" sz="1400" b="1">
+                <a:solidFill>
+                  <a:srgbClr val="9B4BE1"/>
+                </a:solidFill>
+              </a:rPr>
+              <a:t>Potassium</a:t>
+            </a:r>
+          </a:p>
+          <a:p>
+            <a:r>
+              <a:rPr lang="fr-FR" sz="1400" b="1">
+                <a:solidFill>
+                  <a:srgbClr val="DF4F4F"/>
+                </a:solidFill>
+              </a:rPr>
+              <a:t>Calcium</a:t>
+            </a:r>
+          </a:p>
+        </p:txBody>
+      </p:sp>
+      <p:sp>
+        <p:nvSpPr>
+          <p:cNvPr id="60" name="ZoneTexte 59">
+            <a:extLst>
+              <a:ext uri="{FF2B5EF4-FFF2-40B4-BE49-F238E27FC236}">
+                <a16:creationId xmlns:a16="http://schemas.microsoft.com/office/drawing/2014/main" id="{35727692-8E42-41D3-9944-B4AC8ADABF5D}"/>
+              </a:ext>
+            </a:extLst>
+          </p:cNvPr>
+          <p:cNvSpPr txBox="1"/>
+          <p:nvPr/>
+        </p:nvSpPr>
+        <p:spPr>
+          <a:xfrm>
+            <a:off x="2066258" y="839306"/>
+            <a:ext cx="352982" cy="369332"/>
+          </a:xfrm>
+          <a:prstGeom prst="rect">
+            <a:avLst/>
+          </a:prstGeom>
+          <a:noFill/>
+        </p:spPr>
+        <p:txBody>
+          <a:bodyPr wrap="none" rtlCol="0">
+            <a:spAutoFit/>
+          </a:bodyPr>
+          <a:lstStyle/>
+          <a:p>
+            <a:r>
+              <a:rPr lang="fr-FR"/>
+              <a:t>a.</a:t>
+            </a:r>
+          </a:p>
+        </p:txBody>
+      </p:sp>
+      <p:sp>
+        <p:nvSpPr>
+          <p:cNvPr id="61" name="ZoneTexte 60">
+            <a:extLst>
+              <a:ext uri="{FF2B5EF4-FFF2-40B4-BE49-F238E27FC236}">
+                <a16:creationId xmlns:a16="http://schemas.microsoft.com/office/drawing/2014/main" id="{F0B89092-11C0-4341-97FC-6E4DBC0AC030}"/>
+              </a:ext>
+            </a:extLst>
+          </p:cNvPr>
+          <p:cNvSpPr txBox="1"/>
+          <p:nvPr/>
+        </p:nvSpPr>
+        <p:spPr>
+          <a:xfrm>
+            <a:off x="7096137" y="1028243"/>
+            <a:ext cx="364202" cy="369332"/>
+          </a:xfrm>
+          <a:prstGeom prst="rect">
+            <a:avLst/>
+          </a:prstGeom>
+          <a:noFill/>
+        </p:spPr>
+        <p:txBody>
+          <a:bodyPr wrap="none" rtlCol="0">
+            <a:spAutoFit/>
+          </a:bodyPr>
+          <a:lstStyle/>
+          <a:p>
+            <a:r>
+              <a:rPr lang="fr-FR"/>
+              <a:t>b.</a:t>
+            </a:r>
+          </a:p>
+        </p:txBody>
+      </p:sp>
+      <p:sp>
+        <p:nvSpPr>
+          <p:cNvPr id="62" name="ZoneTexte 61">
+            <a:extLst>
+              <a:ext uri="{FF2B5EF4-FFF2-40B4-BE49-F238E27FC236}">
+                <a16:creationId xmlns:a16="http://schemas.microsoft.com/office/drawing/2014/main" id="{9243FB77-10AF-401B-A5BD-3FF596933E94}"/>
+              </a:ext>
+            </a:extLst>
+          </p:cNvPr>
+          <p:cNvSpPr txBox="1"/>
+          <p:nvPr/>
+        </p:nvSpPr>
+        <p:spPr>
+          <a:xfrm>
+            <a:off x="8859515" y="967744"/>
+            <a:ext cx="340158" cy="369332"/>
+          </a:xfrm>
+          <a:prstGeom prst="rect">
+            <a:avLst/>
+          </a:prstGeom>
+          <a:noFill/>
+        </p:spPr>
+        <p:txBody>
+          <a:bodyPr wrap="none" rtlCol="0">
+            <a:spAutoFit/>
+          </a:bodyPr>
+          <a:lstStyle/>
+          <a:p>
+            <a:r>
+              <a:rPr lang="fr-FR"/>
+              <a:t>c.</a:t>
+            </a:r>
+          </a:p>
+        </p:txBody>
+      </p:sp>
+      <p:sp>
+        <p:nvSpPr>
+          <p:cNvPr id="63" name="ZoneTexte 62">
+            <a:extLst>
+              <a:ext uri="{FF2B5EF4-FFF2-40B4-BE49-F238E27FC236}">
+                <a16:creationId xmlns:a16="http://schemas.microsoft.com/office/drawing/2014/main" id="{A29FC101-FFF3-46B5-8216-0333F9B02AA3}"/>
+              </a:ext>
+            </a:extLst>
+          </p:cNvPr>
+          <p:cNvSpPr txBox="1"/>
+          <p:nvPr/>
+        </p:nvSpPr>
+        <p:spPr>
+          <a:xfrm>
+            <a:off x="7027011" y="2219815"/>
+            <a:ext cx="364202" cy="369332"/>
+          </a:xfrm>
+          <a:prstGeom prst="rect">
+            <a:avLst/>
+          </a:prstGeom>
+          <a:noFill/>
+        </p:spPr>
+        <p:txBody>
+          <a:bodyPr wrap="none" rtlCol="0">
+            <a:spAutoFit/>
+          </a:bodyPr>
+          <a:lstStyle/>
+          <a:p>
+            <a:r>
+              <a:rPr lang="fr-FR"/>
+              <a:t>d.</a:t>
+            </a:r>
+          </a:p>
+        </p:txBody>
+      </p:sp>
+      <p:sp>
+        <p:nvSpPr>
+          <p:cNvPr id="64" name="ZoneTexte 63">
+            <a:extLst>
+              <a:ext uri="{FF2B5EF4-FFF2-40B4-BE49-F238E27FC236}">
+                <a16:creationId xmlns:a16="http://schemas.microsoft.com/office/drawing/2014/main" id="{42841803-0EB6-4937-B882-754B7F8ADBC2}"/>
+              </a:ext>
+            </a:extLst>
+          </p:cNvPr>
+          <p:cNvSpPr txBox="1"/>
+          <p:nvPr/>
+        </p:nvSpPr>
+        <p:spPr>
+          <a:xfrm>
+            <a:off x="8866494" y="2267206"/>
+            <a:ext cx="357790" cy="369332"/>
+          </a:xfrm>
+          <a:prstGeom prst="rect">
+            <a:avLst/>
+          </a:prstGeom>
+          <a:noFill/>
+        </p:spPr>
+        <p:txBody>
+          <a:bodyPr wrap="none" rtlCol="0">
+            <a:spAutoFit/>
+          </a:bodyPr>
+          <a:lstStyle/>
+          <a:p>
+            <a:r>
+              <a:rPr lang="fr-FR"/>
+              <a:t>e.</a:t>
+            </a:r>
+          </a:p>
+        </p:txBody>
+      </p:sp>
+      <p:sp>
+        <p:nvSpPr>
+          <p:cNvPr id="65" name="ZoneTexte 64">
+            <a:extLst>
+              <a:ext uri="{FF2B5EF4-FFF2-40B4-BE49-F238E27FC236}">
+                <a16:creationId xmlns:a16="http://schemas.microsoft.com/office/drawing/2014/main" id="{4F14DAEA-B491-40EC-B4AA-E8BEA5C1672E}"/>
+              </a:ext>
+            </a:extLst>
+          </p:cNvPr>
+          <p:cNvSpPr txBox="1"/>
+          <p:nvPr/>
+        </p:nvSpPr>
+        <p:spPr>
+          <a:xfrm>
+            <a:off x="8902123" y="3323560"/>
+            <a:ext cx="297582" cy="369332"/>
+          </a:xfrm>
+          <a:prstGeom prst="rect">
+            <a:avLst/>
+          </a:prstGeom>
+          <a:noFill/>
+        </p:spPr>
+        <p:txBody>
+          <a:bodyPr wrap="none" rtlCol="0">
+            <a:spAutoFit/>
+          </a:bodyPr>
+          <a:lstStyle/>
+          <a:p>
+            <a:r>
+              <a:rPr lang="fr-FR"/>
+              <a:t>f.</a:t>
+            </a:r>
+          </a:p>
+        </p:txBody>
+      </p:sp>
+    </p:spTree>
+    <p:extLst>
+      <p:ext uri="{BB962C8B-B14F-4D97-AF65-F5344CB8AC3E}">
+        <p14:creationId xmlns:p14="http://schemas.microsoft.com/office/powerpoint/2010/main" val="4002366340"/>
+      </p:ext>
+    </p:extLst>
+  </p:cSld>
+  <p:clrMapOvr>
+    <a:masterClrMapping/>
+  </p:clrMapOvr>
+</p:sld>
+</file>
+
+<file path=ppt/slides/slide3.xml><?xml version="1.0" encoding="utf-8"?>
+<p:sld xmlns:a="http://schemas.openxmlformats.org/drawingml/2006/main" xmlns:r="http://schemas.openxmlformats.org/officeDocument/2006/relationships" xmlns:p="http://schemas.openxmlformats.org/presentationml/2006/main">
+  <p:cSld>
+    <p:spTree>
+      <p:nvGrpSpPr>
+        <p:cNvPr id="1" name=""/>
+        <p:cNvGrpSpPr/>
+        <p:nvPr/>
+      </p:nvGrpSpPr>
+      <p:grpSpPr>
+        <a:xfrm>
+          <a:off x="0" y="0"/>
+          <a:ext cx="0" cy="0"/>
+          <a:chOff x="0" y="0"/>
+          <a:chExt cx="0" cy="0"/>
+        </a:xfrm>
+      </p:grpSpPr>
+      <p:cxnSp>
+        <p:nvCxnSpPr>
+          <p:cNvPr id="5" name="Connecteur droit 4">
+            <a:extLst>
+              <a:ext uri="{FF2B5EF4-FFF2-40B4-BE49-F238E27FC236}">
+                <a16:creationId xmlns:a16="http://schemas.microsoft.com/office/drawing/2014/main" id="{E52698D7-0DD6-4170-9E78-1F0357E00309}"/>
+              </a:ext>
+            </a:extLst>
+          </p:cNvPr>
+          <p:cNvCxnSpPr/>
+          <p:nvPr/>
+        </p:nvCxnSpPr>
+        <p:spPr>
+          <a:xfrm>
+            <a:off x="6901613" y="1397996"/>
+            <a:ext cx="0" cy="2894201"/>
+          </a:xfrm>
+          <a:prstGeom prst="line">
+            <a:avLst/>
+          </a:prstGeom>
+          <a:ln w="57150">
+            <a:solidFill>
+              <a:srgbClr val="FFA500"/>
+            </a:solidFill>
+          </a:ln>
+        </p:spPr>
+        <p:style>
+          <a:lnRef idx="1">
+            <a:schemeClr val="accent1"/>
+          </a:lnRef>
+          <a:fillRef idx="0">
+            <a:schemeClr val="accent1"/>
+          </a:fillRef>
+          <a:effectRef idx="0">
+            <a:schemeClr val="accent1"/>
+          </a:effectRef>
+          <a:fontRef idx="minor">
+            <a:schemeClr val="tx1"/>
+          </a:fontRef>
+        </p:style>
+      </p:cxnSp>
+      <p:cxnSp>
+        <p:nvCxnSpPr>
+          <p:cNvPr id="6" name="Connecteur droit 5">
+            <a:extLst>
+              <a:ext uri="{FF2B5EF4-FFF2-40B4-BE49-F238E27FC236}">
+                <a16:creationId xmlns:a16="http://schemas.microsoft.com/office/drawing/2014/main" id="{C05C3AF0-027D-4403-8869-562199B4A526}"/>
+              </a:ext>
+            </a:extLst>
+          </p:cNvPr>
+          <p:cNvCxnSpPr>
+            <a:cxnSpLocks/>
+          </p:cNvCxnSpPr>
+          <p:nvPr/>
+        </p:nvCxnSpPr>
+        <p:spPr>
+          <a:xfrm flipH="1" flipV="1">
+            <a:off x="931179" y="4204282"/>
+            <a:ext cx="4630722" cy="15380"/>
+          </a:xfrm>
+          <a:prstGeom prst="line">
+            <a:avLst/>
+          </a:prstGeom>
+          <a:ln w="57150">
+            <a:solidFill>
+              <a:schemeClr val="tx1"/>
+            </a:solidFill>
+          </a:ln>
+        </p:spPr>
+        <p:style>
+          <a:lnRef idx="1">
+            <a:schemeClr val="accent1"/>
+          </a:lnRef>
+          <a:fillRef idx="0">
+            <a:schemeClr val="accent1"/>
+          </a:fillRef>
+          <a:effectRef idx="0">
+            <a:schemeClr val="accent1"/>
+          </a:effectRef>
+          <a:fontRef idx="minor">
+            <a:schemeClr val="tx1"/>
+          </a:fontRef>
+        </p:style>
+      </p:cxnSp>
+      <p:sp>
+        <p:nvSpPr>
+          <p:cNvPr id="9" name="ZoneTexte 8">
+            <a:extLst>
+              <a:ext uri="{FF2B5EF4-FFF2-40B4-BE49-F238E27FC236}">
+                <a16:creationId xmlns:a16="http://schemas.microsoft.com/office/drawing/2014/main" id="{5235BCAB-42CC-45D9-B07F-4756BAC70ED3}"/>
+              </a:ext>
+            </a:extLst>
+          </p:cNvPr>
+          <p:cNvSpPr txBox="1"/>
+          <p:nvPr/>
+        </p:nvSpPr>
+        <p:spPr>
+          <a:xfrm rot="16200000">
+            <a:off x="-882817" y="2018320"/>
+            <a:ext cx="2662908" cy="369332"/>
+          </a:xfrm>
+          <a:prstGeom prst="rect">
+            <a:avLst/>
+          </a:prstGeom>
+          <a:noFill/>
+        </p:spPr>
+        <p:txBody>
+          <a:bodyPr wrap="none" rtlCol="0">
+            <a:spAutoFit/>
+          </a:bodyPr>
+          <a:lstStyle/>
+          <a:p>
+            <a:r>
+              <a:rPr lang="fr-FR"/>
+              <a:t>Larvae composition (%dw)</a:t>
+            </a:r>
+          </a:p>
+        </p:txBody>
+      </p:sp>
+      <p:sp>
+        <p:nvSpPr>
+          <p:cNvPr id="12" name="Forme libre : forme 11">
+            <a:extLst>
+              <a:ext uri="{FF2B5EF4-FFF2-40B4-BE49-F238E27FC236}">
+                <a16:creationId xmlns:a16="http://schemas.microsoft.com/office/drawing/2014/main" id="{D3B9FA0D-3392-49C6-8783-E87510B06EB1}"/>
+              </a:ext>
+            </a:extLst>
+          </p:cNvPr>
+          <p:cNvSpPr/>
+          <p:nvPr/>
+        </p:nvSpPr>
+        <p:spPr>
+          <a:xfrm>
+            <a:off x="897006" y="1306020"/>
+            <a:ext cx="4503660" cy="2152897"/>
+          </a:xfrm>
+          <a:custGeom>
+            <a:avLst/>
+            <a:gdLst>
+              <a:gd name="connsiteX0" fmla="*/ 0 w 3682767"/>
+              <a:gd name="connsiteY0" fmla="*/ 747896 h 1007955"/>
+              <a:gd name="connsiteX1" fmla="*/ 1098958 w 3682767"/>
+              <a:gd name="connsiteY1" fmla="*/ 1276 h 1007955"/>
+              <a:gd name="connsiteX2" fmla="*/ 1979802 w 3682767"/>
+              <a:gd name="connsiteY2" fmla="*/ 580117 h 1007955"/>
+              <a:gd name="connsiteX3" fmla="*/ 3682767 w 3682767"/>
+              <a:gd name="connsiteY3" fmla="*/ 1007955 h 1007955"/>
+              <a:gd name="connsiteX4" fmla="*/ 3682767 w 3682767"/>
+              <a:gd name="connsiteY4" fmla="*/ 1007955 h 1007955"/>
+              <a:gd name="connsiteX5" fmla="*/ 3682767 w 3682767"/>
+              <a:gd name="connsiteY5" fmla="*/ 1007955 h 1007955"/>
+              <a:gd name="connsiteX6" fmla="*/ 3682767 w 3682767"/>
+              <a:gd name="connsiteY6" fmla="*/ 1007955 h 1007955"/>
+            </a:gdLst>
+            <a:ahLst/>
+            <a:cxnLst>
+              <a:cxn ang="0">
+                <a:pos x="connsiteX0" y="connsiteY0"/>
+              </a:cxn>
+              <a:cxn ang="0">
+                <a:pos x="connsiteX1" y="connsiteY1"/>
+              </a:cxn>
+              <a:cxn ang="0">
+                <a:pos x="connsiteX2" y="connsiteY2"/>
+              </a:cxn>
+              <a:cxn ang="0">
+                <a:pos x="connsiteX3" y="connsiteY3"/>
+              </a:cxn>
+              <a:cxn ang="0">
+                <a:pos x="connsiteX4" y="connsiteY4"/>
+              </a:cxn>
+              <a:cxn ang="0">
+                <a:pos x="connsiteX5" y="connsiteY5"/>
+              </a:cxn>
+              <a:cxn ang="0">
+                <a:pos x="connsiteX6" y="connsiteY6"/>
+              </a:cxn>
+            </a:cxnLst>
+            <a:rect l="l" t="t" r="r" b="b"/>
+            <a:pathLst>
+              <a:path w="3682767" h="1007955">
+                <a:moveTo>
+                  <a:pt x="0" y="747896"/>
+                </a:moveTo>
+                <a:cubicBezTo>
+                  <a:pt x="384495" y="388567"/>
+                  <a:pt x="768991" y="29239"/>
+                  <a:pt x="1098958" y="1276"/>
+                </a:cubicBezTo>
+                <a:cubicBezTo>
+                  <a:pt x="1428925" y="-26687"/>
+                  <a:pt x="1549167" y="412337"/>
+                  <a:pt x="1979802" y="580117"/>
+                </a:cubicBezTo>
+                <a:cubicBezTo>
+                  <a:pt x="2410437" y="747897"/>
+                  <a:pt x="3682767" y="1007955"/>
+                  <a:pt x="3682767" y="1007955"/>
+                </a:cubicBezTo>
+                <a:lnTo>
+                  <a:pt x="3682767" y="1007955"/>
+                </a:lnTo>
+                <a:lnTo>
+                  <a:pt x="3682767" y="1007955"/>
+                </a:lnTo>
+                <a:lnTo>
+                  <a:pt x="3682767" y="1007955"/>
+                </a:lnTo>
+              </a:path>
+            </a:pathLst>
+          </a:custGeom>
+          <a:noFill/>
+          <a:ln w="57150">
+            <a:solidFill>
+              <a:srgbClr val="8F8FFF"/>
+            </a:solidFill>
+          </a:ln>
+        </p:spPr>
+        <p:style>
+          <a:lnRef idx="2">
+            <a:schemeClr val="accent1">
+              <a:shade val="50000"/>
+            </a:schemeClr>
+          </a:lnRef>
+          <a:fillRef idx="1">
+            <a:schemeClr val="accent1"/>
+          </a:fillRef>
+          <a:effectRef idx="0">
+            <a:schemeClr val="accent1"/>
+          </a:effectRef>
+          <a:fontRef idx="minor">
+            <a:schemeClr val="lt1"/>
+          </a:fontRef>
+        </p:style>
+        <p:txBody>
+          <a:bodyPr rtlCol="0" anchor="ctr"/>
+          <a:lstStyle/>
+          <a:p>
+            <a:pPr algn="ctr"/>
+            <a:endParaRPr lang="fr-FR"/>
+          </a:p>
+        </p:txBody>
+      </p:sp>
+      <p:sp>
+        <p:nvSpPr>
+          <p:cNvPr id="13" name="Forme libre : forme 12">
+            <a:extLst>
+              <a:ext uri="{FF2B5EF4-FFF2-40B4-BE49-F238E27FC236}">
+                <a16:creationId xmlns:a16="http://schemas.microsoft.com/office/drawing/2014/main" id="{9755C337-F31D-402E-9C56-F6A203771C4A}"/>
+              </a:ext>
+            </a:extLst>
+          </p:cNvPr>
+          <p:cNvSpPr/>
+          <p:nvPr/>
+        </p:nvSpPr>
+        <p:spPr>
+          <a:xfrm>
+            <a:off x="1409350" y="1381508"/>
             <a:ext cx="3984771" cy="2630457"/>
           </a:xfrm>
           <a:custGeom>
@@ -3647,8 +7316,8 @@
         </p:nvSpPr>
         <p:spPr>
           <a:xfrm>
-            <a:off x="2675289" y="1301342"/>
-            <a:ext cx="4144162" cy="2383847"/>
+            <a:off x="977484" y="2845762"/>
+            <a:ext cx="4144162" cy="628500"/>
           </a:xfrm>
           <a:custGeom>
             <a:avLst/>
@@ -3759,10 +7428,10 @@
       </p:sp>
       <p:sp>
         <p:nvSpPr>
-          <p:cNvPr id="25" name="ZoneTexte 24">
-            <a:extLst>
-              <a:ext uri="{FF2B5EF4-FFF2-40B4-BE49-F238E27FC236}">
-                <a16:creationId xmlns:a16="http://schemas.microsoft.com/office/drawing/2014/main" id="{D0AFAB7C-13DA-4365-8326-55151D60FFDB}"/>
+          <p:cNvPr id="15" name="ZoneTexte 14">
+            <a:extLst>
+              <a:ext uri="{FF2B5EF4-FFF2-40B4-BE49-F238E27FC236}">
+                <a16:creationId xmlns:a16="http://schemas.microsoft.com/office/drawing/2014/main" id="{33AABA49-7143-4D55-9E32-211FA55147E3}"/>
               </a:ext>
             </a:extLst>
           </p:cNvPr>
@@ -3771,8 +7440,8 @@
         </p:nvSpPr>
         <p:spPr>
           <a:xfrm>
-            <a:off x="7124455" y="3534440"/>
-            <a:ext cx="1066318" cy="954107"/>
+            <a:off x="4303393" y="4804279"/>
+            <a:ext cx="4403578" cy="369332"/>
           </a:xfrm>
           <a:prstGeom prst="rect">
             <a:avLst/>
@@ -3786,141 +7455,152 @@
           <a:lstStyle/>
           <a:p>
             <a:r>
-              <a:rPr lang="fr-FR" sz="1400" b="1">
+              <a:rPr lang="fr-FR"/>
+              <a:t>Mass-specific intake rate (mg/day / mg indiv)</a:t>
+            </a:r>
+          </a:p>
+        </p:txBody>
+      </p:sp>
+      <p:sp>
+        <p:nvSpPr>
+          <p:cNvPr id="25" name="ZoneTexte 24">
+            <a:extLst>
+              <a:ext uri="{FF2B5EF4-FFF2-40B4-BE49-F238E27FC236}">
+                <a16:creationId xmlns:a16="http://schemas.microsoft.com/office/drawing/2014/main" id="{D0AFAB7C-13DA-4365-8326-55151D60FFDB}"/>
+              </a:ext>
+            </a:extLst>
+          </p:cNvPr>
+          <p:cNvSpPr txBox="1"/>
+          <p:nvPr/>
+        </p:nvSpPr>
+        <p:spPr>
+          <a:xfrm>
+            <a:off x="5045669" y="784107"/>
+            <a:ext cx="836768" cy="369332"/>
+          </a:xfrm>
+          <a:prstGeom prst="rect">
+            <a:avLst/>
+          </a:prstGeom>
+          <a:noFill/>
+        </p:spPr>
+        <p:txBody>
+          <a:bodyPr wrap="none" rtlCol="0">
+            <a:spAutoFit/>
+          </a:bodyPr>
+          <a:lstStyle/>
+          <a:p>
+            <a:r>
+              <a:rPr lang="fr-FR">
                 <a:solidFill>
                   <a:srgbClr val="C8C8C8"/>
                 </a:solidFill>
               </a:rPr>
-              <a:t>Carbon</a:t>
-            </a:r>
-          </a:p>
-          <a:p>
-            <a:r>
-              <a:rPr lang="fr-FR" sz="1400" b="1">
+              <a:t>carbon</a:t>
+            </a:r>
+          </a:p>
+        </p:txBody>
+      </p:sp>
+      <p:sp>
+        <p:nvSpPr>
+          <p:cNvPr id="26" name="ZoneTexte 25">
+            <a:extLst>
+              <a:ext uri="{FF2B5EF4-FFF2-40B4-BE49-F238E27FC236}">
+                <a16:creationId xmlns:a16="http://schemas.microsoft.com/office/drawing/2014/main" id="{8B4E787C-BF19-4B47-9322-12EF1F2390AB}"/>
+              </a:ext>
+            </a:extLst>
+          </p:cNvPr>
+          <p:cNvSpPr txBox="1"/>
+          <p:nvPr/>
+        </p:nvSpPr>
+        <p:spPr>
+          <a:xfrm>
+            <a:off x="6901613" y="784107"/>
+            <a:ext cx="1297150" cy="369332"/>
+          </a:xfrm>
+          <a:prstGeom prst="rect">
+            <a:avLst/>
+          </a:prstGeom>
+          <a:noFill/>
+        </p:spPr>
+        <p:txBody>
+          <a:bodyPr wrap="none" rtlCol="0">
+            <a:spAutoFit/>
+          </a:bodyPr>
+          <a:lstStyle/>
+          <a:p>
+            <a:r>
+              <a:rPr lang="fr-FR">
+                <a:solidFill>
+                  <a:srgbClr val="FFA500"/>
+                </a:solidFill>
+              </a:rPr>
+              <a:t>phosphorus</a:t>
+            </a:r>
+          </a:p>
+        </p:txBody>
+      </p:sp>
+      <p:sp>
+        <p:nvSpPr>
+          <p:cNvPr id="27" name="ZoneTexte 26">
+            <a:extLst>
+              <a:ext uri="{FF2B5EF4-FFF2-40B4-BE49-F238E27FC236}">
+                <a16:creationId xmlns:a16="http://schemas.microsoft.com/office/drawing/2014/main" id="{55C999C0-D064-4964-B5AB-99287735637E}"/>
+              </a:ext>
+            </a:extLst>
+          </p:cNvPr>
+          <p:cNvSpPr txBox="1"/>
+          <p:nvPr/>
+        </p:nvSpPr>
+        <p:spPr>
+          <a:xfrm>
+            <a:off x="5922691" y="784107"/>
+            <a:ext cx="978922" cy="369332"/>
+          </a:xfrm>
+          <a:prstGeom prst="rect">
+            <a:avLst/>
+          </a:prstGeom>
+          <a:noFill/>
+        </p:spPr>
+        <p:txBody>
+          <a:bodyPr wrap="none" rtlCol="0">
+            <a:spAutoFit/>
+          </a:bodyPr>
+          <a:lstStyle/>
+          <a:p>
+            <a:r>
+              <a:rPr lang="fr-FR">
                 <a:solidFill>
                   <a:srgbClr val="8F8FFF"/>
                 </a:solidFill>
               </a:rPr>
-              <a:t>Nitrogen</a:t>
-            </a:r>
-          </a:p>
-          <a:p>
-            <a:r>
-              <a:rPr lang="fr-FR" sz="1400" b="1">
-                <a:solidFill>
-                  <a:srgbClr val="FFA500"/>
-                </a:solidFill>
-              </a:rPr>
-              <a:t>Phosphorus</a:t>
-            </a:r>
-          </a:p>
-          <a:p>
-            <a:r>
-              <a:rPr lang="fr-FR" sz="1400" b="1">
-                <a:solidFill>
-                  <a:srgbClr val="228B22"/>
-                </a:solidFill>
-              </a:rPr>
-              <a:t>Sulfur</a:t>
-            </a:r>
-          </a:p>
-        </p:txBody>
-      </p:sp>
-      <p:sp>
-        <p:nvSpPr>
-          <p:cNvPr id="30" name="ZoneTexte 29">
-            <a:extLst>
-              <a:ext uri="{FF2B5EF4-FFF2-40B4-BE49-F238E27FC236}">
-                <a16:creationId xmlns:a16="http://schemas.microsoft.com/office/drawing/2014/main" id="{FB504497-1EE1-40FF-8C0F-E88C7E4BE63E}"/>
-              </a:ext>
-            </a:extLst>
-          </p:cNvPr>
-          <p:cNvSpPr txBox="1"/>
-          <p:nvPr/>
-        </p:nvSpPr>
-        <p:spPr>
-          <a:xfrm rot="16200000">
-            <a:off x="-68079" y="2496179"/>
-            <a:ext cx="3651384" cy="369332"/>
-          </a:xfrm>
-          <a:prstGeom prst="rect">
-            <a:avLst/>
-          </a:prstGeom>
-          <a:noFill/>
-        </p:spPr>
-        <p:txBody>
-          <a:bodyPr wrap="none" rtlCol="0">
-            <a:spAutoFit/>
-          </a:bodyPr>
-          <a:lstStyle/>
-          <a:p>
-            <a:r>
-              <a:rPr lang="fr-FR"/>
-              <a:t>Element absorption efficiency (%dw)</a:t>
-            </a:r>
-          </a:p>
-        </p:txBody>
-      </p:sp>
-      <p:sp>
-        <p:nvSpPr>
-          <p:cNvPr id="34" name="ZoneTexte 33">
-            <a:extLst>
-              <a:ext uri="{FF2B5EF4-FFF2-40B4-BE49-F238E27FC236}">
-                <a16:creationId xmlns:a16="http://schemas.microsoft.com/office/drawing/2014/main" id="{EF09800A-D5B7-4CF7-B7AD-089789F21475}"/>
-              </a:ext>
-            </a:extLst>
-          </p:cNvPr>
-          <p:cNvSpPr txBox="1"/>
-          <p:nvPr/>
-        </p:nvSpPr>
-        <p:spPr>
-          <a:xfrm>
-            <a:off x="4398880" y="4930119"/>
-            <a:ext cx="4877810" cy="369332"/>
-          </a:xfrm>
-          <a:prstGeom prst="rect">
-            <a:avLst/>
-          </a:prstGeom>
-          <a:noFill/>
-        </p:spPr>
-        <p:txBody>
-          <a:bodyPr wrap="none" rtlCol="0">
-            <a:spAutoFit/>
-          </a:bodyPr>
-          <a:lstStyle/>
-          <a:p>
-            <a:r>
-              <a:rPr lang="fr-FR"/>
-              <a:t>Mass-specific total intake rate (mg/day / mg indiv)</a:t>
+              <a:t>nitrogen</a:t>
             </a:r>
           </a:p>
         </p:txBody>
       </p:sp>
       <p:cxnSp>
         <p:nvCxnSpPr>
-          <p:cNvPr id="42" name="Connecteur droit 41">
-            <a:extLst>
-              <a:ext uri="{FF2B5EF4-FFF2-40B4-BE49-F238E27FC236}">
-                <a16:creationId xmlns:a16="http://schemas.microsoft.com/office/drawing/2014/main" id="{F8DBD68F-A416-49D2-A831-DD388263B5A2}"/>
-              </a:ext>
-            </a:extLst>
-          </p:cNvPr>
-          <p:cNvCxnSpPr>
-            <a:cxnSpLocks/>
-          </p:cNvCxnSpPr>
+          <p:cNvPr id="16" name="Connecteur droit 15">
+            <a:extLst>
+              <a:ext uri="{FF2B5EF4-FFF2-40B4-BE49-F238E27FC236}">
+                <a16:creationId xmlns:a16="http://schemas.microsoft.com/office/drawing/2014/main" id="{C97B0037-B54A-43A8-B7D9-B6AECA622B94}"/>
+              </a:ext>
+            </a:extLst>
+          </p:cNvPr>
+          <p:cNvCxnSpPr/>
           <p:nvPr/>
         </p:nvCxnSpPr>
         <p:spPr>
           <a:xfrm>
-            <a:off x="7297621" y="1469656"/>
-            <a:ext cx="0" cy="790662"/>
+            <a:off x="6321272" y="1397996"/>
+            <a:ext cx="0" cy="2894201"/>
           </a:xfrm>
           <a:prstGeom prst="line">
             <a:avLst/>
           </a:prstGeom>
           <a:ln w="57150">
             <a:solidFill>
-              <a:schemeClr val="tx1"/>
+              <a:srgbClr val="8F8FFF"/>
             </a:solidFill>
           </a:ln>
         </p:spPr>
@@ -3941,10 +7621,120 @@
       </p:cxnSp>
       <p:cxnSp>
         <p:nvCxnSpPr>
-          <p:cNvPr id="43" name="Connecteur droit 42">
-            <a:extLst>
-              <a:ext uri="{FF2B5EF4-FFF2-40B4-BE49-F238E27FC236}">
-                <a16:creationId xmlns:a16="http://schemas.microsoft.com/office/drawing/2014/main" id="{2BDA8F9C-CDEF-4A33-B0B9-E76D3A143C7E}"/>
+          <p:cNvPr id="17" name="Connecteur droit 16">
+            <a:extLst>
+              <a:ext uri="{FF2B5EF4-FFF2-40B4-BE49-F238E27FC236}">
+                <a16:creationId xmlns:a16="http://schemas.microsoft.com/office/drawing/2014/main" id="{B00C1A21-581A-440F-BD1D-F448DDF35CEA}"/>
+              </a:ext>
+            </a:extLst>
+          </p:cNvPr>
+          <p:cNvCxnSpPr/>
+          <p:nvPr/>
+        </p:nvCxnSpPr>
+        <p:spPr>
+          <a:xfrm>
+            <a:off x="5752051" y="1381508"/>
+            <a:ext cx="0" cy="2894201"/>
+          </a:xfrm>
+          <a:prstGeom prst="line">
+            <a:avLst/>
+          </a:prstGeom>
+          <a:ln w="57150">
+            <a:solidFill>
+              <a:srgbClr val="C8C8C8"/>
+            </a:solidFill>
+          </a:ln>
+        </p:spPr>
+        <p:style>
+          <a:lnRef idx="1">
+            <a:schemeClr val="accent1"/>
+          </a:lnRef>
+          <a:fillRef idx="0">
+            <a:schemeClr val="accent1"/>
+          </a:fillRef>
+          <a:effectRef idx="0">
+            <a:schemeClr val="accent1"/>
+          </a:effectRef>
+          <a:fontRef idx="minor">
+            <a:schemeClr val="tx1"/>
+          </a:fontRef>
+        </p:style>
+      </p:cxnSp>
+      <p:sp>
+        <p:nvSpPr>
+          <p:cNvPr id="44" name="ZoneTexte 43">
+            <a:extLst>
+              <a:ext uri="{FF2B5EF4-FFF2-40B4-BE49-F238E27FC236}">
+                <a16:creationId xmlns:a16="http://schemas.microsoft.com/office/drawing/2014/main" id="{0EB03778-4565-47AF-92E3-517C8521EF04}"/>
+              </a:ext>
+            </a:extLst>
+          </p:cNvPr>
+          <p:cNvSpPr txBox="1"/>
+          <p:nvPr/>
+        </p:nvSpPr>
+        <p:spPr>
+          <a:xfrm>
+            <a:off x="7124455" y="3534440"/>
+            <a:ext cx="1066318" cy="954107"/>
+          </a:xfrm>
+          <a:prstGeom prst="rect">
+            <a:avLst/>
+          </a:prstGeom>
+          <a:noFill/>
+        </p:spPr>
+        <p:txBody>
+          <a:bodyPr wrap="none" rtlCol="0">
+            <a:spAutoFit/>
+          </a:bodyPr>
+          <a:lstStyle/>
+          <a:p>
+            <a:r>
+              <a:rPr lang="fr-FR" sz="1400" b="1">
+                <a:solidFill>
+                  <a:srgbClr val="C8C8C8"/>
+                </a:solidFill>
+              </a:rPr>
+              <a:t>Carbon</a:t>
+            </a:r>
+          </a:p>
+          <a:p>
+            <a:r>
+              <a:rPr lang="fr-FR" sz="1400" b="1">
+                <a:solidFill>
+                  <a:srgbClr val="8F8FFF"/>
+                </a:solidFill>
+              </a:rPr>
+              <a:t>Nitrogen</a:t>
+            </a:r>
+          </a:p>
+          <a:p>
+            <a:r>
+              <a:rPr lang="fr-FR" sz="1400" b="1">
+                <a:solidFill>
+                  <a:srgbClr val="FFA500"/>
+                </a:solidFill>
+              </a:rPr>
+              <a:t>Phosphorus</a:t>
+            </a:r>
+          </a:p>
+          <a:p>
+            <a:r>
+              <a:rPr lang="fr-FR" sz="1400" b="1">
+                <a:solidFill>
+                  <a:srgbClr val="228B22"/>
+                </a:solidFill>
+              </a:rPr>
+              <a:t>Sulfur</a:t>
+            </a:r>
+          </a:p>
+        </p:txBody>
+      </p:sp>
+      <p:cxnSp>
+        <p:nvCxnSpPr>
+          <p:cNvPr id="45" name="Connecteur droit 44">
+            <a:extLst>
+              <a:ext uri="{FF2B5EF4-FFF2-40B4-BE49-F238E27FC236}">
+                <a16:creationId xmlns:a16="http://schemas.microsoft.com/office/drawing/2014/main" id="{06928511-102E-434F-808B-6D2E2A303022}"/>
               </a:ext>
             </a:extLst>
           </p:cNvPr>
@@ -3954,9 +7744,9 @@
           <p:nvPr/>
         </p:nvCxnSpPr>
         <p:spPr>
-          <a:xfrm flipH="1" flipV="1">
-            <a:off x="7280844" y="2244938"/>
-            <a:ext cx="1426127" cy="15380"/>
+          <a:xfrm>
+            <a:off x="7297621" y="1469656"/>
+            <a:ext cx="0" cy="790662"/>
           </a:xfrm>
           <a:prstGeom prst="line">
             <a:avLst/>
@@ -3982,12 +7772,55 @@
           </a:fontRef>
         </p:style>
       </p:cxnSp>
-      <p:sp>
-        <p:nvSpPr>
-          <p:cNvPr id="44" name="Forme libre : forme 43">
-            <a:extLst>
-              <a:ext uri="{FF2B5EF4-FFF2-40B4-BE49-F238E27FC236}">
-                <a16:creationId xmlns:a16="http://schemas.microsoft.com/office/drawing/2014/main" id="{B9B04C54-97DD-4A15-BCF0-F70C14AD23DE}"/>
+      <p:cxnSp>
+        <p:nvCxnSpPr>
+          <p:cNvPr id="46" name="Connecteur droit 45">
+            <a:extLst>
+              <a:ext uri="{FF2B5EF4-FFF2-40B4-BE49-F238E27FC236}">
+                <a16:creationId xmlns:a16="http://schemas.microsoft.com/office/drawing/2014/main" id="{0284C0BC-85CE-4A3C-BABA-DB0827741FA5}"/>
+              </a:ext>
+            </a:extLst>
+          </p:cNvPr>
+          <p:cNvCxnSpPr>
+            <a:cxnSpLocks/>
+          </p:cNvCxnSpPr>
+          <p:nvPr/>
+        </p:nvCxnSpPr>
+        <p:spPr>
+          <a:xfrm flipH="1" flipV="1">
+            <a:off x="7280844" y="2244938"/>
+            <a:ext cx="1426127" cy="15380"/>
+          </a:xfrm>
+          <a:prstGeom prst="line">
+            <a:avLst/>
+          </a:prstGeom>
+          <a:ln w="57150">
+            <a:solidFill>
+              <a:schemeClr val="tx1"/>
+            </a:solidFill>
+          </a:ln>
+        </p:spPr>
+        <p:style>
+          <a:lnRef idx="1">
+            <a:schemeClr val="accent1"/>
+          </a:lnRef>
+          <a:fillRef idx="0">
+            <a:schemeClr val="accent1"/>
+          </a:fillRef>
+          <a:effectRef idx="0">
+            <a:schemeClr val="accent1"/>
+          </a:effectRef>
+          <a:fontRef idx="minor">
+            <a:schemeClr val="tx1"/>
+          </a:fontRef>
+        </p:style>
+      </p:cxnSp>
+      <p:sp>
+        <p:nvSpPr>
+          <p:cNvPr id="47" name="Forme libre : forme 46">
+            <a:extLst>
+              <a:ext uri="{FF2B5EF4-FFF2-40B4-BE49-F238E27FC236}">
+                <a16:creationId xmlns:a16="http://schemas.microsoft.com/office/drawing/2014/main" id="{EA13FD74-86FA-43C0-AA72-0AE76783629D}"/>
               </a:ext>
             </a:extLst>
           </p:cNvPr>
@@ -4084,10 +7917,10 @@
       </p:sp>
       <p:cxnSp>
         <p:nvCxnSpPr>
-          <p:cNvPr id="45" name="Connecteur droit 44">
-            <a:extLst>
-              <a:ext uri="{FF2B5EF4-FFF2-40B4-BE49-F238E27FC236}">
-                <a16:creationId xmlns:a16="http://schemas.microsoft.com/office/drawing/2014/main" id="{0C608577-0EB0-43EC-8CA7-51490C5256B0}"/>
+          <p:cNvPr id="48" name="Connecteur droit 47">
+            <a:extLst>
+              <a:ext uri="{FF2B5EF4-FFF2-40B4-BE49-F238E27FC236}">
+                <a16:creationId xmlns:a16="http://schemas.microsoft.com/office/drawing/2014/main" id="{3A74AF4B-8E9D-4D31-9309-2D6CAF0815EC}"/>
               </a:ext>
             </a:extLst>
           </p:cNvPr>
@@ -4127,10 +7960,10 @@
       </p:cxnSp>
       <p:cxnSp>
         <p:nvCxnSpPr>
-          <p:cNvPr id="46" name="Connecteur droit 45">
-            <a:extLst>
-              <a:ext uri="{FF2B5EF4-FFF2-40B4-BE49-F238E27FC236}">
-                <a16:creationId xmlns:a16="http://schemas.microsoft.com/office/drawing/2014/main" id="{F1FCB9C1-4E49-4BA2-A098-460E1A1E3176}"/>
+          <p:cNvPr id="49" name="Connecteur droit 48">
+            <a:extLst>
+              <a:ext uri="{FF2B5EF4-FFF2-40B4-BE49-F238E27FC236}">
+                <a16:creationId xmlns:a16="http://schemas.microsoft.com/office/drawing/2014/main" id="{8667C3A3-364C-4D68-A9D1-16E9FD5D3DD6}"/>
               </a:ext>
             </a:extLst>
           </p:cNvPr>
@@ -4170,10 +8003,10 @@
       </p:cxnSp>
       <p:sp>
         <p:nvSpPr>
-          <p:cNvPr id="47" name="Forme libre : forme 46">
-            <a:extLst>
-              <a:ext uri="{FF2B5EF4-FFF2-40B4-BE49-F238E27FC236}">
-                <a16:creationId xmlns:a16="http://schemas.microsoft.com/office/drawing/2014/main" id="{6721E091-CBD1-4372-A4B2-2D5CC5C49A76}"/>
+          <p:cNvPr id="50" name="Forme libre : forme 49">
+            <a:extLst>
+              <a:ext uri="{FF2B5EF4-FFF2-40B4-BE49-F238E27FC236}">
+                <a16:creationId xmlns:a16="http://schemas.microsoft.com/office/drawing/2014/main" id="{7E470D70-1990-4C16-B6D3-408DAC6ED3E1}"/>
               </a:ext>
             </a:extLst>
           </p:cNvPr>
@@ -4270,10 +8103,10 @@
       </p:sp>
       <p:cxnSp>
         <p:nvCxnSpPr>
-          <p:cNvPr id="48" name="Connecteur droit 47">
-            <a:extLst>
-              <a:ext uri="{FF2B5EF4-FFF2-40B4-BE49-F238E27FC236}">
-                <a16:creationId xmlns:a16="http://schemas.microsoft.com/office/drawing/2014/main" id="{AC77ECE3-FCA1-4DC2-A81B-2CEE6281398E}"/>
+          <p:cNvPr id="51" name="Connecteur droit 50">
+            <a:extLst>
+              <a:ext uri="{FF2B5EF4-FFF2-40B4-BE49-F238E27FC236}">
+                <a16:creationId xmlns:a16="http://schemas.microsoft.com/office/drawing/2014/main" id="{460BC4F8-AB62-4173-835B-27413DF44301}"/>
               </a:ext>
             </a:extLst>
           </p:cNvPr>
@@ -4313,10 +8146,10 @@
       </p:cxnSp>
       <p:cxnSp>
         <p:nvCxnSpPr>
-          <p:cNvPr id="49" name="Connecteur droit 48">
-            <a:extLst>
-              <a:ext uri="{FF2B5EF4-FFF2-40B4-BE49-F238E27FC236}">
-                <a16:creationId xmlns:a16="http://schemas.microsoft.com/office/drawing/2014/main" id="{11E58C84-DEDB-4DB3-A028-B7F42093AB6C}"/>
+          <p:cNvPr id="52" name="Connecteur droit 51">
+            <a:extLst>
+              <a:ext uri="{FF2B5EF4-FFF2-40B4-BE49-F238E27FC236}">
+                <a16:creationId xmlns:a16="http://schemas.microsoft.com/office/drawing/2014/main" id="{B486EEB7-D60F-4D14-8781-D2FE3BD75B07}"/>
               </a:ext>
             </a:extLst>
           </p:cNvPr>
@@ -4356,10 +8189,10 @@
       </p:cxnSp>
       <p:sp>
         <p:nvSpPr>
-          <p:cNvPr id="50" name="Forme libre : forme 49">
-            <a:extLst>
-              <a:ext uri="{FF2B5EF4-FFF2-40B4-BE49-F238E27FC236}">
-                <a16:creationId xmlns:a16="http://schemas.microsoft.com/office/drawing/2014/main" id="{56C4740B-B569-44F8-8EAC-0A05DE3999ED}"/>
+          <p:cNvPr id="53" name="Forme libre : forme 52">
+            <a:extLst>
+              <a:ext uri="{FF2B5EF4-FFF2-40B4-BE49-F238E27FC236}">
+                <a16:creationId xmlns:a16="http://schemas.microsoft.com/office/drawing/2014/main" id="{D5FF1804-7444-47DB-B728-C1EFD4530778}"/>
               </a:ext>
             </a:extLst>
           </p:cNvPr>
@@ -4456,10 +8289,10 @@
       </p:sp>
       <p:cxnSp>
         <p:nvCxnSpPr>
-          <p:cNvPr id="51" name="Connecteur droit 50">
-            <a:extLst>
-              <a:ext uri="{FF2B5EF4-FFF2-40B4-BE49-F238E27FC236}">
-                <a16:creationId xmlns:a16="http://schemas.microsoft.com/office/drawing/2014/main" id="{35D1D919-0A9B-482D-A5D5-BE99A81DF934}"/>
+          <p:cNvPr id="54" name="Connecteur droit 53">
+            <a:extLst>
+              <a:ext uri="{FF2B5EF4-FFF2-40B4-BE49-F238E27FC236}">
+                <a16:creationId xmlns:a16="http://schemas.microsoft.com/office/drawing/2014/main" id="{80AABC41-0E5E-494E-8539-F021DF24614E}"/>
               </a:ext>
             </a:extLst>
           </p:cNvPr>
@@ -4499,10 +8332,10 @@
       </p:cxnSp>
       <p:cxnSp>
         <p:nvCxnSpPr>
-          <p:cNvPr id="52" name="Connecteur droit 51">
-            <a:extLst>
-              <a:ext uri="{FF2B5EF4-FFF2-40B4-BE49-F238E27FC236}">
-                <a16:creationId xmlns:a16="http://schemas.microsoft.com/office/drawing/2014/main" id="{BB1AC1CC-E25E-47A2-8807-2C4A946118D2}"/>
+          <p:cNvPr id="55" name="Connecteur droit 54">
+            <a:extLst>
+              <a:ext uri="{FF2B5EF4-FFF2-40B4-BE49-F238E27FC236}">
+                <a16:creationId xmlns:a16="http://schemas.microsoft.com/office/drawing/2014/main" id="{251C0219-D8B9-4228-B006-F9D73D1ECCF0}"/>
               </a:ext>
             </a:extLst>
           </p:cNvPr>
@@ -4542,10 +8375,10 @@
       </p:cxnSp>
       <p:sp>
         <p:nvSpPr>
-          <p:cNvPr id="53" name="Forme libre : forme 52">
-            <a:extLst>
-              <a:ext uri="{FF2B5EF4-FFF2-40B4-BE49-F238E27FC236}">
-                <a16:creationId xmlns:a16="http://schemas.microsoft.com/office/drawing/2014/main" id="{8340FF2F-6B9B-407D-905E-BD360C8BC391}"/>
+          <p:cNvPr id="56" name="Forme libre : forme 55">
+            <a:extLst>
+              <a:ext uri="{FF2B5EF4-FFF2-40B4-BE49-F238E27FC236}">
+                <a16:creationId xmlns:a16="http://schemas.microsoft.com/office/drawing/2014/main" id="{E8FC24AC-2F5B-4078-8862-632A88939187}"/>
               </a:ext>
             </a:extLst>
           </p:cNvPr>
@@ -4642,10 +8475,10 @@
       </p:sp>
       <p:cxnSp>
         <p:nvCxnSpPr>
-          <p:cNvPr id="54" name="Connecteur droit 53">
-            <a:extLst>
-              <a:ext uri="{FF2B5EF4-FFF2-40B4-BE49-F238E27FC236}">
-                <a16:creationId xmlns:a16="http://schemas.microsoft.com/office/drawing/2014/main" id="{ECC8515B-582C-41F6-90C9-DE9E96D4BFC8}"/>
+          <p:cNvPr id="57" name="Connecteur droit 56">
+            <a:extLst>
+              <a:ext uri="{FF2B5EF4-FFF2-40B4-BE49-F238E27FC236}">
+                <a16:creationId xmlns:a16="http://schemas.microsoft.com/office/drawing/2014/main" id="{DB635A92-A3B2-4785-833A-99CA389393B4}"/>
               </a:ext>
             </a:extLst>
           </p:cNvPr>
@@ -4685,10 +8518,10 @@
       </p:cxnSp>
       <p:cxnSp>
         <p:nvCxnSpPr>
-          <p:cNvPr id="55" name="Connecteur droit 54">
-            <a:extLst>
-              <a:ext uri="{FF2B5EF4-FFF2-40B4-BE49-F238E27FC236}">
-                <a16:creationId xmlns:a16="http://schemas.microsoft.com/office/drawing/2014/main" id="{A54897E7-25E2-4FFD-B6EA-9677AAD5BB66}"/>
+          <p:cNvPr id="58" name="Connecteur droit 57">
+            <a:extLst>
+              <a:ext uri="{FF2B5EF4-FFF2-40B4-BE49-F238E27FC236}">
+                <a16:creationId xmlns:a16="http://schemas.microsoft.com/office/drawing/2014/main" id="{068D1553-F1C4-4241-B6C6-27A6A1A66469}"/>
               </a:ext>
             </a:extLst>
           </p:cNvPr>
@@ -4728,10 +8561,10 @@
       </p:cxnSp>
       <p:sp>
         <p:nvSpPr>
-          <p:cNvPr id="56" name="Forme libre : forme 55">
-            <a:extLst>
-              <a:ext uri="{FF2B5EF4-FFF2-40B4-BE49-F238E27FC236}">
-                <a16:creationId xmlns:a16="http://schemas.microsoft.com/office/drawing/2014/main" id="{2A416829-1247-4D1A-AB2B-EC1A0E51D93A}"/>
+          <p:cNvPr id="59" name="Forme libre : forme 58">
+            <a:extLst>
+              <a:ext uri="{FF2B5EF4-FFF2-40B4-BE49-F238E27FC236}">
+                <a16:creationId xmlns:a16="http://schemas.microsoft.com/office/drawing/2014/main" id="{26DFFD86-A647-459C-BCD2-86592FD090BC}"/>
               </a:ext>
             </a:extLst>
           </p:cNvPr>
@@ -4828,10 +8661,10 @@
       </p:sp>
       <p:sp>
         <p:nvSpPr>
-          <p:cNvPr id="59" name="ZoneTexte 58">
-            <a:extLst>
-              <a:ext uri="{FF2B5EF4-FFF2-40B4-BE49-F238E27FC236}">
-                <a16:creationId xmlns:a16="http://schemas.microsoft.com/office/drawing/2014/main" id="{F917F20D-F5BB-4327-940A-075E490BBA4F}"/>
+          <p:cNvPr id="60" name="ZoneTexte 59">
+            <a:extLst>
+              <a:ext uri="{FF2B5EF4-FFF2-40B4-BE49-F238E27FC236}">
+                <a16:creationId xmlns:a16="http://schemas.microsoft.com/office/drawing/2014/main" id="{84374862-B451-420B-A997-3F25BEDC89CC}"/>
               </a:ext>
             </a:extLst>
           </p:cNvPr>
@@ -4897,10 +8730,10 @@
       </p:sp>
       <p:sp>
         <p:nvSpPr>
-          <p:cNvPr id="60" name="ZoneTexte 59">
-            <a:extLst>
-              <a:ext uri="{FF2B5EF4-FFF2-40B4-BE49-F238E27FC236}">
-                <a16:creationId xmlns:a16="http://schemas.microsoft.com/office/drawing/2014/main" id="{35727692-8E42-41D3-9944-B4AC8ADABF5D}"/>
+          <p:cNvPr id="61" name="ZoneTexte 60">
+            <a:extLst>
+              <a:ext uri="{FF2B5EF4-FFF2-40B4-BE49-F238E27FC236}">
+                <a16:creationId xmlns:a16="http://schemas.microsoft.com/office/drawing/2014/main" id="{942452D4-680B-472B-9F7B-AF869D697FA6}"/>
               </a:ext>
             </a:extLst>
           </p:cNvPr>
@@ -4909,8 +8742,8 @@
         </p:nvSpPr>
         <p:spPr>
           <a:xfrm>
-            <a:off x="2066258" y="839306"/>
-            <a:ext cx="352982" cy="369332"/>
+            <a:off x="7096137" y="1028243"/>
+            <a:ext cx="364202" cy="369332"/>
           </a:xfrm>
           <a:prstGeom prst="rect">
             <a:avLst/>
@@ -4925,17 +8758,17 @@
           <a:p>
             <a:r>
               <a:rPr lang="fr-FR"/>
-              <a:t>a.</a:t>
-            </a:r>
-          </a:p>
-        </p:txBody>
-      </p:sp>
-      <p:sp>
-        <p:nvSpPr>
-          <p:cNvPr id="61" name="ZoneTexte 60">
-            <a:extLst>
-              <a:ext uri="{FF2B5EF4-FFF2-40B4-BE49-F238E27FC236}">
-                <a16:creationId xmlns:a16="http://schemas.microsoft.com/office/drawing/2014/main" id="{F0B89092-11C0-4341-97FC-6E4DBC0AC030}"/>
+              <a:t>b.</a:t>
+            </a:r>
+          </a:p>
+        </p:txBody>
+      </p:sp>
+      <p:sp>
+        <p:nvSpPr>
+          <p:cNvPr id="62" name="ZoneTexte 61">
+            <a:extLst>
+              <a:ext uri="{FF2B5EF4-FFF2-40B4-BE49-F238E27FC236}">
+                <a16:creationId xmlns:a16="http://schemas.microsoft.com/office/drawing/2014/main" id="{CFC10B62-260D-4DDE-8D75-85E29104B4DD}"/>
               </a:ext>
             </a:extLst>
           </p:cNvPr>
@@ -4944,8 +8777,8 @@
         </p:nvSpPr>
         <p:spPr>
           <a:xfrm>
-            <a:off x="7096137" y="1028243"/>
-            <a:ext cx="364202" cy="369332"/>
+            <a:off x="8859515" y="967744"/>
+            <a:ext cx="340158" cy="369332"/>
           </a:xfrm>
           <a:prstGeom prst="rect">
             <a:avLst/>
@@ -4960,17 +8793,17 @@
           <a:p>
             <a:r>
               <a:rPr lang="fr-FR"/>
-              <a:t>b.</a:t>
-            </a:r>
-          </a:p>
-        </p:txBody>
-      </p:sp>
-      <p:sp>
-        <p:nvSpPr>
-          <p:cNvPr id="62" name="ZoneTexte 61">
-            <a:extLst>
-              <a:ext uri="{FF2B5EF4-FFF2-40B4-BE49-F238E27FC236}">
-                <a16:creationId xmlns:a16="http://schemas.microsoft.com/office/drawing/2014/main" id="{9243FB77-10AF-401B-A5BD-3FF596933E94}"/>
+              <a:t>c.</a:t>
+            </a:r>
+          </a:p>
+        </p:txBody>
+      </p:sp>
+      <p:sp>
+        <p:nvSpPr>
+          <p:cNvPr id="63" name="ZoneTexte 62">
+            <a:extLst>
+              <a:ext uri="{FF2B5EF4-FFF2-40B4-BE49-F238E27FC236}">
+                <a16:creationId xmlns:a16="http://schemas.microsoft.com/office/drawing/2014/main" id="{CF8C648C-3F17-4067-9747-D39C8A8E2D93}"/>
               </a:ext>
             </a:extLst>
           </p:cNvPr>
@@ -4979,8 +8812,8 @@
         </p:nvSpPr>
         <p:spPr>
           <a:xfrm>
-            <a:off x="8859515" y="967744"/>
-            <a:ext cx="340158" cy="369332"/>
+            <a:off x="7027011" y="2219815"/>
+            <a:ext cx="364202" cy="369332"/>
           </a:xfrm>
           <a:prstGeom prst="rect">
             <a:avLst/>
@@ -4995,17 +8828,17 @@
           <a:p>
             <a:r>
               <a:rPr lang="fr-FR"/>
-              <a:t>c.</a:t>
-            </a:r>
-          </a:p>
-        </p:txBody>
-      </p:sp>
-      <p:sp>
-        <p:nvSpPr>
-          <p:cNvPr id="63" name="ZoneTexte 62">
-            <a:extLst>
-              <a:ext uri="{FF2B5EF4-FFF2-40B4-BE49-F238E27FC236}">
-                <a16:creationId xmlns:a16="http://schemas.microsoft.com/office/drawing/2014/main" id="{A29FC101-FFF3-46B5-8216-0333F9B02AA3}"/>
+              <a:t>d.</a:t>
+            </a:r>
+          </a:p>
+        </p:txBody>
+      </p:sp>
+      <p:sp>
+        <p:nvSpPr>
+          <p:cNvPr id="64" name="ZoneTexte 63">
+            <a:extLst>
+              <a:ext uri="{FF2B5EF4-FFF2-40B4-BE49-F238E27FC236}">
+                <a16:creationId xmlns:a16="http://schemas.microsoft.com/office/drawing/2014/main" id="{474F827B-1E7C-4CBD-B160-EE56260A635A}"/>
               </a:ext>
             </a:extLst>
           </p:cNvPr>
@@ -5014,8 +8847,8 @@
         </p:nvSpPr>
         <p:spPr>
           <a:xfrm>
-            <a:off x="7027011" y="2219815"/>
-            <a:ext cx="364202" cy="369332"/>
+            <a:off x="8866494" y="2267206"/>
+            <a:ext cx="357790" cy="369332"/>
           </a:xfrm>
           <a:prstGeom prst="rect">
             <a:avLst/>
@@ -5030,17 +8863,17 @@
           <a:p>
             <a:r>
               <a:rPr lang="fr-FR"/>
-              <a:t>d.</a:t>
-            </a:r>
-          </a:p>
-        </p:txBody>
-      </p:sp>
-      <p:sp>
-        <p:nvSpPr>
-          <p:cNvPr id="64" name="ZoneTexte 63">
-            <a:extLst>
-              <a:ext uri="{FF2B5EF4-FFF2-40B4-BE49-F238E27FC236}">
-                <a16:creationId xmlns:a16="http://schemas.microsoft.com/office/drawing/2014/main" id="{42841803-0EB6-4937-B882-754B7F8ADBC2}"/>
+              <a:t>e.</a:t>
+            </a:r>
+          </a:p>
+        </p:txBody>
+      </p:sp>
+      <p:sp>
+        <p:nvSpPr>
+          <p:cNvPr id="65" name="ZoneTexte 64">
+            <a:extLst>
+              <a:ext uri="{FF2B5EF4-FFF2-40B4-BE49-F238E27FC236}">
+                <a16:creationId xmlns:a16="http://schemas.microsoft.com/office/drawing/2014/main" id="{08EC950D-AD74-4E9A-9630-0E03F49F534A}"/>
               </a:ext>
             </a:extLst>
           </p:cNvPr>
@@ -5049,8 +8882,8 @@
         </p:nvSpPr>
         <p:spPr>
           <a:xfrm>
-            <a:off x="8866494" y="2267206"/>
-            <a:ext cx="357790" cy="369332"/>
+            <a:off x="8902123" y="3323560"/>
+            <a:ext cx="297582" cy="369332"/>
           </a:xfrm>
           <a:prstGeom prst="rect">
             <a:avLst/>
@@ -5065,50 +8898,56 @@
           <a:p>
             <a:r>
               <a:rPr lang="fr-FR"/>
-              <a:t>e.</a:t>
-            </a:r>
-          </a:p>
-        </p:txBody>
-      </p:sp>
-      <p:sp>
-        <p:nvSpPr>
-          <p:cNvPr id="65" name="ZoneTexte 64">
-            <a:extLst>
-              <a:ext uri="{FF2B5EF4-FFF2-40B4-BE49-F238E27FC236}">
-                <a16:creationId xmlns:a16="http://schemas.microsoft.com/office/drawing/2014/main" id="{4F14DAEA-B491-40EC-B4AA-E8BEA5C1672E}"/>
-              </a:ext>
-            </a:extLst>
-          </p:cNvPr>
-          <p:cNvSpPr txBox="1"/>
-          <p:nvPr/>
-        </p:nvSpPr>
-        <p:spPr>
-          <a:xfrm>
-            <a:off x="8902123" y="3323560"/>
-            <a:ext cx="297582" cy="369332"/>
-          </a:xfrm>
-          <a:prstGeom prst="rect">
+              <a:t>f.</a:t>
+            </a:r>
+          </a:p>
+        </p:txBody>
+      </p:sp>
+      <p:cxnSp>
+        <p:nvCxnSpPr>
+          <p:cNvPr id="66" name="Connecteur droit 65">
+            <a:extLst>
+              <a:ext uri="{FF2B5EF4-FFF2-40B4-BE49-F238E27FC236}">
+                <a16:creationId xmlns:a16="http://schemas.microsoft.com/office/drawing/2014/main" id="{4470D837-7821-4C09-94F5-1EB65C221E3A}"/>
+              </a:ext>
+            </a:extLst>
+          </p:cNvPr>
+          <p:cNvCxnSpPr/>
+          <p:nvPr/>
+        </p:nvCxnSpPr>
+        <p:spPr>
+          <a:xfrm>
+            <a:off x="906012" y="1337076"/>
+            <a:ext cx="0" cy="2894201"/>
+          </a:xfrm>
+          <a:prstGeom prst="line">
             <a:avLst/>
           </a:prstGeom>
-          <a:noFill/>
-        </p:spPr>
-        <p:txBody>
-          <a:bodyPr wrap="none" rtlCol="0">
-            <a:spAutoFit/>
-          </a:bodyPr>
-          <a:lstStyle/>
-          <a:p>
-            <a:r>
-              <a:rPr lang="fr-FR"/>
-              <a:t>f.</a:t>
-            </a:r>
-          </a:p>
-        </p:txBody>
-      </p:sp>
+          <a:ln w="57150">
+            <a:solidFill>
+              <a:schemeClr val="tx1"/>
+            </a:solidFill>
+          </a:ln>
+        </p:spPr>
+        <p:style>
+          <a:lnRef idx="1">
+            <a:schemeClr val="accent1"/>
+          </a:lnRef>
+          <a:fillRef idx="0">
+            <a:schemeClr val="accent1"/>
+          </a:fillRef>
+          <a:effectRef idx="0">
+            <a:schemeClr val="accent1"/>
+          </a:effectRef>
+          <a:fontRef idx="minor">
+            <a:schemeClr val="tx1"/>
+          </a:fontRef>
+        </p:style>
+      </p:cxnSp>
     </p:spTree>
     <p:extLst>
       <p:ext uri="{BB962C8B-B14F-4D97-AF65-F5344CB8AC3E}">
-        <p14:creationId xmlns:p14="http://schemas.microsoft.com/office/powerpoint/2010/main" val="393227993"/>
+        <p14:creationId xmlns:p14="http://schemas.microsoft.com/office/powerpoint/2010/main" val="599970020"/>
       </p:ext>
     </p:extLst>
   </p:cSld>
@@ -5118,7 +8957,7 @@
 </p:sld>
 </file>
 
-<file path=ppt/slides/slide2.xml><?xml version="1.0" encoding="utf-8"?>
+<file path=ppt/slides/slide4.xml><?xml version="1.0" encoding="utf-8"?>
 <p:sld xmlns:a="http://schemas.openxmlformats.org/drawingml/2006/main" xmlns:r="http://schemas.openxmlformats.org/officeDocument/2006/relationships" xmlns:p="http://schemas.openxmlformats.org/presentationml/2006/main">
   <p:cSld>
     <p:spTree>
@@ -5233,8 +9072,8 @@
         </p:nvSpPr>
         <p:spPr>
           <a:xfrm rot="16200000">
-            <a:off x="-882817" y="2018320"/>
-            <a:ext cx="2662908" cy="369332"/>
+            <a:off x="-963584" y="2197802"/>
+            <a:ext cx="2840842" cy="369332"/>
           </a:xfrm>
           <a:prstGeom prst="rect">
             <a:avLst/>
@@ -5249,7 +9088,7 @@
           <a:p>
             <a:r>
               <a:rPr lang="fr-FR"/>
-              <a:t>Larvae composition (%dw)</a:t>
+              <a:t>Egestion composition (%dw)</a:t>
             </a:r>
           </a:p>
         </p:txBody>
@@ -7123,7 +10962,7 @@
     </p:spTree>
     <p:extLst>
       <p:ext uri="{BB962C8B-B14F-4D97-AF65-F5344CB8AC3E}">
-        <p14:creationId xmlns:p14="http://schemas.microsoft.com/office/powerpoint/2010/main" val="599970020"/>
+        <p14:creationId xmlns:p14="http://schemas.microsoft.com/office/powerpoint/2010/main" val="4232160399"/>
       </p:ext>
     </p:extLst>
   </p:cSld>
@@ -7133,7 +10972,7 @@
 </p:sld>
 </file>
 
-<file path=ppt/slides/slide3.xml><?xml version="1.0" encoding="utf-8"?>
+<file path=ppt/slides/slide5.xml><?xml version="1.0" encoding="utf-8"?>
 <p:sld xmlns:a="http://schemas.openxmlformats.org/drawingml/2006/main" xmlns:r="http://schemas.openxmlformats.org/officeDocument/2006/relationships" xmlns:p="http://schemas.openxmlformats.org/presentationml/2006/main">
   <p:cSld>
     <p:spTree>
@@ -7159,20 +10998,22 @@
               </a:ext>
             </a:extLst>
           </p:cNvPr>
-          <p:cNvCxnSpPr/>
+          <p:cNvCxnSpPr>
+            <a:cxnSpLocks/>
+          </p:cNvCxnSpPr>
           <p:nvPr/>
         </p:nvCxnSpPr>
         <p:spPr>
           <a:xfrm>
-            <a:off x="6901613" y="1397996"/>
-            <a:ext cx="0" cy="2894201"/>
+            <a:off x="713065" y="1113639"/>
+            <a:ext cx="0" cy="790662"/>
           </a:xfrm>
           <a:prstGeom prst="line">
             <a:avLst/>
           </a:prstGeom>
           <a:ln w="57150">
             <a:solidFill>
-              <a:srgbClr val="FFA500"/>
+              <a:schemeClr val="tx1"/>
             </a:solidFill>
           </a:ln>
         </p:spPr>
@@ -7207,8 +11048,8 @@
         </p:nvCxnSpPr>
         <p:spPr>
           <a:xfrm flipH="1" flipV="1">
-            <a:off x="931179" y="4204282"/>
-            <a:ext cx="4630722" cy="15380"/>
+            <a:off x="696288" y="1888921"/>
+            <a:ext cx="1426127" cy="15380"/>
           </a:xfrm>
           <a:prstGeom prst="line">
             <a:avLst/>
@@ -7247,9 +11088,9 @@
           <p:nvPr/>
         </p:nvSpPr>
         <p:spPr>
-          <a:xfrm rot="16200000">
-            <a:off x="-963584" y="2197802"/>
-            <a:ext cx="2840842" cy="369332"/>
+          <a:xfrm>
+            <a:off x="185536" y="422365"/>
+            <a:ext cx="3651384" cy="276999"/>
           </a:xfrm>
           <a:prstGeom prst="rect">
             <a:avLst/>
@@ -7257,24 +11098,24 @@
           <a:noFill/>
         </p:spPr>
         <p:txBody>
-          <a:bodyPr wrap="none" rtlCol="0">
+          <a:bodyPr wrap="square" rtlCol="0">
             <a:spAutoFit/>
           </a:bodyPr>
           <a:lstStyle/>
           <a:p>
             <a:r>
-              <a:rPr lang="fr-FR"/>
-              <a:t>Egestion composition (%dw)</a:t>
-            </a:r>
-          </a:p>
-        </p:txBody>
-      </p:sp>
-      <p:sp>
-        <p:nvSpPr>
-          <p:cNvPr id="12" name="Forme libre : forme 11">
-            <a:extLst>
-              <a:ext uri="{FF2B5EF4-FFF2-40B4-BE49-F238E27FC236}">
-                <a16:creationId xmlns:a16="http://schemas.microsoft.com/office/drawing/2014/main" id="{D3B9FA0D-3392-49C6-8783-E87510B06EB1}"/>
+              <a:rPr lang="fr-FR" sz="1200"/>
+              <a:t>Element absorption efficiency (%dw)</a:t>
+            </a:r>
+          </a:p>
+        </p:txBody>
+      </p:sp>
+      <p:sp>
+        <p:nvSpPr>
+          <p:cNvPr id="13" name="Forme libre : forme 12">
+            <a:extLst>
+              <a:ext uri="{FF2B5EF4-FFF2-40B4-BE49-F238E27FC236}">
+                <a16:creationId xmlns:a16="http://schemas.microsoft.com/office/drawing/2014/main" id="{9755C337-F31D-402E-9C56-F6A203771C4A}"/>
               </a:ext>
             </a:extLst>
           </p:cNvPr>
@@ -7283,132 +11124,8 @@
         </p:nvSpPr>
         <p:spPr>
           <a:xfrm>
-            <a:off x="897006" y="1306020"/>
-            <a:ext cx="4503660" cy="2152897"/>
-          </a:xfrm>
-          <a:custGeom>
-            <a:avLst/>
-            <a:gdLst>
-              <a:gd name="connsiteX0" fmla="*/ 0 w 3682767"/>
-              <a:gd name="connsiteY0" fmla="*/ 747896 h 1007955"/>
-              <a:gd name="connsiteX1" fmla="*/ 1098958 w 3682767"/>
-              <a:gd name="connsiteY1" fmla="*/ 1276 h 1007955"/>
-              <a:gd name="connsiteX2" fmla="*/ 1979802 w 3682767"/>
-              <a:gd name="connsiteY2" fmla="*/ 580117 h 1007955"/>
-              <a:gd name="connsiteX3" fmla="*/ 3682767 w 3682767"/>
-              <a:gd name="connsiteY3" fmla="*/ 1007955 h 1007955"/>
-              <a:gd name="connsiteX4" fmla="*/ 3682767 w 3682767"/>
-              <a:gd name="connsiteY4" fmla="*/ 1007955 h 1007955"/>
-              <a:gd name="connsiteX5" fmla="*/ 3682767 w 3682767"/>
-              <a:gd name="connsiteY5" fmla="*/ 1007955 h 1007955"/>
-              <a:gd name="connsiteX6" fmla="*/ 3682767 w 3682767"/>
-              <a:gd name="connsiteY6" fmla="*/ 1007955 h 1007955"/>
-            </a:gdLst>
-            <a:ahLst/>
-            <a:cxnLst>
-              <a:cxn ang="0">
-                <a:pos x="connsiteX0" y="connsiteY0"/>
-              </a:cxn>
-              <a:cxn ang="0">
-                <a:pos x="connsiteX1" y="connsiteY1"/>
-              </a:cxn>
-              <a:cxn ang="0">
-                <a:pos x="connsiteX2" y="connsiteY2"/>
-              </a:cxn>
-              <a:cxn ang="0">
-                <a:pos x="connsiteX3" y="connsiteY3"/>
-              </a:cxn>
-              <a:cxn ang="0">
-                <a:pos x="connsiteX4" y="connsiteY4"/>
-              </a:cxn>
-              <a:cxn ang="0">
-                <a:pos x="connsiteX5" y="connsiteY5"/>
-              </a:cxn>
-              <a:cxn ang="0">
-                <a:pos x="connsiteX6" y="connsiteY6"/>
-              </a:cxn>
-            </a:cxnLst>
-            <a:rect l="l" t="t" r="r" b="b"/>
-            <a:pathLst>
-              <a:path w="3682767" h="1007955">
-                <a:moveTo>
-                  <a:pt x="0" y="747896"/>
-                </a:moveTo>
-                <a:cubicBezTo>
-                  <a:pt x="384495" y="388567"/>
-                  <a:pt x="768991" y="29239"/>
-                  <a:pt x="1098958" y="1276"/>
-                </a:cubicBezTo>
-                <a:cubicBezTo>
-                  <a:pt x="1428925" y="-26687"/>
-                  <a:pt x="1549167" y="412337"/>
-                  <a:pt x="1979802" y="580117"/>
-                </a:cubicBezTo>
-                <a:cubicBezTo>
-                  <a:pt x="2410437" y="747897"/>
-                  <a:pt x="3682767" y="1007955"/>
-                  <a:pt x="3682767" y="1007955"/>
-                </a:cubicBezTo>
-                <a:lnTo>
-                  <a:pt x="3682767" y="1007955"/>
-                </a:lnTo>
-                <a:lnTo>
-                  <a:pt x="3682767" y="1007955"/>
-                </a:lnTo>
-                <a:lnTo>
-                  <a:pt x="3682767" y="1007955"/>
-                </a:lnTo>
-              </a:path>
-            </a:pathLst>
-          </a:custGeom>
-          <a:noFill/>
-          <a:ln w="57150">
-            <a:solidFill>
-              <a:srgbClr val="8F8FFF"/>
-            </a:solidFill>
-          </a:ln>
-        </p:spPr>
-        <p:style>
-          <a:lnRef idx="2">
-            <a:schemeClr val="accent1">
-              <a:shade val="50000"/>
-            </a:schemeClr>
-          </a:lnRef>
-          <a:fillRef idx="1">
-            <a:schemeClr val="accent1"/>
-          </a:fillRef>
-          <a:effectRef idx="0">
-            <a:schemeClr val="accent1"/>
-          </a:effectRef>
-          <a:fontRef idx="minor">
-            <a:schemeClr val="lt1"/>
-          </a:fontRef>
-        </p:style>
-        <p:txBody>
-          <a:bodyPr rtlCol="0" anchor="ctr"/>
-          <a:lstStyle/>
-          <a:p>
-            <a:pPr algn="ctr"/>
-            <a:endParaRPr lang="fr-FR"/>
-          </a:p>
-        </p:txBody>
-      </p:sp>
-      <p:sp>
-        <p:nvSpPr>
-          <p:cNvPr id="13" name="Forme libre : forme 12">
-            <a:extLst>
-              <a:ext uri="{FF2B5EF4-FFF2-40B4-BE49-F238E27FC236}">
-                <a16:creationId xmlns:a16="http://schemas.microsoft.com/office/drawing/2014/main" id="{9755C337-F31D-402E-9C56-F6A203771C4A}"/>
-              </a:ext>
-            </a:extLst>
-          </p:cNvPr>
-          <p:cNvSpPr/>
-          <p:nvPr/>
-        </p:nvSpPr>
-        <p:spPr>
-          <a:xfrm>
-            <a:off x="1409350" y="1381508"/>
-            <a:ext cx="3984771" cy="2630457"/>
+            <a:off x="853548" y="1270151"/>
+            <a:ext cx="1157680" cy="474607"/>
           </a:xfrm>
           <a:custGeom>
             <a:avLst/>
@@ -7495,130 +11212,6 @@
       </p:sp>
       <p:sp>
         <p:nvSpPr>
-          <p:cNvPr id="14" name="Forme libre : forme 13">
-            <a:extLst>
-              <a:ext uri="{FF2B5EF4-FFF2-40B4-BE49-F238E27FC236}">
-                <a16:creationId xmlns:a16="http://schemas.microsoft.com/office/drawing/2014/main" id="{8E5AD54F-460A-4DE0-BEBF-7A5A95D8657C}"/>
-              </a:ext>
-            </a:extLst>
-          </p:cNvPr>
-          <p:cNvSpPr/>
-          <p:nvPr/>
-        </p:nvSpPr>
-        <p:spPr>
-          <a:xfrm>
-            <a:off x="977484" y="2845762"/>
-            <a:ext cx="4144162" cy="628500"/>
-          </a:xfrm>
-          <a:custGeom>
-            <a:avLst/>
-            <a:gdLst>
-              <a:gd name="connsiteX0" fmla="*/ 0 w 3682767"/>
-              <a:gd name="connsiteY0" fmla="*/ 747896 h 1007955"/>
-              <a:gd name="connsiteX1" fmla="*/ 1098958 w 3682767"/>
-              <a:gd name="connsiteY1" fmla="*/ 1276 h 1007955"/>
-              <a:gd name="connsiteX2" fmla="*/ 1979802 w 3682767"/>
-              <a:gd name="connsiteY2" fmla="*/ 580117 h 1007955"/>
-              <a:gd name="connsiteX3" fmla="*/ 3682767 w 3682767"/>
-              <a:gd name="connsiteY3" fmla="*/ 1007955 h 1007955"/>
-              <a:gd name="connsiteX4" fmla="*/ 3682767 w 3682767"/>
-              <a:gd name="connsiteY4" fmla="*/ 1007955 h 1007955"/>
-              <a:gd name="connsiteX5" fmla="*/ 3682767 w 3682767"/>
-              <a:gd name="connsiteY5" fmla="*/ 1007955 h 1007955"/>
-              <a:gd name="connsiteX6" fmla="*/ 3682767 w 3682767"/>
-              <a:gd name="connsiteY6" fmla="*/ 1007955 h 1007955"/>
-            </a:gdLst>
-            <a:ahLst/>
-            <a:cxnLst>
-              <a:cxn ang="0">
-                <a:pos x="connsiteX0" y="connsiteY0"/>
-              </a:cxn>
-              <a:cxn ang="0">
-                <a:pos x="connsiteX1" y="connsiteY1"/>
-              </a:cxn>
-              <a:cxn ang="0">
-                <a:pos x="connsiteX2" y="connsiteY2"/>
-              </a:cxn>
-              <a:cxn ang="0">
-                <a:pos x="connsiteX3" y="connsiteY3"/>
-              </a:cxn>
-              <a:cxn ang="0">
-                <a:pos x="connsiteX4" y="connsiteY4"/>
-              </a:cxn>
-              <a:cxn ang="0">
-                <a:pos x="connsiteX5" y="connsiteY5"/>
-              </a:cxn>
-              <a:cxn ang="0">
-                <a:pos x="connsiteX6" y="connsiteY6"/>
-              </a:cxn>
-            </a:cxnLst>
-            <a:rect l="l" t="t" r="r" b="b"/>
-            <a:pathLst>
-              <a:path w="3682767" h="1007955">
-                <a:moveTo>
-                  <a:pt x="0" y="747896"/>
-                </a:moveTo>
-                <a:cubicBezTo>
-                  <a:pt x="384495" y="388567"/>
-                  <a:pt x="768991" y="29239"/>
-                  <a:pt x="1098958" y="1276"/>
-                </a:cubicBezTo>
-                <a:cubicBezTo>
-                  <a:pt x="1428925" y="-26687"/>
-                  <a:pt x="1549167" y="412337"/>
-                  <a:pt x="1979802" y="580117"/>
-                </a:cubicBezTo>
-                <a:cubicBezTo>
-                  <a:pt x="2410437" y="747897"/>
-                  <a:pt x="3682767" y="1007955"/>
-                  <a:pt x="3682767" y="1007955"/>
-                </a:cubicBezTo>
-                <a:lnTo>
-                  <a:pt x="3682767" y="1007955"/>
-                </a:lnTo>
-                <a:lnTo>
-                  <a:pt x="3682767" y="1007955"/>
-                </a:lnTo>
-                <a:lnTo>
-                  <a:pt x="3682767" y="1007955"/>
-                </a:lnTo>
-              </a:path>
-            </a:pathLst>
-          </a:custGeom>
-          <a:noFill/>
-          <a:ln w="57150">
-            <a:solidFill>
-              <a:srgbClr val="FFA500"/>
-            </a:solidFill>
-          </a:ln>
-        </p:spPr>
-        <p:style>
-          <a:lnRef idx="2">
-            <a:schemeClr val="accent1">
-              <a:shade val="50000"/>
-            </a:schemeClr>
-          </a:lnRef>
-          <a:fillRef idx="1">
-            <a:schemeClr val="accent1"/>
-          </a:fillRef>
-          <a:effectRef idx="0">
-            <a:schemeClr val="accent1"/>
-          </a:effectRef>
-          <a:fontRef idx="minor">
-            <a:schemeClr val="lt1"/>
-          </a:fontRef>
-        </p:style>
-        <p:txBody>
-          <a:bodyPr rtlCol="0" anchor="ctr"/>
-          <a:lstStyle/>
-          <a:p>
-            <a:pPr algn="ctr"/>
-            <a:endParaRPr lang="fr-FR"/>
-          </a:p>
-        </p:txBody>
-      </p:sp>
-      <p:sp>
-        <p:nvSpPr>
           <p:cNvPr id="15" name="ZoneTexte 14">
             <a:extLst>
               <a:ext uri="{FF2B5EF4-FFF2-40B4-BE49-F238E27FC236}">
@@ -7631,8 +11224,8 @@
         </p:nvSpPr>
         <p:spPr>
           <a:xfrm>
-            <a:off x="4303393" y="4804279"/>
-            <a:ext cx="4403578" cy="369332"/>
+            <a:off x="1662064" y="4615771"/>
+            <a:ext cx="3736793" cy="276999"/>
           </a:xfrm>
           <a:prstGeom prst="rect">
             <a:avLst/>
@@ -7640,14 +11233,14 @@
           <a:noFill/>
         </p:spPr>
         <p:txBody>
-          <a:bodyPr wrap="none" rtlCol="0">
+          <a:bodyPr wrap="square" rtlCol="0">
             <a:spAutoFit/>
           </a:bodyPr>
           <a:lstStyle/>
           <a:p>
             <a:r>
-              <a:rPr lang="fr-FR"/>
-              <a:t>Mass-specific intake rate (mg/day / mg indiv)</a:t>
+              <a:rPr lang="fr-FR" sz="1200"/>
+              <a:t>Mass-specific element intake rate (mg/day / mg indiv)</a:t>
             </a:r>
           </a:p>
         </p:txBody>
@@ -7666,7 +11259,7 @@
         </p:nvSpPr>
         <p:spPr>
           <a:xfrm>
-            <a:off x="5045669" y="784107"/>
+            <a:off x="1053159" y="769961"/>
             <a:ext cx="836768" cy="369332"/>
           </a:xfrm>
           <a:prstGeom prst="rect">
@@ -7675,7 +11268,7 @@
           <a:noFill/>
         </p:spPr>
         <p:txBody>
-          <a:bodyPr wrap="none" rtlCol="0">
+          <a:bodyPr wrap="square" rtlCol="0">
             <a:spAutoFit/>
           </a:bodyPr>
           <a:lstStyle/>
@@ -7691,107 +11284,31 @@
           </a:p>
         </p:txBody>
       </p:sp>
-      <p:sp>
-        <p:nvSpPr>
-          <p:cNvPr id="26" name="ZoneTexte 25">
-            <a:extLst>
-              <a:ext uri="{FF2B5EF4-FFF2-40B4-BE49-F238E27FC236}">
-                <a16:creationId xmlns:a16="http://schemas.microsoft.com/office/drawing/2014/main" id="{8B4E787C-BF19-4B47-9322-12EF1F2390AB}"/>
-              </a:ext>
-            </a:extLst>
-          </p:cNvPr>
-          <p:cNvSpPr txBox="1"/>
-          <p:nvPr/>
-        </p:nvSpPr>
-        <p:spPr>
-          <a:xfrm>
-            <a:off x="6901613" y="784107"/>
-            <a:ext cx="1297150" cy="369332"/>
-          </a:xfrm>
-          <a:prstGeom prst="rect">
-            <a:avLst/>
-          </a:prstGeom>
-          <a:noFill/>
-        </p:spPr>
-        <p:txBody>
-          <a:bodyPr wrap="none" rtlCol="0">
-            <a:spAutoFit/>
-          </a:bodyPr>
-          <a:lstStyle/>
-          <a:p>
-            <a:r>
-              <a:rPr lang="fr-FR">
-                <a:solidFill>
-                  <a:srgbClr val="FFA500"/>
-                </a:solidFill>
-              </a:rPr>
-              <a:t>phosphorus</a:t>
-            </a:r>
-          </a:p>
-        </p:txBody>
-      </p:sp>
-      <p:sp>
-        <p:nvSpPr>
-          <p:cNvPr id="27" name="ZoneTexte 26">
-            <a:extLst>
-              <a:ext uri="{FF2B5EF4-FFF2-40B4-BE49-F238E27FC236}">
-                <a16:creationId xmlns:a16="http://schemas.microsoft.com/office/drawing/2014/main" id="{55C999C0-D064-4964-B5AB-99287735637E}"/>
-              </a:ext>
-            </a:extLst>
-          </p:cNvPr>
-          <p:cNvSpPr txBox="1"/>
-          <p:nvPr/>
-        </p:nvSpPr>
-        <p:spPr>
-          <a:xfrm>
-            <a:off x="5922691" y="784107"/>
-            <a:ext cx="978922" cy="369332"/>
-          </a:xfrm>
-          <a:prstGeom prst="rect">
-            <a:avLst/>
-          </a:prstGeom>
-          <a:noFill/>
-        </p:spPr>
-        <p:txBody>
-          <a:bodyPr wrap="none" rtlCol="0">
-            <a:spAutoFit/>
-          </a:bodyPr>
-          <a:lstStyle/>
-          <a:p>
-            <a:r>
-              <a:rPr lang="fr-FR">
-                <a:solidFill>
-                  <a:srgbClr val="8F8FFF"/>
-                </a:solidFill>
-              </a:rPr>
-              <a:t>nitrogen</a:t>
-            </a:r>
-          </a:p>
-        </p:txBody>
-      </p:sp>
       <p:cxnSp>
         <p:nvCxnSpPr>
-          <p:cNvPr id="16" name="Connecteur droit 15">
-            <a:extLst>
-              <a:ext uri="{FF2B5EF4-FFF2-40B4-BE49-F238E27FC236}">
-                <a16:creationId xmlns:a16="http://schemas.microsoft.com/office/drawing/2014/main" id="{C97B0037-B54A-43A8-B7D9-B6AECA622B94}"/>
-              </a:ext>
-            </a:extLst>
-          </p:cNvPr>
-          <p:cNvCxnSpPr/>
+          <p:cNvPr id="18" name="Connecteur droit 17">
+            <a:extLst>
+              <a:ext uri="{FF2B5EF4-FFF2-40B4-BE49-F238E27FC236}">
+                <a16:creationId xmlns:a16="http://schemas.microsoft.com/office/drawing/2014/main" id="{72643D78-A807-4CC5-AFAE-C24D9C5ED4A4}"/>
+              </a:ext>
+            </a:extLst>
+          </p:cNvPr>
+          <p:cNvCxnSpPr>
+            <a:cxnSpLocks/>
+          </p:cNvCxnSpPr>
           <p:nvPr/>
         </p:nvCxnSpPr>
         <p:spPr>
           <a:xfrm>
-            <a:off x="6321272" y="1397996"/>
-            <a:ext cx="0" cy="2894201"/>
+            <a:off x="736101" y="2368085"/>
+            <a:ext cx="0" cy="790662"/>
           </a:xfrm>
           <a:prstGeom prst="line">
             <a:avLst/>
           </a:prstGeom>
           <a:ln w="57150">
             <a:solidFill>
-              <a:srgbClr val="8F8FFF"/>
+              <a:schemeClr val="tx1"/>
             </a:solidFill>
           </a:ln>
         </p:spPr>
@@ -7812,27 +11329,29 @@
       </p:cxnSp>
       <p:cxnSp>
         <p:nvCxnSpPr>
-          <p:cNvPr id="17" name="Connecteur droit 16">
-            <a:extLst>
-              <a:ext uri="{FF2B5EF4-FFF2-40B4-BE49-F238E27FC236}">
-                <a16:creationId xmlns:a16="http://schemas.microsoft.com/office/drawing/2014/main" id="{B00C1A21-581A-440F-BD1D-F448DDF35CEA}"/>
-              </a:ext>
-            </a:extLst>
-          </p:cNvPr>
-          <p:cNvCxnSpPr/>
+          <p:cNvPr id="19" name="Connecteur droit 18">
+            <a:extLst>
+              <a:ext uri="{FF2B5EF4-FFF2-40B4-BE49-F238E27FC236}">
+                <a16:creationId xmlns:a16="http://schemas.microsoft.com/office/drawing/2014/main" id="{194990F8-DDB3-4F47-9F86-954782CC721F}"/>
+              </a:ext>
+            </a:extLst>
+          </p:cNvPr>
+          <p:cNvCxnSpPr>
+            <a:cxnSpLocks/>
+          </p:cNvCxnSpPr>
           <p:nvPr/>
         </p:nvCxnSpPr>
         <p:spPr>
-          <a:xfrm>
-            <a:off x="5752051" y="1381508"/>
-            <a:ext cx="0" cy="2894201"/>
+          <a:xfrm flipH="1" flipV="1">
+            <a:off x="719324" y="3143367"/>
+            <a:ext cx="1426127" cy="15380"/>
           </a:xfrm>
           <a:prstGeom prst="line">
             <a:avLst/>
           </a:prstGeom>
           <a:ln w="57150">
             <a:solidFill>
-              <a:srgbClr val="C8C8C8"/>
+              <a:schemeClr val="tx1"/>
             </a:solidFill>
           </a:ln>
         </p:spPr>
@@ -7853,165 +11372,10 @@
       </p:cxnSp>
       <p:sp>
         <p:nvSpPr>
-          <p:cNvPr id="44" name="ZoneTexte 43">
-            <a:extLst>
-              <a:ext uri="{FF2B5EF4-FFF2-40B4-BE49-F238E27FC236}">
-                <a16:creationId xmlns:a16="http://schemas.microsoft.com/office/drawing/2014/main" id="{0EB03778-4565-47AF-92E3-517C8521EF04}"/>
-              </a:ext>
-            </a:extLst>
-          </p:cNvPr>
-          <p:cNvSpPr txBox="1"/>
-          <p:nvPr/>
-        </p:nvSpPr>
-        <p:spPr>
-          <a:xfrm>
-            <a:off x="7124455" y="3534440"/>
-            <a:ext cx="1066318" cy="954107"/>
-          </a:xfrm>
-          <a:prstGeom prst="rect">
-            <a:avLst/>
-          </a:prstGeom>
-          <a:noFill/>
-        </p:spPr>
-        <p:txBody>
-          <a:bodyPr wrap="none" rtlCol="0">
-            <a:spAutoFit/>
-          </a:bodyPr>
-          <a:lstStyle/>
-          <a:p>
-            <a:r>
-              <a:rPr lang="fr-FR" sz="1400" b="1">
-                <a:solidFill>
-                  <a:srgbClr val="C8C8C8"/>
-                </a:solidFill>
-              </a:rPr>
-              <a:t>Carbon</a:t>
-            </a:r>
-          </a:p>
-          <a:p>
-            <a:r>
-              <a:rPr lang="fr-FR" sz="1400" b="1">
-                <a:solidFill>
-                  <a:srgbClr val="8F8FFF"/>
-                </a:solidFill>
-              </a:rPr>
-              <a:t>Nitrogen</a:t>
-            </a:r>
-          </a:p>
-          <a:p>
-            <a:r>
-              <a:rPr lang="fr-FR" sz="1400" b="1">
-                <a:solidFill>
-                  <a:srgbClr val="FFA500"/>
-                </a:solidFill>
-              </a:rPr>
-              <a:t>Phosphorus</a:t>
-            </a:r>
-          </a:p>
-          <a:p>
-            <a:r>
-              <a:rPr lang="fr-FR" sz="1400" b="1">
-                <a:solidFill>
-                  <a:srgbClr val="228B22"/>
-                </a:solidFill>
-              </a:rPr>
-              <a:t>Sulfur</a:t>
-            </a:r>
-          </a:p>
-        </p:txBody>
-      </p:sp>
-      <p:cxnSp>
-        <p:nvCxnSpPr>
-          <p:cNvPr id="45" name="Connecteur droit 44">
-            <a:extLst>
-              <a:ext uri="{FF2B5EF4-FFF2-40B4-BE49-F238E27FC236}">
-                <a16:creationId xmlns:a16="http://schemas.microsoft.com/office/drawing/2014/main" id="{06928511-102E-434F-808B-6D2E2A303022}"/>
-              </a:ext>
-            </a:extLst>
-          </p:cNvPr>
-          <p:cNvCxnSpPr>
-            <a:cxnSpLocks/>
-          </p:cNvCxnSpPr>
-          <p:nvPr/>
-        </p:nvCxnSpPr>
-        <p:spPr>
-          <a:xfrm>
-            <a:off x="7297621" y="1469656"/>
-            <a:ext cx="0" cy="790662"/>
-          </a:xfrm>
-          <a:prstGeom prst="line">
-            <a:avLst/>
-          </a:prstGeom>
-          <a:ln w="57150">
-            <a:solidFill>
-              <a:schemeClr val="tx1"/>
-            </a:solidFill>
-          </a:ln>
-        </p:spPr>
-        <p:style>
-          <a:lnRef idx="1">
-            <a:schemeClr val="accent1"/>
-          </a:lnRef>
-          <a:fillRef idx="0">
-            <a:schemeClr val="accent1"/>
-          </a:fillRef>
-          <a:effectRef idx="0">
-            <a:schemeClr val="accent1"/>
-          </a:effectRef>
-          <a:fontRef idx="minor">
-            <a:schemeClr val="tx1"/>
-          </a:fontRef>
-        </p:style>
-      </p:cxnSp>
-      <p:cxnSp>
-        <p:nvCxnSpPr>
-          <p:cNvPr id="46" name="Connecteur droit 45">
-            <a:extLst>
-              <a:ext uri="{FF2B5EF4-FFF2-40B4-BE49-F238E27FC236}">
-                <a16:creationId xmlns:a16="http://schemas.microsoft.com/office/drawing/2014/main" id="{0284C0BC-85CE-4A3C-BABA-DB0827741FA5}"/>
-              </a:ext>
-            </a:extLst>
-          </p:cNvPr>
-          <p:cNvCxnSpPr>
-            <a:cxnSpLocks/>
-          </p:cNvCxnSpPr>
-          <p:nvPr/>
-        </p:nvCxnSpPr>
-        <p:spPr>
-          <a:xfrm flipH="1" flipV="1">
-            <a:off x="7280844" y="2244938"/>
-            <a:ext cx="1426127" cy="15380"/>
-          </a:xfrm>
-          <a:prstGeom prst="line">
-            <a:avLst/>
-          </a:prstGeom>
-          <a:ln w="57150">
-            <a:solidFill>
-              <a:schemeClr val="tx1"/>
-            </a:solidFill>
-          </a:ln>
-        </p:spPr>
-        <p:style>
-          <a:lnRef idx="1">
-            <a:schemeClr val="accent1"/>
-          </a:lnRef>
-          <a:fillRef idx="0">
-            <a:schemeClr val="accent1"/>
-          </a:fillRef>
-          <a:effectRef idx="0">
-            <a:schemeClr val="accent1"/>
-          </a:effectRef>
-          <a:fontRef idx="minor">
-            <a:schemeClr val="tx1"/>
-          </a:fontRef>
-        </p:style>
-      </p:cxnSp>
-      <p:sp>
-        <p:nvSpPr>
-          <p:cNvPr id="47" name="Forme libre : forme 46">
-            <a:extLst>
-              <a:ext uri="{FF2B5EF4-FFF2-40B4-BE49-F238E27FC236}">
-                <a16:creationId xmlns:a16="http://schemas.microsoft.com/office/drawing/2014/main" id="{EA13FD74-86FA-43C0-AA72-0AE76783629D}"/>
+          <p:cNvPr id="20" name="Forme libre : forme 19">
+            <a:extLst>
+              <a:ext uri="{FF2B5EF4-FFF2-40B4-BE49-F238E27FC236}">
+                <a16:creationId xmlns:a16="http://schemas.microsoft.com/office/drawing/2014/main" id="{F0EE8209-7730-49C3-A27F-05A5203A7724}"/>
               </a:ext>
             </a:extLst>
           </p:cNvPr>
@@ -8020,1287 +11384,7 @@
         </p:nvSpPr>
         <p:spPr>
           <a:xfrm>
-            <a:off x="7438104" y="1626168"/>
-            <a:ext cx="1157680" cy="474607"/>
-          </a:xfrm>
-          <a:custGeom>
-            <a:avLst/>
-            <a:gdLst>
-              <a:gd name="connsiteX0" fmla="*/ 0 w 3984771"/>
-              <a:gd name="connsiteY0" fmla="*/ 1319747 h 2630457"/>
-              <a:gd name="connsiteX1" fmla="*/ 570451 w 3984771"/>
-              <a:gd name="connsiteY1" fmla="*/ 19453 h 2630457"/>
-              <a:gd name="connsiteX2" fmla="*/ 1946246 w 3984771"/>
-              <a:gd name="connsiteY2" fmla="*/ 2208980 h 2630457"/>
-              <a:gd name="connsiteX3" fmla="*/ 3984771 w 3984771"/>
-              <a:gd name="connsiteY3" fmla="*/ 2628430 h 2630457"/>
-            </a:gdLst>
-            <a:ahLst/>
-            <a:cxnLst>
-              <a:cxn ang="0">
-                <a:pos x="connsiteX0" y="connsiteY0"/>
-              </a:cxn>
-              <a:cxn ang="0">
-                <a:pos x="connsiteX1" y="connsiteY1"/>
-              </a:cxn>
-              <a:cxn ang="0">
-                <a:pos x="connsiteX2" y="connsiteY2"/>
-              </a:cxn>
-              <a:cxn ang="0">
-                <a:pos x="connsiteX3" y="connsiteY3"/>
-              </a:cxn>
-            </a:cxnLst>
-            <a:rect l="l" t="t" r="r" b="b"/>
-            <a:pathLst>
-              <a:path w="3984771" h="2630457">
-                <a:moveTo>
-                  <a:pt x="0" y="1319747"/>
-                </a:moveTo>
-                <a:cubicBezTo>
-                  <a:pt x="123038" y="595497"/>
-                  <a:pt x="246077" y="-128752"/>
-                  <a:pt x="570451" y="19453"/>
-                </a:cubicBezTo>
-                <a:cubicBezTo>
-                  <a:pt x="894825" y="167658"/>
-                  <a:pt x="1377193" y="1774150"/>
-                  <a:pt x="1946246" y="2208980"/>
-                </a:cubicBezTo>
-                <a:cubicBezTo>
-                  <a:pt x="2515299" y="2643810"/>
-                  <a:pt x="3250035" y="2636120"/>
-                  <a:pt x="3984771" y="2628430"/>
-                </a:cubicBezTo>
-              </a:path>
-            </a:pathLst>
-          </a:custGeom>
-          <a:noFill/>
-          <a:ln w="57150">
-            <a:solidFill>
-              <a:srgbClr val="228B22"/>
-            </a:solidFill>
-          </a:ln>
-        </p:spPr>
-        <p:style>
-          <a:lnRef idx="2">
-            <a:schemeClr val="accent1">
-              <a:shade val="50000"/>
-            </a:schemeClr>
-          </a:lnRef>
-          <a:fillRef idx="1">
-            <a:schemeClr val="accent1"/>
-          </a:fillRef>
-          <a:effectRef idx="0">
-            <a:schemeClr val="accent1"/>
-          </a:effectRef>
-          <a:fontRef idx="minor">
-            <a:schemeClr val="lt1"/>
-          </a:fontRef>
-        </p:style>
-        <p:txBody>
-          <a:bodyPr rtlCol="0" anchor="ctr"/>
-          <a:lstStyle/>
-          <a:p>
-            <a:pPr algn="ctr"/>
-            <a:endParaRPr lang="fr-FR"/>
-          </a:p>
-        </p:txBody>
-      </p:sp>
-      <p:cxnSp>
-        <p:nvCxnSpPr>
-          <p:cNvPr id="48" name="Connecteur droit 47">
-            <a:extLst>
-              <a:ext uri="{FF2B5EF4-FFF2-40B4-BE49-F238E27FC236}">
-                <a16:creationId xmlns:a16="http://schemas.microsoft.com/office/drawing/2014/main" id="{3A74AF4B-8E9D-4D31-9309-2D6CAF0815EC}"/>
-              </a:ext>
-            </a:extLst>
-          </p:cNvPr>
-          <p:cNvCxnSpPr>
-            <a:cxnSpLocks/>
-          </p:cNvCxnSpPr>
-          <p:nvPr/>
-        </p:nvCxnSpPr>
-        <p:spPr>
-          <a:xfrm>
-            <a:off x="9119430" y="1461966"/>
-            <a:ext cx="0" cy="790662"/>
-          </a:xfrm>
-          <a:prstGeom prst="line">
-            <a:avLst/>
-          </a:prstGeom>
-          <a:ln w="57150">
-            <a:solidFill>
-              <a:schemeClr val="tx1"/>
-            </a:solidFill>
-          </a:ln>
-        </p:spPr>
-        <p:style>
-          <a:lnRef idx="1">
-            <a:schemeClr val="accent1"/>
-          </a:lnRef>
-          <a:fillRef idx="0">
-            <a:schemeClr val="accent1"/>
-          </a:fillRef>
-          <a:effectRef idx="0">
-            <a:schemeClr val="accent1"/>
-          </a:effectRef>
-          <a:fontRef idx="minor">
-            <a:schemeClr val="tx1"/>
-          </a:fontRef>
-        </p:style>
-      </p:cxnSp>
-      <p:cxnSp>
-        <p:nvCxnSpPr>
-          <p:cNvPr id="49" name="Connecteur droit 48">
-            <a:extLst>
-              <a:ext uri="{FF2B5EF4-FFF2-40B4-BE49-F238E27FC236}">
-                <a16:creationId xmlns:a16="http://schemas.microsoft.com/office/drawing/2014/main" id="{8667C3A3-364C-4D68-A9D1-16E9FD5D3DD6}"/>
-              </a:ext>
-            </a:extLst>
-          </p:cNvPr>
-          <p:cNvCxnSpPr>
-            <a:cxnSpLocks/>
-          </p:cNvCxnSpPr>
-          <p:nvPr/>
-        </p:nvCxnSpPr>
-        <p:spPr>
-          <a:xfrm flipH="1" flipV="1">
-            <a:off x="9102653" y="2237248"/>
-            <a:ext cx="1426127" cy="15380"/>
-          </a:xfrm>
-          <a:prstGeom prst="line">
-            <a:avLst/>
-          </a:prstGeom>
-          <a:ln w="57150">
-            <a:solidFill>
-              <a:schemeClr val="tx1"/>
-            </a:solidFill>
-          </a:ln>
-        </p:spPr>
-        <p:style>
-          <a:lnRef idx="1">
-            <a:schemeClr val="accent1"/>
-          </a:lnRef>
-          <a:fillRef idx="0">
-            <a:schemeClr val="accent1"/>
-          </a:fillRef>
-          <a:effectRef idx="0">
-            <a:schemeClr val="accent1"/>
-          </a:effectRef>
-          <a:fontRef idx="minor">
-            <a:schemeClr val="tx1"/>
-          </a:fontRef>
-        </p:style>
-      </p:cxnSp>
-      <p:sp>
-        <p:nvSpPr>
-          <p:cNvPr id="50" name="Forme libre : forme 49">
-            <a:extLst>
-              <a:ext uri="{FF2B5EF4-FFF2-40B4-BE49-F238E27FC236}">
-                <a16:creationId xmlns:a16="http://schemas.microsoft.com/office/drawing/2014/main" id="{7E470D70-1990-4C16-B6D3-408DAC6ED3E1}"/>
-              </a:ext>
-            </a:extLst>
-          </p:cNvPr>
-          <p:cNvSpPr/>
-          <p:nvPr/>
-        </p:nvSpPr>
-        <p:spPr>
-          <a:xfrm>
-            <a:off x="9259913" y="1618478"/>
-            <a:ext cx="1157680" cy="474607"/>
-          </a:xfrm>
-          <a:custGeom>
-            <a:avLst/>
-            <a:gdLst>
-              <a:gd name="connsiteX0" fmla="*/ 0 w 3984771"/>
-              <a:gd name="connsiteY0" fmla="*/ 1319747 h 2630457"/>
-              <a:gd name="connsiteX1" fmla="*/ 570451 w 3984771"/>
-              <a:gd name="connsiteY1" fmla="*/ 19453 h 2630457"/>
-              <a:gd name="connsiteX2" fmla="*/ 1946246 w 3984771"/>
-              <a:gd name="connsiteY2" fmla="*/ 2208980 h 2630457"/>
-              <a:gd name="connsiteX3" fmla="*/ 3984771 w 3984771"/>
-              <a:gd name="connsiteY3" fmla="*/ 2628430 h 2630457"/>
-            </a:gdLst>
-            <a:ahLst/>
-            <a:cxnLst>
-              <a:cxn ang="0">
-                <a:pos x="connsiteX0" y="connsiteY0"/>
-              </a:cxn>
-              <a:cxn ang="0">
-                <a:pos x="connsiteX1" y="connsiteY1"/>
-              </a:cxn>
-              <a:cxn ang="0">
-                <a:pos x="connsiteX2" y="connsiteY2"/>
-              </a:cxn>
-              <a:cxn ang="0">
-                <a:pos x="connsiteX3" y="connsiteY3"/>
-              </a:cxn>
-            </a:cxnLst>
-            <a:rect l="l" t="t" r="r" b="b"/>
-            <a:pathLst>
-              <a:path w="3984771" h="2630457">
-                <a:moveTo>
-                  <a:pt x="0" y="1319747"/>
-                </a:moveTo>
-                <a:cubicBezTo>
-                  <a:pt x="123038" y="595497"/>
-                  <a:pt x="246077" y="-128752"/>
-                  <a:pt x="570451" y="19453"/>
-                </a:cubicBezTo>
-                <a:cubicBezTo>
-                  <a:pt x="894825" y="167658"/>
-                  <a:pt x="1377193" y="1774150"/>
-                  <a:pt x="1946246" y="2208980"/>
-                </a:cubicBezTo>
-                <a:cubicBezTo>
-                  <a:pt x="2515299" y="2643810"/>
-                  <a:pt x="3250035" y="2636120"/>
-                  <a:pt x="3984771" y="2628430"/>
-                </a:cubicBezTo>
-              </a:path>
-            </a:pathLst>
-          </a:custGeom>
-          <a:noFill/>
-          <a:ln w="57150">
-            <a:solidFill>
-              <a:srgbClr val="0000FF"/>
-            </a:solidFill>
-          </a:ln>
-        </p:spPr>
-        <p:style>
-          <a:lnRef idx="2">
-            <a:schemeClr val="accent1">
-              <a:shade val="50000"/>
-            </a:schemeClr>
-          </a:lnRef>
-          <a:fillRef idx="1">
-            <a:schemeClr val="accent1"/>
-          </a:fillRef>
-          <a:effectRef idx="0">
-            <a:schemeClr val="accent1"/>
-          </a:effectRef>
-          <a:fontRef idx="minor">
-            <a:schemeClr val="lt1"/>
-          </a:fontRef>
-        </p:style>
-        <p:txBody>
-          <a:bodyPr rtlCol="0" anchor="ctr"/>
-          <a:lstStyle/>
-          <a:p>
-            <a:pPr algn="ctr"/>
-            <a:endParaRPr lang="fr-FR"/>
-          </a:p>
-        </p:txBody>
-      </p:sp>
-      <p:cxnSp>
-        <p:nvCxnSpPr>
-          <p:cNvPr id="51" name="Connecteur droit 50">
-            <a:extLst>
-              <a:ext uri="{FF2B5EF4-FFF2-40B4-BE49-F238E27FC236}">
-                <a16:creationId xmlns:a16="http://schemas.microsoft.com/office/drawing/2014/main" id="{460BC4F8-AB62-4173-835B-27413DF44301}"/>
-              </a:ext>
-            </a:extLst>
-          </p:cNvPr>
-          <p:cNvCxnSpPr>
-            <a:cxnSpLocks/>
-          </p:cNvCxnSpPr>
-          <p:nvPr/>
-        </p:nvCxnSpPr>
-        <p:spPr>
-          <a:xfrm>
-            <a:off x="7314398" y="2524333"/>
-            <a:ext cx="0" cy="790662"/>
-          </a:xfrm>
-          <a:prstGeom prst="line">
-            <a:avLst/>
-          </a:prstGeom>
-          <a:ln w="57150">
-            <a:solidFill>
-              <a:schemeClr val="tx1"/>
-            </a:solidFill>
-          </a:ln>
-        </p:spPr>
-        <p:style>
-          <a:lnRef idx="1">
-            <a:schemeClr val="accent1"/>
-          </a:lnRef>
-          <a:fillRef idx="0">
-            <a:schemeClr val="accent1"/>
-          </a:fillRef>
-          <a:effectRef idx="0">
-            <a:schemeClr val="accent1"/>
-          </a:effectRef>
-          <a:fontRef idx="minor">
-            <a:schemeClr val="tx1"/>
-          </a:fontRef>
-        </p:style>
-      </p:cxnSp>
-      <p:cxnSp>
-        <p:nvCxnSpPr>
-          <p:cNvPr id="52" name="Connecteur droit 51">
-            <a:extLst>
-              <a:ext uri="{FF2B5EF4-FFF2-40B4-BE49-F238E27FC236}">
-                <a16:creationId xmlns:a16="http://schemas.microsoft.com/office/drawing/2014/main" id="{B486EEB7-D60F-4D14-8781-D2FE3BD75B07}"/>
-              </a:ext>
-            </a:extLst>
-          </p:cNvPr>
-          <p:cNvCxnSpPr>
-            <a:cxnSpLocks/>
-          </p:cNvCxnSpPr>
-          <p:nvPr/>
-        </p:nvCxnSpPr>
-        <p:spPr>
-          <a:xfrm flipH="1" flipV="1">
-            <a:off x="7297621" y="3299615"/>
-            <a:ext cx="1426127" cy="15380"/>
-          </a:xfrm>
-          <a:prstGeom prst="line">
-            <a:avLst/>
-          </a:prstGeom>
-          <a:ln w="57150">
-            <a:solidFill>
-              <a:schemeClr val="tx1"/>
-            </a:solidFill>
-          </a:ln>
-        </p:spPr>
-        <p:style>
-          <a:lnRef idx="1">
-            <a:schemeClr val="accent1"/>
-          </a:lnRef>
-          <a:fillRef idx="0">
-            <a:schemeClr val="accent1"/>
-          </a:fillRef>
-          <a:effectRef idx="0">
-            <a:schemeClr val="accent1"/>
-          </a:effectRef>
-          <a:fontRef idx="minor">
-            <a:schemeClr val="tx1"/>
-          </a:fontRef>
-        </p:style>
-      </p:cxnSp>
-      <p:sp>
-        <p:nvSpPr>
-          <p:cNvPr id="53" name="Forme libre : forme 52">
-            <a:extLst>
-              <a:ext uri="{FF2B5EF4-FFF2-40B4-BE49-F238E27FC236}">
-                <a16:creationId xmlns:a16="http://schemas.microsoft.com/office/drawing/2014/main" id="{D5FF1804-7444-47DB-B728-C1EFD4530778}"/>
-              </a:ext>
-            </a:extLst>
-          </p:cNvPr>
-          <p:cNvSpPr/>
-          <p:nvPr/>
-        </p:nvSpPr>
-        <p:spPr>
-          <a:xfrm>
-            <a:off x="7454881" y="2680845"/>
-            <a:ext cx="1157680" cy="474607"/>
-          </a:xfrm>
-          <a:custGeom>
-            <a:avLst/>
-            <a:gdLst>
-              <a:gd name="connsiteX0" fmla="*/ 0 w 3984771"/>
-              <a:gd name="connsiteY0" fmla="*/ 1319747 h 2630457"/>
-              <a:gd name="connsiteX1" fmla="*/ 570451 w 3984771"/>
-              <a:gd name="connsiteY1" fmla="*/ 19453 h 2630457"/>
-              <a:gd name="connsiteX2" fmla="*/ 1946246 w 3984771"/>
-              <a:gd name="connsiteY2" fmla="*/ 2208980 h 2630457"/>
-              <a:gd name="connsiteX3" fmla="*/ 3984771 w 3984771"/>
-              <a:gd name="connsiteY3" fmla="*/ 2628430 h 2630457"/>
-            </a:gdLst>
-            <a:ahLst/>
-            <a:cxnLst>
-              <a:cxn ang="0">
-                <a:pos x="connsiteX0" y="connsiteY0"/>
-              </a:cxn>
-              <a:cxn ang="0">
-                <a:pos x="connsiteX1" y="connsiteY1"/>
-              </a:cxn>
-              <a:cxn ang="0">
-                <a:pos x="connsiteX2" y="connsiteY2"/>
-              </a:cxn>
-              <a:cxn ang="0">
-                <a:pos x="connsiteX3" y="connsiteY3"/>
-              </a:cxn>
-            </a:cxnLst>
-            <a:rect l="l" t="t" r="r" b="b"/>
-            <a:pathLst>
-              <a:path w="3984771" h="2630457">
-                <a:moveTo>
-                  <a:pt x="0" y="1319747"/>
-                </a:moveTo>
-                <a:cubicBezTo>
-                  <a:pt x="123038" y="595497"/>
-                  <a:pt x="246077" y="-128752"/>
-                  <a:pt x="570451" y="19453"/>
-                </a:cubicBezTo>
-                <a:cubicBezTo>
-                  <a:pt x="894825" y="167658"/>
-                  <a:pt x="1377193" y="1774150"/>
-                  <a:pt x="1946246" y="2208980"/>
-                </a:cubicBezTo>
-                <a:cubicBezTo>
-                  <a:pt x="2515299" y="2643810"/>
-                  <a:pt x="3250035" y="2636120"/>
-                  <a:pt x="3984771" y="2628430"/>
-                </a:cubicBezTo>
-              </a:path>
-            </a:pathLst>
-          </a:custGeom>
-          <a:noFill/>
-          <a:ln w="57150">
-            <a:solidFill>
-              <a:srgbClr val="FF1493"/>
-            </a:solidFill>
-          </a:ln>
-        </p:spPr>
-        <p:style>
-          <a:lnRef idx="2">
-            <a:schemeClr val="accent1">
-              <a:shade val="50000"/>
-            </a:schemeClr>
-          </a:lnRef>
-          <a:fillRef idx="1">
-            <a:schemeClr val="accent1"/>
-          </a:fillRef>
-          <a:effectRef idx="0">
-            <a:schemeClr val="accent1"/>
-          </a:effectRef>
-          <a:fontRef idx="minor">
-            <a:schemeClr val="lt1"/>
-          </a:fontRef>
-        </p:style>
-        <p:txBody>
-          <a:bodyPr rtlCol="0" anchor="ctr"/>
-          <a:lstStyle/>
-          <a:p>
-            <a:pPr algn="ctr"/>
-            <a:endParaRPr lang="fr-FR"/>
-          </a:p>
-        </p:txBody>
-      </p:sp>
-      <p:cxnSp>
-        <p:nvCxnSpPr>
-          <p:cNvPr id="54" name="Connecteur droit 53">
-            <a:extLst>
-              <a:ext uri="{FF2B5EF4-FFF2-40B4-BE49-F238E27FC236}">
-                <a16:creationId xmlns:a16="http://schemas.microsoft.com/office/drawing/2014/main" id="{80AABC41-0E5E-494E-8539-F021DF24614E}"/>
-              </a:ext>
-            </a:extLst>
-          </p:cNvPr>
-          <p:cNvCxnSpPr>
-            <a:cxnSpLocks/>
-          </p:cNvCxnSpPr>
-          <p:nvPr/>
-        </p:nvCxnSpPr>
-        <p:spPr>
-          <a:xfrm>
-            <a:off x="9234754" y="2590338"/>
-            <a:ext cx="0" cy="790662"/>
-          </a:xfrm>
-          <a:prstGeom prst="line">
-            <a:avLst/>
-          </a:prstGeom>
-          <a:ln w="57150">
-            <a:solidFill>
-              <a:schemeClr val="tx1"/>
-            </a:solidFill>
-          </a:ln>
-        </p:spPr>
-        <p:style>
-          <a:lnRef idx="1">
-            <a:schemeClr val="accent1"/>
-          </a:lnRef>
-          <a:fillRef idx="0">
-            <a:schemeClr val="accent1"/>
-          </a:fillRef>
-          <a:effectRef idx="0">
-            <a:schemeClr val="accent1"/>
-          </a:effectRef>
-          <a:fontRef idx="minor">
-            <a:schemeClr val="tx1"/>
-          </a:fontRef>
-        </p:style>
-      </p:cxnSp>
-      <p:cxnSp>
-        <p:nvCxnSpPr>
-          <p:cNvPr id="55" name="Connecteur droit 54">
-            <a:extLst>
-              <a:ext uri="{FF2B5EF4-FFF2-40B4-BE49-F238E27FC236}">
-                <a16:creationId xmlns:a16="http://schemas.microsoft.com/office/drawing/2014/main" id="{251C0219-D8B9-4228-B006-F9D73D1ECCF0}"/>
-              </a:ext>
-            </a:extLst>
-          </p:cNvPr>
-          <p:cNvCxnSpPr>
-            <a:cxnSpLocks/>
-          </p:cNvCxnSpPr>
-          <p:nvPr/>
-        </p:nvCxnSpPr>
-        <p:spPr>
-          <a:xfrm flipH="1" flipV="1">
-            <a:off x="9217977" y="3365620"/>
-            <a:ext cx="1426127" cy="15380"/>
-          </a:xfrm>
-          <a:prstGeom prst="line">
-            <a:avLst/>
-          </a:prstGeom>
-          <a:ln w="57150">
-            <a:solidFill>
-              <a:schemeClr val="tx1"/>
-            </a:solidFill>
-          </a:ln>
-        </p:spPr>
-        <p:style>
-          <a:lnRef idx="1">
-            <a:schemeClr val="accent1"/>
-          </a:lnRef>
-          <a:fillRef idx="0">
-            <a:schemeClr val="accent1"/>
-          </a:fillRef>
-          <a:effectRef idx="0">
-            <a:schemeClr val="accent1"/>
-          </a:effectRef>
-          <a:fontRef idx="minor">
-            <a:schemeClr val="tx1"/>
-          </a:fontRef>
-        </p:style>
-      </p:cxnSp>
-      <p:sp>
-        <p:nvSpPr>
-          <p:cNvPr id="56" name="Forme libre : forme 55">
-            <a:extLst>
-              <a:ext uri="{FF2B5EF4-FFF2-40B4-BE49-F238E27FC236}">
-                <a16:creationId xmlns:a16="http://schemas.microsoft.com/office/drawing/2014/main" id="{E8FC24AC-2F5B-4078-8862-632A88939187}"/>
-              </a:ext>
-            </a:extLst>
-          </p:cNvPr>
-          <p:cNvSpPr/>
-          <p:nvPr/>
-        </p:nvSpPr>
-        <p:spPr>
-          <a:xfrm>
-            <a:off x="9375237" y="2746850"/>
-            <a:ext cx="1157680" cy="474607"/>
-          </a:xfrm>
-          <a:custGeom>
-            <a:avLst/>
-            <a:gdLst>
-              <a:gd name="connsiteX0" fmla="*/ 0 w 3984771"/>
-              <a:gd name="connsiteY0" fmla="*/ 1319747 h 2630457"/>
-              <a:gd name="connsiteX1" fmla="*/ 570451 w 3984771"/>
-              <a:gd name="connsiteY1" fmla="*/ 19453 h 2630457"/>
-              <a:gd name="connsiteX2" fmla="*/ 1946246 w 3984771"/>
-              <a:gd name="connsiteY2" fmla="*/ 2208980 h 2630457"/>
-              <a:gd name="connsiteX3" fmla="*/ 3984771 w 3984771"/>
-              <a:gd name="connsiteY3" fmla="*/ 2628430 h 2630457"/>
-            </a:gdLst>
-            <a:ahLst/>
-            <a:cxnLst>
-              <a:cxn ang="0">
-                <a:pos x="connsiteX0" y="connsiteY0"/>
-              </a:cxn>
-              <a:cxn ang="0">
-                <a:pos x="connsiteX1" y="connsiteY1"/>
-              </a:cxn>
-              <a:cxn ang="0">
-                <a:pos x="connsiteX2" y="connsiteY2"/>
-              </a:cxn>
-              <a:cxn ang="0">
-                <a:pos x="connsiteX3" y="connsiteY3"/>
-              </a:cxn>
-            </a:cxnLst>
-            <a:rect l="l" t="t" r="r" b="b"/>
-            <a:pathLst>
-              <a:path w="3984771" h="2630457">
-                <a:moveTo>
-                  <a:pt x="0" y="1319747"/>
-                </a:moveTo>
-                <a:cubicBezTo>
-                  <a:pt x="123038" y="595497"/>
-                  <a:pt x="246077" y="-128752"/>
-                  <a:pt x="570451" y="19453"/>
-                </a:cubicBezTo>
-                <a:cubicBezTo>
-                  <a:pt x="894825" y="167658"/>
-                  <a:pt x="1377193" y="1774150"/>
-                  <a:pt x="1946246" y="2208980"/>
-                </a:cubicBezTo>
-                <a:cubicBezTo>
-                  <a:pt x="2515299" y="2643810"/>
-                  <a:pt x="3250035" y="2636120"/>
-                  <a:pt x="3984771" y="2628430"/>
-                </a:cubicBezTo>
-              </a:path>
-            </a:pathLst>
-          </a:custGeom>
-          <a:noFill/>
-          <a:ln w="57150">
-            <a:solidFill>
-              <a:srgbClr val="AB5CF2"/>
-            </a:solidFill>
-          </a:ln>
-        </p:spPr>
-        <p:style>
-          <a:lnRef idx="2">
-            <a:schemeClr val="accent1">
-              <a:shade val="50000"/>
-            </a:schemeClr>
-          </a:lnRef>
-          <a:fillRef idx="1">
-            <a:schemeClr val="accent1"/>
-          </a:fillRef>
-          <a:effectRef idx="0">
-            <a:schemeClr val="accent1"/>
-          </a:effectRef>
-          <a:fontRef idx="minor">
-            <a:schemeClr val="lt1"/>
-          </a:fontRef>
-        </p:style>
-        <p:txBody>
-          <a:bodyPr rtlCol="0" anchor="ctr"/>
-          <a:lstStyle/>
-          <a:p>
-            <a:pPr algn="ctr"/>
-            <a:endParaRPr lang="fr-FR"/>
-          </a:p>
-        </p:txBody>
-      </p:sp>
-      <p:cxnSp>
-        <p:nvCxnSpPr>
-          <p:cNvPr id="57" name="Connecteur droit 56">
-            <a:extLst>
-              <a:ext uri="{FF2B5EF4-FFF2-40B4-BE49-F238E27FC236}">
-                <a16:creationId xmlns:a16="http://schemas.microsoft.com/office/drawing/2014/main" id="{DB635A92-A3B2-4785-833A-99CA389393B4}"/>
-              </a:ext>
-            </a:extLst>
-          </p:cNvPr>
-          <p:cNvCxnSpPr>
-            <a:cxnSpLocks/>
-          </p:cNvCxnSpPr>
-          <p:nvPr/>
-        </p:nvCxnSpPr>
-        <p:spPr>
-          <a:xfrm>
-            <a:off x="9276690" y="3548841"/>
-            <a:ext cx="0" cy="790662"/>
-          </a:xfrm>
-          <a:prstGeom prst="line">
-            <a:avLst/>
-          </a:prstGeom>
-          <a:ln w="57150">
-            <a:solidFill>
-              <a:schemeClr val="tx1"/>
-            </a:solidFill>
-          </a:ln>
-        </p:spPr>
-        <p:style>
-          <a:lnRef idx="1">
-            <a:schemeClr val="accent1"/>
-          </a:lnRef>
-          <a:fillRef idx="0">
-            <a:schemeClr val="accent1"/>
-          </a:fillRef>
-          <a:effectRef idx="0">
-            <a:schemeClr val="accent1"/>
-          </a:effectRef>
-          <a:fontRef idx="minor">
-            <a:schemeClr val="tx1"/>
-          </a:fontRef>
-        </p:style>
-      </p:cxnSp>
-      <p:cxnSp>
-        <p:nvCxnSpPr>
-          <p:cNvPr id="58" name="Connecteur droit 57">
-            <a:extLst>
-              <a:ext uri="{FF2B5EF4-FFF2-40B4-BE49-F238E27FC236}">
-                <a16:creationId xmlns:a16="http://schemas.microsoft.com/office/drawing/2014/main" id="{068D1553-F1C4-4241-B6C6-27A6A1A66469}"/>
-              </a:ext>
-            </a:extLst>
-          </p:cNvPr>
-          <p:cNvCxnSpPr>
-            <a:cxnSpLocks/>
-          </p:cNvCxnSpPr>
-          <p:nvPr/>
-        </p:nvCxnSpPr>
-        <p:spPr>
-          <a:xfrm flipH="1" flipV="1">
-            <a:off x="9259913" y="4324123"/>
-            <a:ext cx="1426127" cy="15380"/>
-          </a:xfrm>
-          <a:prstGeom prst="line">
-            <a:avLst/>
-          </a:prstGeom>
-          <a:ln w="57150">
-            <a:solidFill>
-              <a:schemeClr val="tx1"/>
-            </a:solidFill>
-          </a:ln>
-        </p:spPr>
-        <p:style>
-          <a:lnRef idx="1">
-            <a:schemeClr val="accent1"/>
-          </a:lnRef>
-          <a:fillRef idx="0">
-            <a:schemeClr val="accent1"/>
-          </a:fillRef>
-          <a:effectRef idx="0">
-            <a:schemeClr val="accent1"/>
-          </a:effectRef>
-          <a:fontRef idx="minor">
-            <a:schemeClr val="tx1"/>
-          </a:fontRef>
-        </p:style>
-      </p:cxnSp>
-      <p:sp>
-        <p:nvSpPr>
-          <p:cNvPr id="59" name="Forme libre : forme 58">
-            <a:extLst>
-              <a:ext uri="{FF2B5EF4-FFF2-40B4-BE49-F238E27FC236}">
-                <a16:creationId xmlns:a16="http://schemas.microsoft.com/office/drawing/2014/main" id="{26DFFD86-A647-459C-BCD2-86592FD090BC}"/>
-              </a:ext>
-            </a:extLst>
-          </p:cNvPr>
-          <p:cNvSpPr/>
-          <p:nvPr/>
-        </p:nvSpPr>
-        <p:spPr>
-          <a:xfrm>
-            <a:off x="9417173" y="3705353"/>
-            <a:ext cx="1157680" cy="474607"/>
-          </a:xfrm>
-          <a:custGeom>
-            <a:avLst/>
-            <a:gdLst>
-              <a:gd name="connsiteX0" fmla="*/ 0 w 3984771"/>
-              <a:gd name="connsiteY0" fmla="*/ 1319747 h 2630457"/>
-              <a:gd name="connsiteX1" fmla="*/ 570451 w 3984771"/>
-              <a:gd name="connsiteY1" fmla="*/ 19453 h 2630457"/>
-              <a:gd name="connsiteX2" fmla="*/ 1946246 w 3984771"/>
-              <a:gd name="connsiteY2" fmla="*/ 2208980 h 2630457"/>
-              <a:gd name="connsiteX3" fmla="*/ 3984771 w 3984771"/>
-              <a:gd name="connsiteY3" fmla="*/ 2628430 h 2630457"/>
-            </a:gdLst>
-            <a:ahLst/>
-            <a:cxnLst>
-              <a:cxn ang="0">
-                <a:pos x="connsiteX0" y="connsiteY0"/>
-              </a:cxn>
-              <a:cxn ang="0">
-                <a:pos x="connsiteX1" y="connsiteY1"/>
-              </a:cxn>
-              <a:cxn ang="0">
-                <a:pos x="connsiteX2" y="connsiteY2"/>
-              </a:cxn>
-              <a:cxn ang="0">
-                <a:pos x="connsiteX3" y="connsiteY3"/>
-              </a:cxn>
-            </a:cxnLst>
-            <a:rect l="l" t="t" r="r" b="b"/>
-            <a:pathLst>
-              <a:path w="3984771" h="2630457">
-                <a:moveTo>
-                  <a:pt x="0" y="1319747"/>
-                </a:moveTo>
-                <a:cubicBezTo>
-                  <a:pt x="123038" y="595497"/>
-                  <a:pt x="246077" y="-128752"/>
-                  <a:pt x="570451" y="19453"/>
-                </a:cubicBezTo>
-                <a:cubicBezTo>
-                  <a:pt x="894825" y="167658"/>
-                  <a:pt x="1377193" y="1774150"/>
-                  <a:pt x="1946246" y="2208980"/>
-                </a:cubicBezTo>
-                <a:cubicBezTo>
-                  <a:pt x="2515299" y="2643810"/>
-                  <a:pt x="3250035" y="2636120"/>
-                  <a:pt x="3984771" y="2628430"/>
-                </a:cubicBezTo>
-              </a:path>
-            </a:pathLst>
-          </a:custGeom>
-          <a:noFill/>
-          <a:ln w="57150">
-            <a:solidFill>
-              <a:srgbClr val="FF0000"/>
-            </a:solidFill>
-          </a:ln>
-        </p:spPr>
-        <p:style>
-          <a:lnRef idx="2">
-            <a:schemeClr val="accent1">
-              <a:shade val="50000"/>
-            </a:schemeClr>
-          </a:lnRef>
-          <a:fillRef idx="1">
-            <a:schemeClr val="accent1"/>
-          </a:fillRef>
-          <a:effectRef idx="0">
-            <a:schemeClr val="accent1"/>
-          </a:effectRef>
-          <a:fontRef idx="minor">
-            <a:schemeClr val="lt1"/>
-          </a:fontRef>
-        </p:style>
-        <p:txBody>
-          <a:bodyPr rtlCol="0" anchor="ctr"/>
-          <a:lstStyle/>
-          <a:p>
-            <a:pPr algn="ctr"/>
-            <a:endParaRPr lang="fr-FR"/>
-          </a:p>
-        </p:txBody>
-      </p:sp>
-      <p:sp>
-        <p:nvSpPr>
-          <p:cNvPr id="60" name="ZoneTexte 59">
-            <a:extLst>
-              <a:ext uri="{FF2B5EF4-FFF2-40B4-BE49-F238E27FC236}">
-                <a16:creationId xmlns:a16="http://schemas.microsoft.com/office/drawing/2014/main" id="{84374862-B451-420B-A997-3F25BEDC89CC}"/>
-              </a:ext>
-            </a:extLst>
-          </p:cNvPr>
-          <p:cNvSpPr txBox="1"/>
-          <p:nvPr/>
-        </p:nvSpPr>
-        <p:spPr>
-          <a:xfrm>
-            <a:off x="8113192" y="3534440"/>
-            <a:ext cx="1059906" cy="954107"/>
-          </a:xfrm>
-          <a:prstGeom prst="rect">
-            <a:avLst/>
-          </a:prstGeom>
-          <a:noFill/>
-        </p:spPr>
-        <p:txBody>
-          <a:bodyPr wrap="none" rtlCol="0">
-            <a:spAutoFit/>
-          </a:bodyPr>
-          <a:lstStyle/>
-          <a:p>
-            <a:r>
-              <a:rPr lang="fr-FR" sz="1400" b="1">
-                <a:solidFill>
-                  <a:srgbClr val="0000FF"/>
-                </a:solidFill>
-              </a:rPr>
-              <a:t>Sodium</a:t>
-            </a:r>
-          </a:p>
-          <a:p>
-            <a:r>
-              <a:rPr lang="fr-FR" sz="1400" b="1">
-                <a:solidFill>
-                  <a:srgbClr val="AB5CF2"/>
-                </a:solidFill>
-              </a:rPr>
-              <a:t>Magnésium</a:t>
-            </a:r>
-          </a:p>
-          <a:p>
-            <a:r>
-              <a:rPr lang="fr-FR" sz="1400" b="1">
-                <a:solidFill>
-                  <a:srgbClr val="FF1493"/>
-                </a:solidFill>
-              </a:rPr>
-              <a:t>Potassium</a:t>
-            </a:r>
-          </a:p>
-          <a:p>
-            <a:r>
-              <a:rPr lang="fr-FR" sz="1400" b="1">
-                <a:solidFill>
-                  <a:srgbClr val="FF3636"/>
-                </a:solidFill>
-              </a:rPr>
-              <a:t>Calcium</a:t>
-            </a:r>
-          </a:p>
-        </p:txBody>
-      </p:sp>
-      <p:sp>
-        <p:nvSpPr>
-          <p:cNvPr id="61" name="ZoneTexte 60">
-            <a:extLst>
-              <a:ext uri="{FF2B5EF4-FFF2-40B4-BE49-F238E27FC236}">
-                <a16:creationId xmlns:a16="http://schemas.microsoft.com/office/drawing/2014/main" id="{942452D4-680B-472B-9F7B-AF869D697FA6}"/>
-              </a:ext>
-            </a:extLst>
-          </p:cNvPr>
-          <p:cNvSpPr txBox="1"/>
-          <p:nvPr/>
-        </p:nvSpPr>
-        <p:spPr>
-          <a:xfrm>
-            <a:off x="7096137" y="1028243"/>
-            <a:ext cx="364202" cy="369332"/>
-          </a:xfrm>
-          <a:prstGeom prst="rect">
-            <a:avLst/>
-          </a:prstGeom>
-          <a:noFill/>
-        </p:spPr>
-        <p:txBody>
-          <a:bodyPr wrap="none" rtlCol="0">
-            <a:spAutoFit/>
-          </a:bodyPr>
-          <a:lstStyle/>
-          <a:p>
-            <a:r>
-              <a:rPr lang="fr-FR"/>
-              <a:t>b.</a:t>
-            </a:r>
-          </a:p>
-        </p:txBody>
-      </p:sp>
-      <p:sp>
-        <p:nvSpPr>
-          <p:cNvPr id="62" name="ZoneTexte 61">
-            <a:extLst>
-              <a:ext uri="{FF2B5EF4-FFF2-40B4-BE49-F238E27FC236}">
-                <a16:creationId xmlns:a16="http://schemas.microsoft.com/office/drawing/2014/main" id="{CFC10B62-260D-4DDE-8D75-85E29104B4DD}"/>
-              </a:ext>
-            </a:extLst>
-          </p:cNvPr>
-          <p:cNvSpPr txBox="1"/>
-          <p:nvPr/>
-        </p:nvSpPr>
-        <p:spPr>
-          <a:xfrm>
-            <a:off x="8859515" y="967744"/>
-            <a:ext cx="340158" cy="369332"/>
-          </a:xfrm>
-          <a:prstGeom prst="rect">
-            <a:avLst/>
-          </a:prstGeom>
-          <a:noFill/>
-        </p:spPr>
-        <p:txBody>
-          <a:bodyPr wrap="none" rtlCol="0">
-            <a:spAutoFit/>
-          </a:bodyPr>
-          <a:lstStyle/>
-          <a:p>
-            <a:r>
-              <a:rPr lang="fr-FR"/>
-              <a:t>c.</a:t>
-            </a:r>
-          </a:p>
-        </p:txBody>
-      </p:sp>
-      <p:sp>
-        <p:nvSpPr>
-          <p:cNvPr id="63" name="ZoneTexte 62">
-            <a:extLst>
-              <a:ext uri="{FF2B5EF4-FFF2-40B4-BE49-F238E27FC236}">
-                <a16:creationId xmlns:a16="http://schemas.microsoft.com/office/drawing/2014/main" id="{CF8C648C-3F17-4067-9747-D39C8A8E2D93}"/>
-              </a:ext>
-            </a:extLst>
-          </p:cNvPr>
-          <p:cNvSpPr txBox="1"/>
-          <p:nvPr/>
-        </p:nvSpPr>
-        <p:spPr>
-          <a:xfrm>
-            <a:off x="7027011" y="2219815"/>
-            <a:ext cx="364202" cy="369332"/>
-          </a:xfrm>
-          <a:prstGeom prst="rect">
-            <a:avLst/>
-          </a:prstGeom>
-          <a:noFill/>
-        </p:spPr>
-        <p:txBody>
-          <a:bodyPr wrap="none" rtlCol="0">
-            <a:spAutoFit/>
-          </a:bodyPr>
-          <a:lstStyle/>
-          <a:p>
-            <a:r>
-              <a:rPr lang="fr-FR"/>
-              <a:t>d.</a:t>
-            </a:r>
-          </a:p>
-        </p:txBody>
-      </p:sp>
-      <p:sp>
-        <p:nvSpPr>
-          <p:cNvPr id="64" name="ZoneTexte 63">
-            <a:extLst>
-              <a:ext uri="{FF2B5EF4-FFF2-40B4-BE49-F238E27FC236}">
-                <a16:creationId xmlns:a16="http://schemas.microsoft.com/office/drawing/2014/main" id="{474F827B-1E7C-4CBD-B160-EE56260A635A}"/>
-              </a:ext>
-            </a:extLst>
-          </p:cNvPr>
-          <p:cNvSpPr txBox="1"/>
-          <p:nvPr/>
-        </p:nvSpPr>
-        <p:spPr>
-          <a:xfrm>
-            <a:off x="8866494" y="2267206"/>
-            <a:ext cx="357790" cy="369332"/>
-          </a:xfrm>
-          <a:prstGeom prst="rect">
-            <a:avLst/>
-          </a:prstGeom>
-          <a:noFill/>
-        </p:spPr>
-        <p:txBody>
-          <a:bodyPr wrap="none" rtlCol="0">
-            <a:spAutoFit/>
-          </a:bodyPr>
-          <a:lstStyle/>
-          <a:p>
-            <a:r>
-              <a:rPr lang="fr-FR"/>
-              <a:t>e.</a:t>
-            </a:r>
-          </a:p>
-        </p:txBody>
-      </p:sp>
-      <p:sp>
-        <p:nvSpPr>
-          <p:cNvPr id="65" name="ZoneTexte 64">
-            <a:extLst>
-              <a:ext uri="{FF2B5EF4-FFF2-40B4-BE49-F238E27FC236}">
-                <a16:creationId xmlns:a16="http://schemas.microsoft.com/office/drawing/2014/main" id="{08EC950D-AD74-4E9A-9630-0E03F49F534A}"/>
-              </a:ext>
-            </a:extLst>
-          </p:cNvPr>
-          <p:cNvSpPr txBox="1"/>
-          <p:nvPr/>
-        </p:nvSpPr>
-        <p:spPr>
-          <a:xfrm>
-            <a:off x="8902123" y="3323560"/>
-            <a:ext cx="297582" cy="369332"/>
-          </a:xfrm>
-          <a:prstGeom prst="rect">
-            <a:avLst/>
-          </a:prstGeom>
-          <a:noFill/>
-        </p:spPr>
-        <p:txBody>
-          <a:bodyPr wrap="none" rtlCol="0">
-            <a:spAutoFit/>
-          </a:bodyPr>
-          <a:lstStyle/>
-          <a:p>
-            <a:r>
-              <a:rPr lang="fr-FR"/>
-              <a:t>f.</a:t>
-            </a:r>
-          </a:p>
-        </p:txBody>
-      </p:sp>
-      <p:cxnSp>
-        <p:nvCxnSpPr>
-          <p:cNvPr id="66" name="Connecteur droit 65">
-            <a:extLst>
-              <a:ext uri="{FF2B5EF4-FFF2-40B4-BE49-F238E27FC236}">
-                <a16:creationId xmlns:a16="http://schemas.microsoft.com/office/drawing/2014/main" id="{4470D837-7821-4C09-94F5-1EB65C221E3A}"/>
-              </a:ext>
-            </a:extLst>
-          </p:cNvPr>
-          <p:cNvCxnSpPr/>
-          <p:nvPr/>
-        </p:nvCxnSpPr>
-        <p:spPr>
-          <a:xfrm>
-            <a:off x="906012" y="1337076"/>
-            <a:ext cx="0" cy="2894201"/>
-          </a:xfrm>
-          <a:prstGeom prst="line">
-            <a:avLst/>
-          </a:prstGeom>
-          <a:ln w="57150">
-            <a:solidFill>
-              <a:schemeClr val="tx1"/>
-            </a:solidFill>
-          </a:ln>
-        </p:spPr>
-        <p:style>
-          <a:lnRef idx="1">
-            <a:schemeClr val="accent1"/>
-          </a:lnRef>
-          <a:fillRef idx="0">
-            <a:schemeClr val="accent1"/>
-          </a:fillRef>
-          <a:effectRef idx="0">
-            <a:schemeClr val="accent1"/>
-          </a:effectRef>
-          <a:fontRef idx="minor">
-            <a:schemeClr val="tx1"/>
-          </a:fontRef>
-        </p:style>
-      </p:cxnSp>
-    </p:spTree>
-    <p:extLst>
-      <p:ext uri="{BB962C8B-B14F-4D97-AF65-F5344CB8AC3E}">
-        <p14:creationId xmlns:p14="http://schemas.microsoft.com/office/powerpoint/2010/main" val="4232160399"/>
-      </p:ext>
-    </p:extLst>
-  </p:cSld>
-  <p:clrMapOvr>
-    <a:masterClrMapping/>
-  </p:clrMapOvr>
-</p:sld>
-</file>
-
-<file path=ppt/slides/slide4.xml><?xml version="1.0" encoding="utf-8"?>
-<p:sld xmlns:a="http://schemas.openxmlformats.org/drawingml/2006/main" xmlns:r="http://schemas.openxmlformats.org/officeDocument/2006/relationships" xmlns:p="http://schemas.openxmlformats.org/presentationml/2006/main">
-  <p:cSld>
-    <p:spTree>
-      <p:nvGrpSpPr>
-        <p:cNvPr id="1" name=""/>
-        <p:cNvGrpSpPr/>
-        <p:nvPr/>
-      </p:nvGrpSpPr>
-      <p:grpSpPr>
-        <a:xfrm>
-          <a:off x="0" y="0"/>
-          <a:ext cx="0" cy="0"/>
-          <a:chOff x="0" y="0"/>
-          <a:chExt cx="0" cy="0"/>
-        </a:xfrm>
-      </p:grpSpPr>
-      <p:cxnSp>
-        <p:nvCxnSpPr>
-          <p:cNvPr id="5" name="Connecteur droit 4">
-            <a:extLst>
-              <a:ext uri="{FF2B5EF4-FFF2-40B4-BE49-F238E27FC236}">
-                <a16:creationId xmlns:a16="http://schemas.microsoft.com/office/drawing/2014/main" id="{E52698D7-0DD6-4170-9E78-1F0357E00309}"/>
-              </a:ext>
-            </a:extLst>
-          </p:cNvPr>
-          <p:cNvCxnSpPr>
-            <a:cxnSpLocks/>
-          </p:cNvCxnSpPr>
-          <p:nvPr/>
-        </p:nvCxnSpPr>
-        <p:spPr>
-          <a:xfrm>
-            <a:off x="713065" y="1113639"/>
-            <a:ext cx="0" cy="790662"/>
-          </a:xfrm>
-          <a:prstGeom prst="line">
-            <a:avLst/>
-          </a:prstGeom>
-          <a:ln w="57150">
-            <a:solidFill>
-              <a:schemeClr val="tx1"/>
-            </a:solidFill>
-          </a:ln>
-        </p:spPr>
-        <p:style>
-          <a:lnRef idx="1">
-            <a:schemeClr val="accent1"/>
-          </a:lnRef>
-          <a:fillRef idx="0">
-            <a:schemeClr val="accent1"/>
-          </a:fillRef>
-          <a:effectRef idx="0">
-            <a:schemeClr val="accent1"/>
-          </a:effectRef>
-          <a:fontRef idx="minor">
-            <a:schemeClr val="tx1"/>
-          </a:fontRef>
-        </p:style>
-      </p:cxnSp>
-      <p:cxnSp>
-        <p:nvCxnSpPr>
-          <p:cNvPr id="6" name="Connecteur droit 5">
-            <a:extLst>
-              <a:ext uri="{FF2B5EF4-FFF2-40B4-BE49-F238E27FC236}">
-                <a16:creationId xmlns:a16="http://schemas.microsoft.com/office/drawing/2014/main" id="{C05C3AF0-027D-4403-8869-562199B4A526}"/>
-              </a:ext>
-            </a:extLst>
-          </p:cNvPr>
-          <p:cNvCxnSpPr>
-            <a:cxnSpLocks/>
-          </p:cNvCxnSpPr>
-          <p:nvPr/>
-        </p:nvCxnSpPr>
-        <p:spPr>
-          <a:xfrm flipH="1" flipV="1">
-            <a:off x="696288" y="1888921"/>
-            <a:ext cx="1426127" cy="15380"/>
-          </a:xfrm>
-          <a:prstGeom prst="line">
-            <a:avLst/>
-          </a:prstGeom>
-          <a:ln w="57150">
-            <a:solidFill>
-              <a:schemeClr val="tx1"/>
-            </a:solidFill>
-          </a:ln>
-        </p:spPr>
-        <p:style>
-          <a:lnRef idx="1">
-            <a:schemeClr val="accent1"/>
-          </a:lnRef>
-          <a:fillRef idx="0">
-            <a:schemeClr val="accent1"/>
-          </a:fillRef>
-          <a:effectRef idx="0">
-            <a:schemeClr val="accent1"/>
-          </a:effectRef>
-          <a:fontRef idx="minor">
-            <a:schemeClr val="tx1"/>
-          </a:fontRef>
-        </p:style>
-      </p:cxnSp>
-      <p:sp>
-        <p:nvSpPr>
-          <p:cNvPr id="9" name="ZoneTexte 8">
-            <a:extLst>
-              <a:ext uri="{FF2B5EF4-FFF2-40B4-BE49-F238E27FC236}">
-                <a16:creationId xmlns:a16="http://schemas.microsoft.com/office/drawing/2014/main" id="{5235BCAB-42CC-45D9-B07F-4756BAC70ED3}"/>
-              </a:ext>
-            </a:extLst>
-          </p:cNvPr>
-          <p:cNvSpPr txBox="1"/>
-          <p:nvPr/>
-        </p:nvSpPr>
-        <p:spPr>
-          <a:xfrm>
-            <a:off x="185536" y="422365"/>
-            <a:ext cx="3651384" cy="276999"/>
-          </a:xfrm>
-          <a:prstGeom prst="rect">
-            <a:avLst/>
-          </a:prstGeom>
-          <a:noFill/>
-        </p:spPr>
-        <p:txBody>
-          <a:bodyPr wrap="square" rtlCol="0">
-            <a:spAutoFit/>
-          </a:bodyPr>
-          <a:lstStyle/>
-          <a:p>
-            <a:r>
-              <a:rPr lang="fr-FR" sz="1200"/>
-              <a:t>Element absorption efficiency (%dw)</a:t>
-            </a:r>
-          </a:p>
-        </p:txBody>
-      </p:sp>
-      <p:sp>
-        <p:nvSpPr>
-          <p:cNvPr id="13" name="Forme libre : forme 12">
-            <a:extLst>
-              <a:ext uri="{FF2B5EF4-FFF2-40B4-BE49-F238E27FC236}">
-                <a16:creationId xmlns:a16="http://schemas.microsoft.com/office/drawing/2014/main" id="{9755C337-F31D-402E-9C56-F6A203771C4A}"/>
-              </a:ext>
-            </a:extLst>
-          </p:cNvPr>
-          <p:cNvSpPr/>
-          <p:nvPr/>
-        </p:nvSpPr>
-        <p:spPr>
-          <a:xfrm>
-            <a:off x="853548" y="1270151"/>
+            <a:off x="876584" y="2524597"/>
             <a:ext cx="1157680" cy="474607"/>
           </a:xfrm>
           <a:custGeom>
@@ -9386,86 +11470,12 @@
           </a:p>
         </p:txBody>
       </p:sp>
-      <p:sp>
-        <p:nvSpPr>
-          <p:cNvPr id="15" name="ZoneTexte 14">
-            <a:extLst>
-              <a:ext uri="{FF2B5EF4-FFF2-40B4-BE49-F238E27FC236}">
-                <a16:creationId xmlns:a16="http://schemas.microsoft.com/office/drawing/2014/main" id="{33AABA49-7143-4D55-9E32-211FA55147E3}"/>
-              </a:ext>
-            </a:extLst>
-          </p:cNvPr>
-          <p:cNvSpPr txBox="1"/>
-          <p:nvPr/>
-        </p:nvSpPr>
-        <p:spPr>
-          <a:xfrm>
-            <a:off x="1662064" y="4615771"/>
-            <a:ext cx="3736793" cy="276999"/>
-          </a:xfrm>
-          <a:prstGeom prst="rect">
-            <a:avLst/>
-          </a:prstGeom>
-          <a:noFill/>
-        </p:spPr>
-        <p:txBody>
-          <a:bodyPr wrap="square" rtlCol="0">
-            <a:spAutoFit/>
-          </a:bodyPr>
-          <a:lstStyle/>
-          <a:p>
-            <a:r>
-              <a:rPr lang="fr-FR" sz="1200"/>
-              <a:t>Mass-specific element intake rate (mg/day / mg indiv)</a:t>
-            </a:r>
-          </a:p>
-        </p:txBody>
-      </p:sp>
-      <p:sp>
-        <p:nvSpPr>
-          <p:cNvPr id="25" name="ZoneTexte 24">
-            <a:extLst>
-              <a:ext uri="{FF2B5EF4-FFF2-40B4-BE49-F238E27FC236}">
-                <a16:creationId xmlns:a16="http://schemas.microsoft.com/office/drawing/2014/main" id="{D0AFAB7C-13DA-4365-8326-55151D60FFDB}"/>
-              </a:ext>
-            </a:extLst>
-          </p:cNvPr>
-          <p:cNvSpPr txBox="1"/>
-          <p:nvPr/>
-        </p:nvSpPr>
-        <p:spPr>
-          <a:xfrm>
-            <a:off x="1053159" y="769961"/>
-            <a:ext cx="836768" cy="369332"/>
-          </a:xfrm>
-          <a:prstGeom prst="rect">
-            <a:avLst/>
-          </a:prstGeom>
-          <a:noFill/>
-        </p:spPr>
-        <p:txBody>
-          <a:bodyPr wrap="square" rtlCol="0">
-            <a:spAutoFit/>
-          </a:bodyPr>
-          <a:lstStyle/>
-          <a:p>
-            <a:r>
-              <a:rPr lang="fr-FR">
-                <a:solidFill>
-                  <a:srgbClr val="C8C8C8"/>
-                </a:solidFill>
-              </a:rPr>
-              <a:t>carbon</a:t>
-            </a:r>
-          </a:p>
-        </p:txBody>
-      </p:sp>
       <p:cxnSp>
         <p:nvCxnSpPr>
-          <p:cNvPr id="18" name="Connecteur droit 17">
-            <a:extLst>
-              <a:ext uri="{FF2B5EF4-FFF2-40B4-BE49-F238E27FC236}">
-                <a16:creationId xmlns:a16="http://schemas.microsoft.com/office/drawing/2014/main" id="{72643D78-A807-4CC5-AFAE-C24D9C5ED4A4}"/>
+          <p:cNvPr id="21" name="Connecteur droit 20">
+            <a:extLst>
+              <a:ext uri="{FF2B5EF4-FFF2-40B4-BE49-F238E27FC236}">
+                <a16:creationId xmlns:a16="http://schemas.microsoft.com/office/drawing/2014/main" id="{13B87BFF-2953-4359-91A3-1A806F5A7FF8}"/>
               </a:ext>
             </a:extLst>
           </p:cNvPr>
@@ -9476,7 +11486,7 @@
         </p:nvCxnSpPr>
         <p:spPr>
           <a:xfrm>
-            <a:off x="736101" y="2368085"/>
+            <a:off x="754619" y="3562900"/>
             <a:ext cx="0" cy="790662"/>
           </a:xfrm>
           <a:prstGeom prst="line">
@@ -9505,10 +11515,10 @@
       </p:cxnSp>
       <p:cxnSp>
         <p:nvCxnSpPr>
-          <p:cNvPr id="19" name="Connecteur droit 18">
-            <a:extLst>
-              <a:ext uri="{FF2B5EF4-FFF2-40B4-BE49-F238E27FC236}">
-                <a16:creationId xmlns:a16="http://schemas.microsoft.com/office/drawing/2014/main" id="{194990F8-DDB3-4F47-9F86-954782CC721F}"/>
+          <p:cNvPr id="22" name="Connecteur droit 21">
+            <a:extLst>
+              <a:ext uri="{FF2B5EF4-FFF2-40B4-BE49-F238E27FC236}">
+                <a16:creationId xmlns:a16="http://schemas.microsoft.com/office/drawing/2014/main" id="{E0C0D890-B4DB-4C1F-AE8A-38899FA3A3C2}"/>
               </a:ext>
             </a:extLst>
           </p:cNvPr>
@@ -9519,7 +11529,7 @@
         </p:nvCxnSpPr>
         <p:spPr>
           <a:xfrm flipH="1" flipV="1">
-            <a:off x="719324" y="3143367"/>
+            <a:off x="737842" y="4338182"/>
             <a:ext cx="1426127" cy="15380"/>
           </a:xfrm>
           <a:prstGeom prst="line">
@@ -9548,10 +11558,10 @@
       </p:cxnSp>
       <p:sp>
         <p:nvSpPr>
-          <p:cNvPr id="20" name="Forme libre : forme 19">
-            <a:extLst>
-              <a:ext uri="{FF2B5EF4-FFF2-40B4-BE49-F238E27FC236}">
-                <a16:creationId xmlns:a16="http://schemas.microsoft.com/office/drawing/2014/main" id="{F0EE8209-7730-49C3-A27F-05A5203A7724}"/>
+          <p:cNvPr id="23" name="Forme libre : forme 22">
+            <a:extLst>
+              <a:ext uri="{FF2B5EF4-FFF2-40B4-BE49-F238E27FC236}">
+                <a16:creationId xmlns:a16="http://schemas.microsoft.com/office/drawing/2014/main" id="{51103D62-6309-4FA0-92A7-B9C5106F58DE}"/>
               </a:ext>
             </a:extLst>
           </p:cNvPr>
@@ -9560,7 +11570,7 @@
         </p:nvSpPr>
         <p:spPr>
           <a:xfrm>
-            <a:off x="876584" y="2524597"/>
+            <a:off x="895102" y="3719412"/>
             <a:ext cx="1157680" cy="474607"/>
           </a:xfrm>
           <a:custGeom>
@@ -9646,12 +11656,90 @@
           </a:p>
         </p:txBody>
       </p:sp>
+      <p:sp>
+        <p:nvSpPr>
+          <p:cNvPr id="39" name="ZoneTexte 38">
+            <a:extLst>
+              <a:ext uri="{FF2B5EF4-FFF2-40B4-BE49-F238E27FC236}">
+                <a16:creationId xmlns:a16="http://schemas.microsoft.com/office/drawing/2014/main" id="{9EE14294-5206-4DD7-AFF2-E27F902B42FA}"/>
+              </a:ext>
+            </a:extLst>
+          </p:cNvPr>
+          <p:cNvSpPr txBox="1"/>
+          <p:nvPr/>
+        </p:nvSpPr>
+        <p:spPr>
+          <a:xfrm>
+            <a:off x="2786264" y="699364"/>
+            <a:ext cx="1175477" cy="369332"/>
+          </a:xfrm>
+          <a:prstGeom prst="rect">
+            <a:avLst/>
+          </a:prstGeom>
+          <a:noFill/>
+        </p:spPr>
+        <p:txBody>
+          <a:bodyPr wrap="square" rtlCol="0">
+            <a:spAutoFit/>
+          </a:bodyPr>
+          <a:lstStyle/>
+          <a:p>
+            <a:r>
+              <a:rPr lang="fr-FR">
+                <a:solidFill>
+                  <a:srgbClr val="C8C8C8"/>
+                </a:solidFill>
+              </a:rPr>
+              <a:t>nitrogen</a:t>
+            </a:r>
+          </a:p>
+        </p:txBody>
+      </p:sp>
+      <p:sp>
+        <p:nvSpPr>
+          <p:cNvPr id="40" name="ZoneTexte 39">
+            <a:extLst>
+              <a:ext uri="{FF2B5EF4-FFF2-40B4-BE49-F238E27FC236}">
+                <a16:creationId xmlns:a16="http://schemas.microsoft.com/office/drawing/2014/main" id="{F00FE61C-2809-45FB-9CBB-A329505E753B}"/>
+              </a:ext>
+            </a:extLst>
+          </p:cNvPr>
+          <p:cNvSpPr txBox="1"/>
+          <p:nvPr/>
+        </p:nvSpPr>
+        <p:spPr>
+          <a:xfrm>
+            <a:off x="4591264" y="664010"/>
+            <a:ext cx="1426120" cy="369332"/>
+          </a:xfrm>
+          <a:prstGeom prst="rect">
+            <a:avLst/>
+          </a:prstGeom>
+          <a:noFill/>
+        </p:spPr>
+        <p:txBody>
+          <a:bodyPr wrap="square" rtlCol="0">
+            <a:spAutoFit/>
+          </a:bodyPr>
+          <a:lstStyle/>
+          <a:p>
+            <a:r>
+              <a:rPr lang="fr-FR">
+                <a:solidFill>
+                  <a:srgbClr val="C8C8C8"/>
+                </a:solidFill>
+              </a:rPr>
+              <a:t>phosphorus</a:t>
+            </a:r>
+          </a:p>
+        </p:txBody>
+      </p:sp>
       <p:cxnSp>
         <p:nvCxnSpPr>
-          <p:cNvPr id="21" name="Connecteur droit 20">
-            <a:extLst>
-              <a:ext uri="{FF2B5EF4-FFF2-40B4-BE49-F238E27FC236}">
-                <a16:creationId xmlns:a16="http://schemas.microsoft.com/office/drawing/2014/main" id="{13B87BFF-2953-4359-91A3-1A806F5A7FF8}"/>
+          <p:cNvPr id="42" name="Connecteur droit 41">
+            <a:extLst>
+              <a:ext uri="{FF2B5EF4-FFF2-40B4-BE49-F238E27FC236}">
+                <a16:creationId xmlns:a16="http://schemas.microsoft.com/office/drawing/2014/main" id="{DCA5ABF9-2247-46FE-980A-1B71AAC258A3}"/>
               </a:ext>
             </a:extLst>
           </p:cNvPr>
@@ -9662,7 +11750,7 @@
         </p:nvCxnSpPr>
         <p:spPr>
           <a:xfrm>
-            <a:off x="754619" y="3562900"/>
+            <a:off x="2607667" y="1129019"/>
             <a:ext cx="0" cy="790662"/>
           </a:xfrm>
           <a:prstGeom prst="line">
@@ -9691,10 +11779,10 @@
       </p:cxnSp>
       <p:cxnSp>
         <p:nvCxnSpPr>
-          <p:cNvPr id="22" name="Connecteur droit 21">
-            <a:extLst>
-              <a:ext uri="{FF2B5EF4-FFF2-40B4-BE49-F238E27FC236}">
-                <a16:creationId xmlns:a16="http://schemas.microsoft.com/office/drawing/2014/main" id="{E0C0D890-B4DB-4C1F-AE8A-38899FA3A3C2}"/>
+          <p:cNvPr id="43" name="Connecteur droit 42">
+            <a:extLst>
+              <a:ext uri="{FF2B5EF4-FFF2-40B4-BE49-F238E27FC236}">
+                <a16:creationId xmlns:a16="http://schemas.microsoft.com/office/drawing/2014/main" id="{82CECA26-98E1-464E-A722-6D67060CE8ED}"/>
               </a:ext>
             </a:extLst>
           </p:cNvPr>
@@ -9705,7 +11793,7 @@
         </p:nvCxnSpPr>
         <p:spPr>
           <a:xfrm flipH="1" flipV="1">
-            <a:off x="737842" y="4338182"/>
+            <a:off x="2590890" y="1904301"/>
             <a:ext cx="1426127" cy="15380"/>
           </a:xfrm>
           <a:prstGeom prst="line">
@@ -9734,10 +11822,10 @@
       </p:cxnSp>
       <p:sp>
         <p:nvSpPr>
-          <p:cNvPr id="23" name="Forme libre : forme 22">
-            <a:extLst>
-              <a:ext uri="{FF2B5EF4-FFF2-40B4-BE49-F238E27FC236}">
-                <a16:creationId xmlns:a16="http://schemas.microsoft.com/office/drawing/2014/main" id="{51103D62-6309-4FA0-92A7-B9C5106F58DE}"/>
+          <p:cNvPr id="44" name="Forme libre : forme 43">
+            <a:extLst>
+              <a:ext uri="{FF2B5EF4-FFF2-40B4-BE49-F238E27FC236}">
+                <a16:creationId xmlns:a16="http://schemas.microsoft.com/office/drawing/2014/main" id="{57582388-D606-46F7-9228-624C1F086403}"/>
               </a:ext>
             </a:extLst>
           </p:cNvPr>
@@ -9746,7 +11834,7 @@
         </p:nvSpPr>
         <p:spPr>
           <a:xfrm>
-            <a:off x="895102" y="3719412"/>
+            <a:off x="2748150" y="1285531"/>
             <a:ext cx="1157680" cy="474607"/>
           </a:xfrm>
           <a:custGeom>
@@ -9834,10 +11922,10 @@
       </p:sp>
       <p:sp>
         <p:nvSpPr>
-          <p:cNvPr id="39" name="ZoneTexte 38">
-            <a:extLst>
-              <a:ext uri="{FF2B5EF4-FFF2-40B4-BE49-F238E27FC236}">
-                <a16:creationId xmlns:a16="http://schemas.microsoft.com/office/drawing/2014/main" id="{9EE14294-5206-4DD7-AFF2-E27F902B42FA}"/>
+          <p:cNvPr id="45" name="ZoneTexte 44">
+            <a:extLst>
+              <a:ext uri="{FF2B5EF4-FFF2-40B4-BE49-F238E27FC236}">
+                <a16:creationId xmlns:a16="http://schemas.microsoft.com/office/drawing/2014/main" id="{65008192-7648-416B-ADA6-B67B757E9A97}"/>
               </a:ext>
             </a:extLst>
           </p:cNvPr>
@@ -9846,8 +11934,8 @@
         </p:nvSpPr>
         <p:spPr>
           <a:xfrm>
-            <a:off x="2786264" y="699364"/>
-            <a:ext cx="1175477" cy="369332"/>
+            <a:off x="2878859" y="3390583"/>
+            <a:ext cx="958061" cy="369332"/>
           </a:xfrm>
           <a:prstGeom prst="rect">
             <a:avLst/>
@@ -9866,56 +11954,17 @@
                   <a:srgbClr val="C8C8C8"/>
                 </a:solidFill>
               </a:rPr>
-              <a:t>nitrogen</a:t>
-            </a:r>
-          </a:p>
-        </p:txBody>
-      </p:sp>
-      <p:sp>
-        <p:nvSpPr>
-          <p:cNvPr id="40" name="ZoneTexte 39">
-            <a:extLst>
-              <a:ext uri="{FF2B5EF4-FFF2-40B4-BE49-F238E27FC236}">
-                <a16:creationId xmlns:a16="http://schemas.microsoft.com/office/drawing/2014/main" id="{F00FE61C-2809-45FB-9CBB-A329505E753B}"/>
-              </a:ext>
-            </a:extLst>
-          </p:cNvPr>
-          <p:cNvSpPr txBox="1"/>
-          <p:nvPr/>
-        </p:nvSpPr>
-        <p:spPr>
-          <a:xfrm>
-            <a:off x="4591264" y="664010"/>
-            <a:ext cx="1426120" cy="369332"/>
-          </a:xfrm>
-          <a:prstGeom prst="rect">
-            <a:avLst/>
-          </a:prstGeom>
-          <a:noFill/>
-        </p:spPr>
-        <p:txBody>
-          <a:bodyPr wrap="square" rtlCol="0">
-            <a:spAutoFit/>
-          </a:bodyPr>
-          <a:lstStyle/>
-          <a:p>
-            <a:r>
-              <a:rPr lang="fr-FR">
-                <a:solidFill>
-                  <a:srgbClr val="C8C8C8"/>
-                </a:solidFill>
-              </a:rPr>
-              <a:t>phosphorus</a:t>
+              <a:t>calcium</a:t>
             </a:r>
           </a:p>
         </p:txBody>
       </p:sp>
       <p:cxnSp>
         <p:nvCxnSpPr>
-          <p:cNvPr id="42" name="Connecteur droit 41">
-            <a:extLst>
-              <a:ext uri="{FF2B5EF4-FFF2-40B4-BE49-F238E27FC236}">
-                <a16:creationId xmlns:a16="http://schemas.microsoft.com/office/drawing/2014/main" id="{DCA5ABF9-2247-46FE-980A-1B71AAC258A3}"/>
+          <p:cNvPr id="46" name="Connecteur droit 45">
+            <a:extLst>
+              <a:ext uri="{FF2B5EF4-FFF2-40B4-BE49-F238E27FC236}">
+                <a16:creationId xmlns:a16="http://schemas.microsoft.com/office/drawing/2014/main" id="{39FE0030-D973-4728-AD74-13C26118AC11}"/>
               </a:ext>
             </a:extLst>
           </p:cNvPr>
@@ -9926,7 +11975,7 @@
         </p:nvCxnSpPr>
         <p:spPr>
           <a:xfrm>
-            <a:off x="2607667" y="1129019"/>
+            <a:off x="2630703" y="2383465"/>
             <a:ext cx="0" cy="790662"/>
           </a:xfrm>
           <a:prstGeom prst="line">
@@ -9955,10 +12004,10 @@
       </p:cxnSp>
       <p:cxnSp>
         <p:nvCxnSpPr>
-          <p:cNvPr id="43" name="Connecteur droit 42">
-            <a:extLst>
-              <a:ext uri="{FF2B5EF4-FFF2-40B4-BE49-F238E27FC236}">
-                <a16:creationId xmlns:a16="http://schemas.microsoft.com/office/drawing/2014/main" id="{82CECA26-98E1-464E-A722-6D67060CE8ED}"/>
+          <p:cNvPr id="47" name="Connecteur droit 46">
+            <a:extLst>
+              <a:ext uri="{FF2B5EF4-FFF2-40B4-BE49-F238E27FC236}">
+                <a16:creationId xmlns:a16="http://schemas.microsoft.com/office/drawing/2014/main" id="{C4E71F7A-A1C1-4924-9C11-D8A65BA2C233}"/>
               </a:ext>
             </a:extLst>
           </p:cNvPr>
@@ -9969,7 +12018,7 @@
         </p:nvCxnSpPr>
         <p:spPr>
           <a:xfrm flipH="1" flipV="1">
-            <a:off x="2590890" y="1904301"/>
+            <a:off x="2613926" y="3158747"/>
             <a:ext cx="1426127" cy="15380"/>
           </a:xfrm>
           <a:prstGeom prst="line">
@@ -9998,10 +12047,10 @@
       </p:cxnSp>
       <p:sp>
         <p:nvSpPr>
-          <p:cNvPr id="44" name="Forme libre : forme 43">
-            <a:extLst>
-              <a:ext uri="{FF2B5EF4-FFF2-40B4-BE49-F238E27FC236}">
-                <a16:creationId xmlns:a16="http://schemas.microsoft.com/office/drawing/2014/main" id="{57582388-D606-46F7-9228-624C1F086403}"/>
+          <p:cNvPr id="48" name="Forme libre : forme 47">
+            <a:extLst>
+              <a:ext uri="{FF2B5EF4-FFF2-40B4-BE49-F238E27FC236}">
+                <a16:creationId xmlns:a16="http://schemas.microsoft.com/office/drawing/2014/main" id="{4371AE6B-BE3F-45C4-A4FE-5E47F349ED90}"/>
               </a:ext>
             </a:extLst>
           </p:cNvPr>
@@ -10010,7 +12059,7 @@
         </p:nvSpPr>
         <p:spPr>
           <a:xfrm>
-            <a:off x="2748150" y="1285531"/>
+            <a:off x="2771186" y="2539977"/>
             <a:ext cx="1157680" cy="474607"/>
           </a:xfrm>
           <a:custGeom>
@@ -10096,51 +12145,12 @@
           </a:p>
         </p:txBody>
       </p:sp>
-      <p:sp>
-        <p:nvSpPr>
-          <p:cNvPr id="45" name="ZoneTexte 44">
-            <a:extLst>
-              <a:ext uri="{FF2B5EF4-FFF2-40B4-BE49-F238E27FC236}">
-                <a16:creationId xmlns:a16="http://schemas.microsoft.com/office/drawing/2014/main" id="{65008192-7648-416B-ADA6-B67B757E9A97}"/>
-              </a:ext>
-            </a:extLst>
-          </p:cNvPr>
-          <p:cNvSpPr txBox="1"/>
-          <p:nvPr/>
-        </p:nvSpPr>
-        <p:spPr>
-          <a:xfrm>
-            <a:off x="2878859" y="3390583"/>
-            <a:ext cx="958061" cy="369332"/>
-          </a:xfrm>
-          <a:prstGeom prst="rect">
-            <a:avLst/>
-          </a:prstGeom>
-          <a:noFill/>
-        </p:spPr>
-        <p:txBody>
-          <a:bodyPr wrap="square" rtlCol="0">
-            <a:spAutoFit/>
-          </a:bodyPr>
-          <a:lstStyle/>
-          <a:p>
-            <a:r>
-              <a:rPr lang="fr-FR">
-                <a:solidFill>
-                  <a:srgbClr val="C8C8C8"/>
-                </a:solidFill>
-              </a:rPr>
-              <a:t>calcium</a:t>
-            </a:r>
-          </a:p>
-        </p:txBody>
-      </p:sp>
       <p:cxnSp>
         <p:nvCxnSpPr>
-          <p:cNvPr id="46" name="Connecteur droit 45">
-            <a:extLst>
-              <a:ext uri="{FF2B5EF4-FFF2-40B4-BE49-F238E27FC236}">
-                <a16:creationId xmlns:a16="http://schemas.microsoft.com/office/drawing/2014/main" id="{39FE0030-D973-4728-AD74-13C26118AC11}"/>
+          <p:cNvPr id="49" name="Connecteur droit 48">
+            <a:extLst>
+              <a:ext uri="{FF2B5EF4-FFF2-40B4-BE49-F238E27FC236}">
+                <a16:creationId xmlns:a16="http://schemas.microsoft.com/office/drawing/2014/main" id="{6694E79A-0709-49A9-8553-968825F2CCD4}"/>
               </a:ext>
             </a:extLst>
           </p:cNvPr>
@@ -10151,7 +12161,7 @@
         </p:nvCxnSpPr>
         <p:spPr>
           <a:xfrm>
-            <a:off x="2630703" y="2383465"/>
+            <a:off x="2649221" y="3578280"/>
             <a:ext cx="0" cy="790662"/>
           </a:xfrm>
           <a:prstGeom prst="line">
@@ -10180,10 +12190,10 @@
       </p:cxnSp>
       <p:cxnSp>
         <p:nvCxnSpPr>
-          <p:cNvPr id="47" name="Connecteur droit 46">
-            <a:extLst>
-              <a:ext uri="{FF2B5EF4-FFF2-40B4-BE49-F238E27FC236}">
-                <a16:creationId xmlns:a16="http://schemas.microsoft.com/office/drawing/2014/main" id="{C4E71F7A-A1C1-4924-9C11-D8A65BA2C233}"/>
+          <p:cNvPr id="50" name="Connecteur droit 49">
+            <a:extLst>
+              <a:ext uri="{FF2B5EF4-FFF2-40B4-BE49-F238E27FC236}">
+                <a16:creationId xmlns:a16="http://schemas.microsoft.com/office/drawing/2014/main" id="{5B2E1E99-D89E-434C-BEB3-22B328E07E13}"/>
               </a:ext>
             </a:extLst>
           </p:cNvPr>
@@ -10194,7 +12204,7 @@
         </p:nvCxnSpPr>
         <p:spPr>
           <a:xfrm flipH="1" flipV="1">
-            <a:off x="2613926" y="3158747"/>
+            <a:off x="2632444" y="4353562"/>
             <a:ext cx="1426127" cy="15380"/>
           </a:xfrm>
           <a:prstGeom prst="line">
@@ -10223,10 +12233,10 @@
       </p:cxnSp>
       <p:sp>
         <p:nvSpPr>
-          <p:cNvPr id="48" name="Forme libre : forme 47">
-            <a:extLst>
-              <a:ext uri="{FF2B5EF4-FFF2-40B4-BE49-F238E27FC236}">
-                <a16:creationId xmlns:a16="http://schemas.microsoft.com/office/drawing/2014/main" id="{4371AE6B-BE3F-45C4-A4FE-5E47F349ED90}"/>
+          <p:cNvPr id="51" name="Forme libre : forme 50">
+            <a:extLst>
+              <a:ext uri="{FF2B5EF4-FFF2-40B4-BE49-F238E27FC236}">
+                <a16:creationId xmlns:a16="http://schemas.microsoft.com/office/drawing/2014/main" id="{C3B0ADA3-4DAF-47A1-A7D8-32C70C7DA4AC}"/>
               </a:ext>
             </a:extLst>
           </p:cNvPr>
@@ -10235,7 +12245,7 @@
         </p:nvSpPr>
         <p:spPr>
           <a:xfrm>
-            <a:off x="2771186" y="2539977"/>
+            <a:off x="2789704" y="3734792"/>
             <a:ext cx="1157680" cy="474607"/>
           </a:xfrm>
           <a:custGeom>
@@ -10321,12 +12331,90 @@
           </a:p>
         </p:txBody>
       </p:sp>
+      <p:sp>
+        <p:nvSpPr>
+          <p:cNvPr id="52" name="ZoneTexte 51">
+            <a:extLst>
+              <a:ext uri="{FF2B5EF4-FFF2-40B4-BE49-F238E27FC236}">
+                <a16:creationId xmlns:a16="http://schemas.microsoft.com/office/drawing/2014/main" id="{D8E9CCA3-5644-436D-ACE1-A2239C30C5A7}"/>
+              </a:ext>
+            </a:extLst>
+          </p:cNvPr>
+          <p:cNvSpPr txBox="1"/>
+          <p:nvPr/>
+        </p:nvSpPr>
+        <p:spPr>
+          <a:xfrm>
+            <a:off x="944359" y="3264209"/>
+            <a:ext cx="1175477" cy="369332"/>
+          </a:xfrm>
+          <a:prstGeom prst="rect">
+            <a:avLst/>
+          </a:prstGeom>
+          <a:noFill/>
+        </p:spPr>
+        <p:txBody>
+          <a:bodyPr wrap="square" rtlCol="0">
+            <a:spAutoFit/>
+          </a:bodyPr>
+          <a:lstStyle/>
+          <a:p>
+            <a:r>
+              <a:rPr lang="fr-FR">
+                <a:solidFill>
+                  <a:srgbClr val="C8C8C8"/>
+                </a:solidFill>
+              </a:rPr>
+              <a:t>potassium</a:t>
+            </a:r>
+          </a:p>
+        </p:txBody>
+      </p:sp>
+      <p:sp>
+        <p:nvSpPr>
+          <p:cNvPr id="53" name="ZoneTexte 52">
+            <a:extLst>
+              <a:ext uri="{FF2B5EF4-FFF2-40B4-BE49-F238E27FC236}">
+                <a16:creationId xmlns:a16="http://schemas.microsoft.com/office/drawing/2014/main" id="{4B287D6B-0D87-4E12-9845-D56E1096A430}"/>
+              </a:ext>
+            </a:extLst>
+          </p:cNvPr>
+          <p:cNvSpPr txBox="1"/>
+          <p:nvPr/>
+        </p:nvSpPr>
+        <p:spPr>
+          <a:xfrm>
+            <a:off x="2835779" y="2135824"/>
+            <a:ext cx="1426120" cy="369332"/>
+          </a:xfrm>
+          <a:prstGeom prst="rect">
+            <a:avLst/>
+          </a:prstGeom>
+          <a:noFill/>
+        </p:spPr>
+        <p:txBody>
+          <a:bodyPr wrap="square" rtlCol="0">
+            <a:spAutoFit/>
+          </a:bodyPr>
+          <a:lstStyle/>
+          <a:p>
+            <a:r>
+              <a:rPr lang="fr-FR">
+                <a:solidFill>
+                  <a:srgbClr val="C8C8C8"/>
+                </a:solidFill>
+              </a:rPr>
+              <a:t>magnesium</a:t>
+            </a:r>
+          </a:p>
+        </p:txBody>
+      </p:sp>
       <p:cxnSp>
         <p:nvCxnSpPr>
-          <p:cNvPr id="49" name="Connecteur droit 48">
-            <a:extLst>
-              <a:ext uri="{FF2B5EF4-FFF2-40B4-BE49-F238E27FC236}">
-                <a16:creationId xmlns:a16="http://schemas.microsoft.com/office/drawing/2014/main" id="{6694E79A-0709-49A9-8553-968825F2CCD4}"/>
+          <p:cNvPr id="54" name="Connecteur droit 53">
+            <a:extLst>
+              <a:ext uri="{FF2B5EF4-FFF2-40B4-BE49-F238E27FC236}">
+                <a16:creationId xmlns:a16="http://schemas.microsoft.com/office/drawing/2014/main" id="{7634349E-F50C-4814-B163-6D997B3E7A2E}"/>
               </a:ext>
             </a:extLst>
           </p:cNvPr>
@@ -10337,7 +12425,7 @@
         </p:nvCxnSpPr>
         <p:spPr>
           <a:xfrm>
-            <a:off x="2649221" y="3578280"/>
+            <a:off x="4460715" y="1121329"/>
             <a:ext cx="0" cy="790662"/>
           </a:xfrm>
           <a:prstGeom prst="line">
@@ -10366,10 +12454,10 @@
       </p:cxnSp>
       <p:cxnSp>
         <p:nvCxnSpPr>
-          <p:cNvPr id="50" name="Connecteur droit 49">
-            <a:extLst>
-              <a:ext uri="{FF2B5EF4-FFF2-40B4-BE49-F238E27FC236}">
-                <a16:creationId xmlns:a16="http://schemas.microsoft.com/office/drawing/2014/main" id="{5B2E1E99-D89E-434C-BEB3-22B328E07E13}"/>
+          <p:cNvPr id="55" name="Connecteur droit 54">
+            <a:extLst>
+              <a:ext uri="{FF2B5EF4-FFF2-40B4-BE49-F238E27FC236}">
+                <a16:creationId xmlns:a16="http://schemas.microsoft.com/office/drawing/2014/main" id="{02406FC5-448A-46ED-BBA4-DA2C5582A510}"/>
               </a:ext>
             </a:extLst>
           </p:cNvPr>
@@ -10380,7 +12468,7 @@
         </p:nvCxnSpPr>
         <p:spPr>
           <a:xfrm flipH="1" flipV="1">
-            <a:off x="2632444" y="4353562"/>
+            <a:off x="4443938" y="1896611"/>
             <a:ext cx="1426127" cy="15380"/>
           </a:xfrm>
           <a:prstGeom prst="line">
@@ -10409,10 +12497,10 @@
       </p:cxnSp>
       <p:sp>
         <p:nvSpPr>
-          <p:cNvPr id="51" name="Forme libre : forme 50">
-            <a:extLst>
-              <a:ext uri="{FF2B5EF4-FFF2-40B4-BE49-F238E27FC236}">
-                <a16:creationId xmlns:a16="http://schemas.microsoft.com/office/drawing/2014/main" id="{C3B0ADA3-4DAF-47A1-A7D8-32C70C7DA4AC}"/>
+          <p:cNvPr id="56" name="Forme libre : forme 55">
+            <a:extLst>
+              <a:ext uri="{FF2B5EF4-FFF2-40B4-BE49-F238E27FC236}">
+                <a16:creationId xmlns:a16="http://schemas.microsoft.com/office/drawing/2014/main" id="{BC287408-67DD-4ECD-8E49-921D9A1C2616}"/>
               </a:ext>
             </a:extLst>
           </p:cNvPr>
@@ -10421,7 +12509,7 @@
         </p:nvSpPr>
         <p:spPr>
           <a:xfrm>
-            <a:off x="2789704" y="3734792"/>
+            <a:off x="4601198" y="1277841"/>
             <a:ext cx="1157680" cy="474607"/>
           </a:xfrm>
           <a:custGeom>
@@ -10509,10 +12597,10 @@
       </p:sp>
       <p:sp>
         <p:nvSpPr>
-          <p:cNvPr id="52" name="ZoneTexte 51">
-            <a:extLst>
-              <a:ext uri="{FF2B5EF4-FFF2-40B4-BE49-F238E27FC236}">
-                <a16:creationId xmlns:a16="http://schemas.microsoft.com/office/drawing/2014/main" id="{D8E9CCA3-5644-436D-ACE1-A2239C30C5A7}"/>
+          <p:cNvPr id="57" name="ZoneTexte 56">
+            <a:extLst>
+              <a:ext uri="{FF2B5EF4-FFF2-40B4-BE49-F238E27FC236}">
+                <a16:creationId xmlns:a16="http://schemas.microsoft.com/office/drawing/2014/main" id="{FF4DE6FA-4222-4F62-8E11-F678A701B486}"/>
               </a:ext>
             </a:extLst>
           </p:cNvPr>
@@ -10521,8 +12609,8 @@
         </p:nvSpPr>
         <p:spPr>
           <a:xfrm>
-            <a:off x="944359" y="3264209"/>
-            <a:ext cx="1175477" cy="369332"/>
+            <a:off x="5180037" y="2061194"/>
+            <a:ext cx="958061" cy="369332"/>
           </a:xfrm>
           <a:prstGeom prst="rect">
             <a:avLst/>
@@ -10541,56 +12629,17 @@
                   <a:srgbClr val="C8C8C8"/>
                 </a:solidFill>
               </a:rPr>
-              <a:t>potassium</a:t>
-            </a:r>
-          </a:p>
-        </p:txBody>
-      </p:sp>
-      <p:sp>
-        <p:nvSpPr>
-          <p:cNvPr id="53" name="ZoneTexte 52">
-            <a:extLst>
-              <a:ext uri="{FF2B5EF4-FFF2-40B4-BE49-F238E27FC236}">
-                <a16:creationId xmlns:a16="http://schemas.microsoft.com/office/drawing/2014/main" id="{4B287D6B-0D87-4E12-9845-D56E1096A430}"/>
-              </a:ext>
-            </a:extLst>
-          </p:cNvPr>
-          <p:cNvSpPr txBox="1"/>
-          <p:nvPr/>
-        </p:nvSpPr>
-        <p:spPr>
-          <a:xfrm>
-            <a:off x="2835779" y="2135824"/>
-            <a:ext cx="1426120" cy="369332"/>
-          </a:xfrm>
-          <a:prstGeom prst="rect">
-            <a:avLst/>
-          </a:prstGeom>
-          <a:noFill/>
-        </p:spPr>
-        <p:txBody>
-          <a:bodyPr wrap="square" rtlCol="0">
-            <a:spAutoFit/>
-          </a:bodyPr>
-          <a:lstStyle/>
-          <a:p>
-            <a:r>
-              <a:rPr lang="fr-FR">
-                <a:solidFill>
-                  <a:srgbClr val="C8C8C8"/>
-                </a:solidFill>
-              </a:rPr>
-              <a:t>magnesium</a:t>
+              <a:t>sulfur</a:t>
             </a:r>
           </a:p>
         </p:txBody>
       </p:sp>
       <p:cxnSp>
         <p:nvCxnSpPr>
-          <p:cNvPr id="54" name="Connecteur droit 53">
-            <a:extLst>
-              <a:ext uri="{FF2B5EF4-FFF2-40B4-BE49-F238E27FC236}">
-                <a16:creationId xmlns:a16="http://schemas.microsoft.com/office/drawing/2014/main" id="{7634349E-F50C-4814-B163-6D997B3E7A2E}"/>
+          <p:cNvPr id="58" name="Connecteur droit 57">
+            <a:extLst>
+              <a:ext uri="{FF2B5EF4-FFF2-40B4-BE49-F238E27FC236}">
+                <a16:creationId xmlns:a16="http://schemas.microsoft.com/office/drawing/2014/main" id="{18FF18A9-245C-4AEF-A8EB-BD5A50794E55}"/>
               </a:ext>
             </a:extLst>
           </p:cNvPr>
@@ -10601,7 +12650,7 @@
         </p:nvCxnSpPr>
         <p:spPr>
           <a:xfrm>
-            <a:off x="4460715" y="1121329"/>
+            <a:off x="4483751" y="2375775"/>
             <a:ext cx="0" cy="790662"/>
           </a:xfrm>
           <a:prstGeom prst="line">
@@ -10630,10 +12679,10 @@
       </p:cxnSp>
       <p:cxnSp>
         <p:nvCxnSpPr>
-          <p:cNvPr id="55" name="Connecteur droit 54">
-            <a:extLst>
-              <a:ext uri="{FF2B5EF4-FFF2-40B4-BE49-F238E27FC236}">
-                <a16:creationId xmlns:a16="http://schemas.microsoft.com/office/drawing/2014/main" id="{02406FC5-448A-46ED-BBA4-DA2C5582A510}"/>
+          <p:cNvPr id="59" name="Connecteur droit 58">
+            <a:extLst>
+              <a:ext uri="{FF2B5EF4-FFF2-40B4-BE49-F238E27FC236}">
+                <a16:creationId xmlns:a16="http://schemas.microsoft.com/office/drawing/2014/main" id="{8C299A52-02BE-43C2-AE82-BF3FD6C40E7C}"/>
               </a:ext>
             </a:extLst>
           </p:cNvPr>
@@ -10644,7 +12693,7 @@
         </p:nvCxnSpPr>
         <p:spPr>
           <a:xfrm flipH="1" flipV="1">
-            <a:off x="4443938" y="1896611"/>
+            <a:off x="4466974" y="3151057"/>
             <a:ext cx="1426127" cy="15380"/>
           </a:xfrm>
           <a:prstGeom prst="line">
@@ -10673,10 +12722,10 @@
       </p:cxnSp>
       <p:sp>
         <p:nvSpPr>
-          <p:cNvPr id="56" name="Forme libre : forme 55">
-            <a:extLst>
-              <a:ext uri="{FF2B5EF4-FFF2-40B4-BE49-F238E27FC236}">
-                <a16:creationId xmlns:a16="http://schemas.microsoft.com/office/drawing/2014/main" id="{BC287408-67DD-4ECD-8E49-921D9A1C2616}"/>
+          <p:cNvPr id="60" name="Forme libre : forme 59">
+            <a:extLst>
+              <a:ext uri="{FF2B5EF4-FFF2-40B4-BE49-F238E27FC236}">
+                <a16:creationId xmlns:a16="http://schemas.microsoft.com/office/drawing/2014/main" id="{B48A25BF-2806-42E4-A41D-36426BAF84E2}"/>
               </a:ext>
             </a:extLst>
           </p:cNvPr>
@@ -10685,7 +12734,7 @@
         </p:nvSpPr>
         <p:spPr>
           <a:xfrm>
-            <a:off x="4601198" y="1277841"/>
+            <a:off x="4624234" y="2532287"/>
             <a:ext cx="1157680" cy="474607"/>
           </a:xfrm>
           <a:custGeom>
@@ -10773,231 +12822,6 @@
       </p:sp>
       <p:sp>
         <p:nvSpPr>
-          <p:cNvPr id="57" name="ZoneTexte 56">
-            <a:extLst>
-              <a:ext uri="{FF2B5EF4-FFF2-40B4-BE49-F238E27FC236}">
-                <a16:creationId xmlns:a16="http://schemas.microsoft.com/office/drawing/2014/main" id="{FF4DE6FA-4222-4F62-8E11-F678A701B486}"/>
-              </a:ext>
-            </a:extLst>
-          </p:cNvPr>
-          <p:cNvSpPr txBox="1"/>
-          <p:nvPr/>
-        </p:nvSpPr>
-        <p:spPr>
-          <a:xfrm>
-            <a:off x="5180037" y="2061194"/>
-            <a:ext cx="958061" cy="369332"/>
-          </a:xfrm>
-          <a:prstGeom prst="rect">
-            <a:avLst/>
-          </a:prstGeom>
-          <a:noFill/>
-        </p:spPr>
-        <p:txBody>
-          <a:bodyPr wrap="square" rtlCol="0">
-            <a:spAutoFit/>
-          </a:bodyPr>
-          <a:lstStyle/>
-          <a:p>
-            <a:r>
-              <a:rPr lang="fr-FR">
-                <a:solidFill>
-                  <a:srgbClr val="C8C8C8"/>
-                </a:solidFill>
-              </a:rPr>
-              <a:t>sulfur</a:t>
-            </a:r>
-          </a:p>
-        </p:txBody>
-      </p:sp>
-      <p:cxnSp>
-        <p:nvCxnSpPr>
-          <p:cNvPr id="58" name="Connecteur droit 57">
-            <a:extLst>
-              <a:ext uri="{FF2B5EF4-FFF2-40B4-BE49-F238E27FC236}">
-                <a16:creationId xmlns:a16="http://schemas.microsoft.com/office/drawing/2014/main" id="{18FF18A9-245C-4AEF-A8EB-BD5A50794E55}"/>
-              </a:ext>
-            </a:extLst>
-          </p:cNvPr>
-          <p:cNvCxnSpPr>
-            <a:cxnSpLocks/>
-          </p:cNvCxnSpPr>
-          <p:nvPr/>
-        </p:nvCxnSpPr>
-        <p:spPr>
-          <a:xfrm>
-            <a:off x="4483751" y="2375775"/>
-            <a:ext cx="0" cy="790662"/>
-          </a:xfrm>
-          <a:prstGeom prst="line">
-            <a:avLst/>
-          </a:prstGeom>
-          <a:ln w="57150">
-            <a:solidFill>
-              <a:schemeClr val="tx1"/>
-            </a:solidFill>
-          </a:ln>
-        </p:spPr>
-        <p:style>
-          <a:lnRef idx="1">
-            <a:schemeClr val="accent1"/>
-          </a:lnRef>
-          <a:fillRef idx="0">
-            <a:schemeClr val="accent1"/>
-          </a:fillRef>
-          <a:effectRef idx="0">
-            <a:schemeClr val="accent1"/>
-          </a:effectRef>
-          <a:fontRef idx="minor">
-            <a:schemeClr val="tx1"/>
-          </a:fontRef>
-        </p:style>
-      </p:cxnSp>
-      <p:cxnSp>
-        <p:nvCxnSpPr>
-          <p:cNvPr id="59" name="Connecteur droit 58">
-            <a:extLst>
-              <a:ext uri="{FF2B5EF4-FFF2-40B4-BE49-F238E27FC236}">
-                <a16:creationId xmlns:a16="http://schemas.microsoft.com/office/drawing/2014/main" id="{8C299A52-02BE-43C2-AE82-BF3FD6C40E7C}"/>
-              </a:ext>
-            </a:extLst>
-          </p:cNvPr>
-          <p:cNvCxnSpPr>
-            <a:cxnSpLocks/>
-          </p:cNvCxnSpPr>
-          <p:nvPr/>
-        </p:nvCxnSpPr>
-        <p:spPr>
-          <a:xfrm flipH="1" flipV="1">
-            <a:off x="4466974" y="3151057"/>
-            <a:ext cx="1426127" cy="15380"/>
-          </a:xfrm>
-          <a:prstGeom prst="line">
-            <a:avLst/>
-          </a:prstGeom>
-          <a:ln w="57150">
-            <a:solidFill>
-              <a:schemeClr val="tx1"/>
-            </a:solidFill>
-          </a:ln>
-        </p:spPr>
-        <p:style>
-          <a:lnRef idx="1">
-            <a:schemeClr val="accent1"/>
-          </a:lnRef>
-          <a:fillRef idx="0">
-            <a:schemeClr val="accent1"/>
-          </a:fillRef>
-          <a:effectRef idx="0">
-            <a:schemeClr val="accent1"/>
-          </a:effectRef>
-          <a:fontRef idx="minor">
-            <a:schemeClr val="tx1"/>
-          </a:fontRef>
-        </p:style>
-      </p:cxnSp>
-      <p:sp>
-        <p:nvSpPr>
-          <p:cNvPr id="60" name="Forme libre : forme 59">
-            <a:extLst>
-              <a:ext uri="{FF2B5EF4-FFF2-40B4-BE49-F238E27FC236}">
-                <a16:creationId xmlns:a16="http://schemas.microsoft.com/office/drawing/2014/main" id="{B48A25BF-2806-42E4-A41D-36426BAF84E2}"/>
-              </a:ext>
-            </a:extLst>
-          </p:cNvPr>
-          <p:cNvSpPr/>
-          <p:nvPr/>
-        </p:nvSpPr>
-        <p:spPr>
-          <a:xfrm>
-            <a:off x="4624234" y="2532287"/>
-            <a:ext cx="1157680" cy="474607"/>
-          </a:xfrm>
-          <a:custGeom>
-            <a:avLst/>
-            <a:gdLst>
-              <a:gd name="connsiteX0" fmla="*/ 0 w 3984771"/>
-              <a:gd name="connsiteY0" fmla="*/ 1319747 h 2630457"/>
-              <a:gd name="connsiteX1" fmla="*/ 570451 w 3984771"/>
-              <a:gd name="connsiteY1" fmla="*/ 19453 h 2630457"/>
-              <a:gd name="connsiteX2" fmla="*/ 1946246 w 3984771"/>
-              <a:gd name="connsiteY2" fmla="*/ 2208980 h 2630457"/>
-              <a:gd name="connsiteX3" fmla="*/ 3984771 w 3984771"/>
-              <a:gd name="connsiteY3" fmla="*/ 2628430 h 2630457"/>
-            </a:gdLst>
-            <a:ahLst/>
-            <a:cxnLst>
-              <a:cxn ang="0">
-                <a:pos x="connsiteX0" y="connsiteY0"/>
-              </a:cxn>
-              <a:cxn ang="0">
-                <a:pos x="connsiteX1" y="connsiteY1"/>
-              </a:cxn>
-              <a:cxn ang="0">
-                <a:pos x="connsiteX2" y="connsiteY2"/>
-              </a:cxn>
-              <a:cxn ang="0">
-                <a:pos x="connsiteX3" y="connsiteY3"/>
-              </a:cxn>
-            </a:cxnLst>
-            <a:rect l="l" t="t" r="r" b="b"/>
-            <a:pathLst>
-              <a:path w="3984771" h="2630457">
-                <a:moveTo>
-                  <a:pt x="0" y="1319747"/>
-                </a:moveTo>
-                <a:cubicBezTo>
-                  <a:pt x="123038" y="595497"/>
-                  <a:pt x="246077" y="-128752"/>
-                  <a:pt x="570451" y="19453"/>
-                </a:cubicBezTo>
-                <a:cubicBezTo>
-                  <a:pt x="894825" y="167658"/>
-                  <a:pt x="1377193" y="1774150"/>
-                  <a:pt x="1946246" y="2208980"/>
-                </a:cubicBezTo>
-                <a:cubicBezTo>
-                  <a:pt x="2515299" y="2643810"/>
-                  <a:pt x="3250035" y="2636120"/>
-                  <a:pt x="3984771" y="2628430"/>
-                </a:cubicBezTo>
-              </a:path>
-            </a:pathLst>
-          </a:custGeom>
-          <a:noFill/>
-          <a:ln w="57150">
-            <a:solidFill>
-              <a:srgbClr val="C8C8C8"/>
-            </a:solidFill>
-          </a:ln>
-        </p:spPr>
-        <p:style>
-          <a:lnRef idx="2">
-            <a:schemeClr val="accent1">
-              <a:shade val="50000"/>
-            </a:schemeClr>
-          </a:lnRef>
-          <a:fillRef idx="1">
-            <a:schemeClr val="accent1"/>
-          </a:fillRef>
-          <a:effectRef idx="0">
-            <a:schemeClr val="accent1"/>
-          </a:effectRef>
-          <a:fontRef idx="minor">
-            <a:schemeClr val="lt1"/>
-          </a:fontRef>
-        </p:style>
-        <p:txBody>
-          <a:bodyPr rtlCol="0" anchor="ctr"/>
-          <a:lstStyle/>
-          <a:p>
-            <a:pPr algn="ctr"/>
-            <a:endParaRPr lang="fr-FR"/>
-          </a:p>
-        </p:txBody>
-      </p:sp>
-      <p:sp>
-        <p:nvSpPr>
           <p:cNvPr id="64" name="ZoneTexte 63">
             <a:extLst>
               <a:ext uri="{FF2B5EF4-FFF2-40B4-BE49-F238E27FC236}">
@@ -11048,7 +12872,7 @@
 </p:sld>
 </file>
 
-<file path=ppt/slides/slide5.xml><?xml version="1.0" encoding="utf-8"?>
+<file path=ppt/slides/slide6.xml><?xml version="1.0" encoding="utf-8"?>
 <p:sld xmlns:a="http://schemas.openxmlformats.org/drawingml/2006/main" xmlns:r="http://schemas.openxmlformats.org/officeDocument/2006/relationships" xmlns:p="http://schemas.openxmlformats.org/presentationml/2006/main">
   <p:cSld>
     <p:spTree>
@@ -11087,7 +12911,7 @@
         </p:blipFill>
         <p:spPr>
           <a:xfrm>
-            <a:off x="6453932" y="44042"/>
+            <a:off x="1031701" y="220505"/>
             <a:ext cx="2959436" cy="6858000"/>
           </a:xfrm>
           <a:prstGeom prst="rect">
@@ -11125,6 +12949,58 @@
           </a:prstGeom>
         </p:spPr>
       </p:pic>
+      <p:sp>
+        <p:nvSpPr>
+          <p:cNvPr id="2" name="Ellipse 1">
+            <a:extLst>
+              <a:ext uri="{FF2B5EF4-FFF2-40B4-BE49-F238E27FC236}">
+                <a16:creationId xmlns:a16="http://schemas.microsoft.com/office/drawing/2014/main" id="{B1C785C7-2AAF-44D2-87FD-E210EBEC23FD}"/>
+              </a:ext>
+            </a:extLst>
+          </p:cNvPr>
+          <p:cNvSpPr/>
+          <p:nvPr/>
+        </p:nvSpPr>
+        <p:spPr>
+          <a:xfrm>
+            <a:off x="5727032" y="1973179"/>
+            <a:ext cx="914400" cy="914400"/>
+          </a:xfrm>
+          <a:prstGeom prst="ellipse">
+            <a:avLst/>
+          </a:prstGeom>
+          <a:solidFill>
+            <a:srgbClr val="FFA500"/>
+          </a:solidFill>
+          <a:ln>
+            <a:noFill/>
+          </a:ln>
+        </p:spPr>
+        <p:style>
+          <a:lnRef idx="2">
+            <a:schemeClr val="accent1">
+              <a:shade val="50000"/>
+            </a:schemeClr>
+          </a:lnRef>
+          <a:fillRef idx="1">
+            <a:schemeClr val="accent1"/>
+          </a:fillRef>
+          <a:effectRef idx="0">
+            <a:schemeClr val="accent1"/>
+          </a:effectRef>
+          <a:fontRef idx="minor">
+            <a:schemeClr val="lt1"/>
+          </a:fontRef>
+        </p:style>
+        <p:txBody>
+          <a:bodyPr rtlCol="0" anchor="ctr"/>
+          <a:lstStyle/>
+          <a:p>
+            <a:pPr algn="ctr"/>
+            <a:endParaRPr lang="fr-FR"/>
+          </a:p>
+        </p:txBody>
+      </p:sp>
     </p:spTree>
     <p:extLst>
       <p:ext uri="{BB962C8B-B14F-4D97-AF65-F5344CB8AC3E}">
